--- a/Presentation/Presentation slide.pptx
+++ b/Presentation/Presentation slide.pptx
@@ -2,23 +2,22 @@
 <file path=ppt/presentation.xml><?xml version="1.0" encoding="utf-8"?>
 <p:presentation xmlns:a="http://schemas.openxmlformats.org/drawingml/2006/main" xmlns:r="http://schemas.openxmlformats.org/officeDocument/2006/relationships" xmlns:p="http://schemas.openxmlformats.org/presentationml/2006/main" saveSubsetFonts="1">
   <p:sldMasterIdLst>
-    <p:sldMasterId id="2147483648" r:id="rId1"/>
+    <p:sldMasterId id="2147483660" r:id="rId1"/>
   </p:sldMasterIdLst>
   <p:sldIdLst>
-    <p:sldId id="256" r:id="rId2"/>
-    <p:sldId id="257" r:id="rId3"/>
-    <p:sldId id="258" r:id="rId4"/>
-    <p:sldId id="259" r:id="rId5"/>
-    <p:sldId id="260" r:id="rId6"/>
-    <p:sldId id="261" r:id="rId7"/>
-    <p:sldId id="262" r:id="rId8"/>
-    <p:sldId id="263" r:id="rId9"/>
+    <p:sldId id="259" r:id="rId2"/>
+    <p:sldId id="258" r:id="rId3"/>
+    <p:sldId id="260" r:id="rId4"/>
+    <p:sldId id="261" r:id="rId5"/>
+    <p:sldId id="270" r:id="rId6"/>
+    <p:sldId id="271" r:id="rId7"/>
+    <p:sldId id="272" r:id="rId8"/>
+    <p:sldId id="262" r:id="rId9"/>
     <p:sldId id="264" r:id="rId10"/>
-    <p:sldId id="265" r:id="rId11"/>
-    <p:sldId id="268" r:id="rId12"/>
-    <p:sldId id="266" r:id="rId13"/>
-    <p:sldId id="269" r:id="rId14"/>
-    <p:sldId id="267" r:id="rId15"/>
+    <p:sldId id="268" r:id="rId11"/>
+    <p:sldId id="266" r:id="rId12"/>
+    <p:sldId id="269" r:id="rId13"/>
+    <p:sldId id="267" r:id="rId14"/>
   </p:sldIdLst>
   <p:sldSz cx="12192000" cy="6858000"/>
   <p:notesSz cx="6858000" cy="9144000"/>
@@ -117,6 +116,11 @@
       </a:defRPr>
     </a:lvl9pPr>
   </p:defaultTextStyle>
+  <p:extLst>
+    <p:ext uri="{EFAFB233-063F-42B5-8137-9DF3F51BA10A}">
+      <p15:sldGuideLst xmlns:p15="http://schemas.microsoft.com/office/powerpoint/2012/main"/>
+    </p:ext>
+  </p:extLst>
 </p:presentation>
 </file>
 
@@ -149,15 +153,15 @@
         </p:nvSpPr>
         <p:spPr>
           <a:xfrm>
-            <a:off x="1524000" y="1122363"/>
-            <a:ext cx="9144000" cy="2387600"/>
+            <a:off x="1154955" y="1447800"/>
+            <a:ext cx="8825658" cy="3329581"/>
           </a:xfrm>
         </p:spPr>
         <p:txBody>
           <a:bodyPr anchor="b"/>
           <a:lstStyle>
-            <a:lvl1pPr algn="ctr">
-              <a:defRPr sz="6000"/>
+            <a:lvl1pPr>
+              <a:defRPr sz="7200"/>
             </a:lvl1pPr>
           </a:lstStyle>
           <a:p>
@@ -165,7 +169,7 @@
               <a:rPr lang="en-US" smtClean="0"/>
               <a:t>Click to edit Master title style</a:t>
             </a:r>
-            <a:endParaRPr lang="en-US"/>
+            <a:endParaRPr lang="en-US" dirty="0"/>
           </a:p>
         </p:txBody>
       </p:sp>
@@ -181,48 +185,103 @@
         </p:nvSpPr>
         <p:spPr>
           <a:xfrm>
-            <a:off x="1524000" y="3602038"/>
-            <a:ext cx="9144000" cy="1655762"/>
+            <a:off x="1154955" y="4777380"/>
+            <a:ext cx="8825658" cy="861420"/>
           </a:xfrm>
         </p:spPr>
         <p:txBody>
-          <a:bodyPr/>
+          <a:bodyPr anchor="t"/>
           <a:lstStyle>
-            <a:lvl1pPr marL="0" indent="0" algn="ctr">
-              <a:buNone/>
-              <a:defRPr sz="2400"/>
+            <a:lvl1pPr marL="0" indent="0" algn="l">
+              <a:buNone/>
+              <a:defRPr cap="all">
+                <a:solidFill>
+                  <a:schemeClr val="bg2">
+                    <a:lumMod val="40000"/>
+                    <a:lumOff val="60000"/>
+                  </a:schemeClr>
+                </a:solidFill>
+              </a:defRPr>
             </a:lvl1pPr>
             <a:lvl2pPr marL="457200" indent="0" algn="ctr">
               <a:buNone/>
-              <a:defRPr sz="2000"/>
+              <a:defRPr>
+                <a:solidFill>
+                  <a:schemeClr val="tx1">
+                    <a:tint val="75000"/>
+                  </a:schemeClr>
+                </a:solidFill>
+              </a:defRPr>
             </a:lvl2pPr>
             <a:lvl3pPr marL="914400" indent="0" algn="ctr">
               <a:buNone/>
-              <a:defRPr sz="1800"/>
+              <a:defRPr>
+                <a:solidFill>
+                  <a:schemeClr val="tx1">
+                    <a:tint val="75000"/>
+                  </a:schemeClr>
+                </a:solidFill>
+              </a:defRPr>
             </a:lvl3pPr>
             <a:lvl4pPr marL="1371600" indent="0" algn="ctr">
               <a:buNone/>
-              <a:defRPr sz="1600"/>
+              <a:defRPr>
+                <a:solidFill>
+                  <a:schemeClr val="tx1">
+                    <a:tint val="75000"/>
+                  </a:schemeClr>
+                </a:solidFill>
+              </a:defRPr>
             </a:lvl4pPr>
             <a:lvl5pPr marL="1828800" indent="0" algn="ctr">
               <a:buNone/>
-              <a:defRPr sz="1600"/>
+              <a:defRPr>
+                <a:solidFill>
+                  <a:schemeClr val="tx1">
+                    <a:tint val="75000"/>
+                  </a:schemeClr>
+                </a:solidFill>
+              </a:defRPr>
             </a:lvl5pPr>
             <a:lvl6pPr marL="2286000" indent="0" algn="ctr">
               <a:buNone/>
-              <a:defRPr sz="1600"/>
+              <a:defRPr>
+                <a:solidFill>
+                  <a:schemeClr val="tx1">
+                    <a:tint val="75000"/>
+                  </a:schemeClr>
+                </a:solidFill>
+              </a:defRPr>
             </a:lvl6pPr>
             <a:lvl7pPr marL="2743200" indent="0" algn="ctr">
               <a:buNone/>
-              <a:defRPr sz="1600"/>
+              <a:defRPr>
+                <a:solidFill>
+                  <a:schemeClr val="tx1">
+                    <a:tint val="75000"/>
+                  </a:schemeClr>
+                </a:solidFill>
+              </a:defRPr>
             </a:lvl7pPr>
             <a:lvl8pPr marL="3200400" indent="0" algn="ctr">
               <a:buNone/>
-              <a:defRPr sz="1600"/>
+              <a:defRPr>
+                <a:solidFill>
+                  <a:schemeClr val="tx1">
+                    <a:tint val="75000"/>
+                  </a:schemeClr>
+                </a:solidFill>
+              </a:defRPr>
             </a:lvl8pPr>
             <a:lvl9pPr marL="3657600" indent="0" algn="ctr">
               <a:buNone/>
-              <a:defRPr sz="1600"/>
+              <a:defRPr>
+                <a:solidFill>
+                  <a:schemeClr val="tx1">
+                    <a:tint val="75000"/>
+                  </a:schemeClr>
+                </a:solidFill>
+              </a:defRPr>
             </a:lvl9pPr>
           </a:lstStyle>
           <a:p>
@@ -230,7 +289,7 @@
               <a:rPr lang="en-US" smtClean="0"/>
               <a:t>Click to edit Master subtitle style</a:t>
             </a:r>
-            <a:endParaRPr lang="en-US"/>
+            <a:endParaRPr lang="en-US" dirty="0"/>
           </a:p>
         </p:txBody>
       </p:sp>
@@ -251,7 +310,7 @@
           <a:p>
             <a:fld id="{ABE413FD-3F14-41A2-B06F-64FBBBC75C69}" type="datetimeFigureOut">
               <a:rPr lang="en-US" smtClean="0"/>
-              <a:t>4/18/2023</a:t>
+              <a:t>4/24/2023</a:t>
             </a:fld>
             <a:endParaRPr lang="en-US"/>
           </a:p>
@@ -302,7 +361,7 @@
     </p:spTree>
     <p:extLst>
       <p:ext uri="{BB962C8B-B14F-4D97-AF65-F5344CB8AC3E}">
-        <p14:creationId xmlns:p14="http://schemas.microsoft.com/office/powerpoint/2010/main" val="2146310582"/>
+        <p14:creationId xmlns:p14="http://schemas.microsoft.com/office/powerpoint/2010/main" val="2539371566"/>
       </p:ext>
     </p:extLst>
   </p:cSld>
@@ -313,6 +372,2572 @@
 </file>
 
 <file path=ppt/slideLayouts/slideLayout10.xml><?xml version="1.0" encoding="utf-8"?>
+<p:sldLayout xmlns:a="http://schemas.openxmlformats.org/drawingml/2006/main" xmlns:r="http://schemas.openxmlformats.org/officeDocument/2006/relationships" xmlns:p="http://schemas.openxmlformats.org/presentationml/2006/main" preserve="1">
+  <p:cSld name="Panoramic Picture with Caption">
+    <p:spTree>
+      <p:nvGrpSpPr>
+        <p:cNvPr id="1" name=""/>
+        <p:cNvGrpSpPr/>
+        <p:nvPr/>
+      </p:nvGrpSpPr>
+      <p:grpSpPr>
+        <a:xfrm>
+          <a:off x="0" y="0"/>
+          <a:ext cx="0" cy="0"/>
+          <a:chOff x="0" y="0"/>
+          <a:chExt cx="0" cy="0"/>
+        </a:xfrm>
+      </p:grpSpPr>
+      <p:sp>
+        <p:nvSpPr>
+          <p:cNvPr id="2" name="Title 1"/>
+          <p:cNvSpPr>
+            <a:spLocks noGrp="1"/>
+          </p:cNvSpPr>
+          <p:nvPr>
+            <p:ph type="title"/>
+          </p:nvPr>
+        </p:nvSpPr>
+        <p:spPr>
+          <a:xfrm>
+            <a:off x="1154956" y="4800587"/>
+            <a:ext cx="8825657" cy="566738"/>
+          </a:xfrm>
+        </p:spPr>
+        <p:txBody>
+          <a:bodyPr anchor="b">
+            <a:normAutofit/>
+          </a:bodyPr>
+          <a:lstStyle>
+            <a:lvl1pPr algn="l">
+              <a:defRPr sz="2400" b="0"/>
+            </a:lvl1pPr>
+          </a:lstStyle>
+          <a:p>
+            <a:r>
+              <a:rPr lang="en-US" smtClean="0"/>
+              <a:t>Click to edit Master title style</a:t>
+            </a:r>
+            <a:endParaRPr lang="en-US" dirty="0"/>
+          </a:p>
+        </p:txBody>
+      </p:sp>
+      <p:sp>
+        <p:nvSpPr>
+          <p:cNvPr id="3" name="Picture Placeholder 2"/>
+          <p:cNvSpPr>
+            <a:spLocks noGrp="1" noChangeAspect="1"/>
+          </p:cNvSpPr>
+          <p:nvPr>
+            <p:ph type="pic" idx="1"/>
+          </p:nvPr>
+        </p:nvSpPr>
+        <p:spPr>
+          <a:xfrm>
+            <a:off x="1154955" y="685800"/>
+            <a:ext cx="8825658" cy="3640666"/>
+          </a:xfrm>
+          <a:prstGeom prst="roundRect">
+            <a:avLst>
+              <a:gd name="adj" fmla="val 1858"/>
+            </a:avLst>
+          </a:prstGeom>
+          <a:effectLst>
+            <a:outerShdw blurRad="50800" dist="50800" dir="5400000" algn="tl" rotWithShape="0">
+              <a:srgbClr val="000000">
+                <a:alpha val="43000"/>
+              </a:srgbClr>
+            </a:outerShdw>
+          </a:effectLst>
+        </p:spPr>
+        <p:txBody>
+          <a:bodyPr anchor="t">
+            <a:normAutofit/>
+          </a:bodyPr>
+          <a:lstStyle>
+            <a:lvl1pPr marL="0" indent="0" algn="ctr">
+              <a:buNone/>
+              <a:defRPr sz="1600"/>
+            </a:lvl1pPr>
+            <a:lvl2pPr marL="457200" indent="0">
+              <a:buNone/>
+              <a:defRPr sz="1600"/>
+            </a:lvl2pPr>
+            <a:lvl3pPr marL="914400" indent="0">
+              <a:buNone/>
+              <a:defRPr sz="1600"/>
+            </a:lvl3pPr>
+            <a:lvl4pPr marL="1371600" indent="0">
+              <a:buNone/>
+              <a:defRPr sz="1600"/>
+            </a:lvl4pPr>
+            <a:lvl5pPr marL="1828800" indent="0">
+              <a:buNone/>
+              <a:defRPr sz="1600"/>
+            </a:lvl5pPr>
+            <a:lvl6pPr marL="2286000" indent="0">
+              <a:buNone/>
+              <a:defRPr sz="1600"/>
+            </a:lvl6pPr>
+            <a:lvl7pPr marL="2743200" indent="0">
+              <a:buNone/>
+              <a:defRPr sz="1600"/>
+            </a:lvl7pPr>
+            <a:lvl8pPr marL="3200400" indent="0">
+              <a:buNone/>
+              <a:defRPr sz="1600"/>
+            </a:lvl8pPr>
+            <a:lvl9pPr marL="3657600" indent="0">
+              <a:buNone/>
+              <a:defRPr sz="1600"/>
+            </a:lvl9pPr>
+          </a:lstStyle>
+          <a:p>
+            <a:r>
+              <a:rPr lang="en-US" smtClean="0"/>
+              <a:t>Click icon to add picture</a:t>
+            </a:r>
+            <a:endParaRPr lang="en-US" dirty="0"/>
+          </a:p>
+        </p:txBody>
+      </p:sp>
+      <p:sp>
+        <p:nvSpPr>
+          <p:cNvPr id="4" name="Text Placeholder 3"/>
+          <p:cNvSpPr>
+            <a:spLocks noGrp="1"/>
+          </p:cNvSpPr>
+          <p:nvPr>
+            <p:ph type="body" sz="half" idx="2"/>
+          </p:nvPr>
+        </p:nvSpPr>
+        <p:spPr>
+          <a:xfrm>
+            <a:off x="1154956" y="5367325"/>
+            <a:ext cx="8825656" cy="493712"/>
+          </a:xfrm>
+        </p:spPr>
+        <p:txBody>
+          <a:bodyPr>
+            <a:normAutofit/>
+          </a:bodyPr>
+          <a:lstStyle>
+            <a:lvl1pPr marL="0" indent="0">
+              <a:buNone/>
+              <a:defRPr sz="1200"/>
+            </a:lvl1pPr>
+            <a:lvl2pPr marL="457200" indent="0">
+              <a:buNone/>
+              <a:defRPr sz="1200"/>
+            </a:lvl2pPr>
+            <a:lvl3pPr marL="914400" indent="0">
+              <a:buNone/>
+              <a:defRPr sz="1000"/>
+            </a:lvl3pPr>
+            <a:lvl4pPr marL="1371600" indent="0">
+              <a:buNone/>
+              <a:defRPr sz="900"/>
+            </a:lvl4pPr>
+            <a:lvl5pPr marL="1828800" indent="0">
+              <a:buNone/>
+              <a:defRPr sz="900"/>
+            </a:lvl5pPr>
+            <a:lvl6pPr marL="2286000" indent="0">
+              <a:buNone/>
+              <a:defRPr sz="900"/>
+            </a:lvl6pPr>
+            <a:lvl7pPr marL="2743200" indent="0">
+              <a:buNone/>
+              <a:defRPr sz="900"/>
+            </a:lvl7pPr>
+            <a:lvl8pPr marL="3200400" indent="0">
+              <a:buNone/>
+              <a:defRPr sz="900"/>
+            </a:lvl8pPr>
+            <a:lvl9pPr marL="3657600" indent="0">
+              <a:buNone/>
+              <a:defRPr sz="900"/>
+            </a:lvl9pPr>
+          </a:lstStyle>
+          <a:p>
+            <a:pPr lvl="0"/>
+            <a:r>
+              <a:rPr lang="en-US" smtClean="0"/>
+              <a:t>Edit Master text styles</a:t>
+            </a:r>
+          </a:p>
+        </p:txBody>
+      </p:sp>
+      <p:sp>
+        <p:nvSpPr>
+          <p:cNvPr id="5" name="Date Placeholder 4"/>
+          <p:cNvSpPr>
+            <a:spLocks noGrp="1"/>
+          </p:cNvSpPr>
+          <p:nvPr>
+            <p:ph type="dt" sz="half" idx="10"/>
+          </p:nvPr>
+        </p:nvSpPr>
+        <p:spPr/>
+        <p:txBody>
+          <a:bodyPr/>
+          <a:lstStyle/>
+          <a:p>
+            <a:fld id="{ABE413FD-3F14-41A2-B06F-64FBBBC75C69}" type="datetimeFigureOut">
+              <a:rPr lang="en-US" smtClean="0"/>
+              <a:t>4/24/2023</a:t>
+            </a:fld>
+            <a:endParaRPr lang="en-US"/>
+          </a:p>
+        </p:txBody>
+      </p:sp>
+      <p:sp>
+        <p:nvSpPr>
+          <p:cNvPr id="6" name="Footer Placeholder 5"/>
+          <p:cNvSpPr>
+            <a:spLocks noGrp="1"/>
+          </p:cNvSpPr>
+          <p:nvPr>
+            <p:ph type="ftr" sz="quarter" idx="11"/>
+          </p:nvPr>
+        </p:nvSpPr>
+        <p:spPr/>
+        <p:txBody>
+          <a:bodyPr/>
+          <a:lstStyle/>
+          <a:p>
+            <a:endParaRPr lang="en-US"/>
+          </a:p>
+        </p:txBody>
+      </p:sp>
+      <p:sp>
+        <p:nvSpPr>
+          <p:cNvPr id="7" name="Slide Number Placeholder 6"/>
+          <p:cNvSpPr>
+            <a:spLocks noGrp="1"/>
+          </p:cNvSpPr>
+          <p:nvPr>
+            <p:ph type="sldNum" sz="quarter" idx="12"/>
+          </p:nvPr>
+        </p:nvSpPr>
+        <p:spPr/>
+        <p:txBody>
+          <a:bodyPr/>
+          <a:lstStyle/>
+          <a:p>
+            <a:fld id="{254B7792-BDE8-4C80-BA2C-C05D22893D50}" type="slidenum">
+              <a:rPr lang="en-US" smtClean="0"/>
+              <a:t>‹#›</a:t>
+            </a:fld>
+            <a:endParaRPr lang="en-US"/>
+          </a:p>
+        </p:txBody>
+      </p:sp>
+    </p:spTree>
+    <p:extLst>
+      <p:ext uri="{BB962C8B-B14F-4D97-AF65-F5344CB8AC3E}">
+        <p14:creationId xmlns:p14="http://schemas.microsoft.com/office/powerpoint/2010/main" val="2015420737"/>
+      </p:ext>
+    </p:extLst>
+  </p:cSld>
+  <p:clrMapOvr>
+    <a:masterClrMapping/>
+  </p:clrMapOvr>
+</p:sldLayout>
+</file>
+
+<file path=ppt/slideLayouts/slideLayout11.xml><?xml version="1.0" encoding="utf-8"?>
+<p:sldLayout xmlns:a="http://schemas.openxmlformats.org/drawingml/2006/main" xmlns:r="http://schemas.openxmlformats.org/officeDocument/2006/relationships" xmlns:p="http://schemas.openxmlformats.org/presentationml/2006/main" preserve="1">
+  <p:cSld name="Title and Caption">
+    <p:spTree>
+      <p:nvGrpSpPr>
+        <p:cNvPr id="1" name=""/>
+        <p:cNvGrpSpPr/>
+        <p:nvPr/>
+      </p:nvGrpSpPr>
+      <p:grpSpPr>
+        <a:xfrm>
+          <a:off x="0" y="0"/>
+          <a:ext cx="0" cy="0"/>
+          <a:chOff x="0" y="0"/>
+          <a:chExt cx="0" cy="0"/>
+        </a:xfrm>
+      </p:grpSpPr>
+      <p:sp>
+        <p:nvSpPr>
+          <p:cNvPr id="2" name="Title 1"/>
+          <p:cNvSpPr>
+            <a:spLocks noGrp="1"/>
+          </p:cNvSpPr>
+          <p:nvPr>
+            <p:ph type="title"/>
+          </p:nvPr>
+        </p:nvSpPr>
+        <p:spPr>
+          <a:xfrm>
+            <a:off x="1154954" y="1447800"/>
+            <a:ext cx="8825659" cy="1981200"/>
+          </a:xfrm>
+        </p:spPr>
+        <p:txBody>
+          <a:bodyPr/>
+          <a:lstStyle>
+            <a:lvl1pPr>
+              <a:defRPr sz="4800"/>
+            </a:lvl1pPr>
+          </a:lstStyle>
+          <a:p>
+            <a:r>
+              <a:rPr lang="en-US" smtClean="0"/>
+              <a:t>Click to edit Master title style</a:t>
+            </a:r>
+            <a:endParaRPr lang="en-US" dirty="0"/>
+          </a:p>
+        </p:txBody>
+      </p:sp>
+      <p:sp>
+        <p:nvSpPr>
+          <p:cNvPr id="8" name="Text Placeholder 3"/>
+          <p:cNvSpPr>
+            <a:spLocks noGrp="1"/>
+          </p:cNvSpPr>
+          <p:nvPr>
+            <p:ph type="body" sz="half" idx="2"/>
+          </p:nvPr>
+        </p:nvSpPr>
+        <p:spPr>
+          <a:xfrm>
+            <a:off x="1154954" y="3657600"/>
+            <a:ext cx="8825659" cy="2362200"/>
+          </a:xfrm>
+        </p:spPr>
+        <p:txBody>
+          <a:bodyPr anchor="ctr">
+            <a:normAutofit/>
+          </a:bodyPr>
+          <a:lstStyle>
+            <a:lvl1pPr marL="0" indent="0">
+              <a:buNone/>
+              <a:defRPr sz="1800"/>
+            </a:lvl1pPr>
+            <a:lvl2pPr marL="457200" indent="0">
+              <a:buNone/>
+              <a:defRPr sz="1200"/>
+            </a:lvl2pPr>
+            <a:lvl3pPr marL="914400" indent="0">
+              <a:buNone/>
+              <a:defRPr sz="1000"/>
+            </a:lvl3pPr>
+            <a:lvl4pPr marL="1371600" indent="0">
+              <a:buNone/>
+              <a:defRPr sz="900"/>
+            </a:lvl4pPr>
+            <a:lvl5pPr marL="1828800" indent="0">
+              <a:buNone/>
+              <a:defRPr sz="900"/>
+            </a:lvl5pPr>
+            <a:lvl6pPr marL="2286000" indent="0">
+              <a:buNone/>
+              <a:defRPr sz="900"/>
+            </a:lvl6pPr>
+            <a:lvl7pPr marL="2743200" indent="0">
+              <a:buNone/>
+              <a:defRPr sz="900"/>
+            </a:lvl7pPr>
+            <a:lvl8pPr marL="3200400" indent="0">
+              <a:buNone/>
+              <a:defRPr sz="900"/>
+            </a:lvl8pPr>
+            <a:lvl9pPr marL="3657600" indent="0">
+              <a:buNone/>
+              <a:defRPr sz="900"/>
+            </a:lvl9pPr>
+          </a:lstStyle>
+          <a:p>
+            <a:pPr lvl="0"/>
+            <a:r>
+              <a:rPr lang="en-US" smtClean="0"/>
+              <a:t>Edit Master text styles</a:t>
+            </a:r>
+          </a:p>
+        </p:txBody>
+      </p:sp>
+      <p:sp>
+        <p:nvSpPr>
+          <p:cNvPr id="4" name="Date Placeholder 3"/>
+          <p:cNvSpPr>
+            <a:spLocks noGrp="1"/>
+          </p:cNvSpPr>
+          <p:nvPr>
+            <p:ph type="dt" sz="half" idx="10"/>
+          </p:nvPr>
+        </p:nvSpPr>
+        <p:spPr/>
+        <p:txBody>
+          <a:bodyPr/>
+          <a:lstStyle/>
+          <a:p>
+            <a:fld id="{ABE413FD-3F14-41A2-B06F-64FBBBC75C69}" type="datetimeFigureOut">
+              <a:rPr lang="en-US" smtClean="0"/>
+              <a:t>4/24/2023</a:t>
+            </a:fld>
+            <a:endParaRPr lang="en-US"/>
+          </a:p>
+        </p:txBody>
+      </p:sp>
+      <p:sp>
+        <p:nvSpPr>
+          <p:cNvPr id="5" name="Footer Placeholder 4"/>
+          <p:cNvSpPr>
+            <a:spLocks noGrp="1"/>
+          </p:cNvSpPr>
+          <p:nvPr>
+            <p:ph type="ftr" sz="quarter" idx="11"/>
+          </p:nvPr>
+        </p:nvSpPr>
+        <p:spPr/>
+        <p:txBody>
+          <a:bodyPr/>
+          <a:lstStyle/>
+          <a:p>
+            <a:endParaRPr lang="en-US"/>
+          </a:p>
+        </p:txBody>
+      </p:sp>
+      <p:sp>
+        <p:nvSpPr>
+          <p:cNvPr id="6" name="Slide Number Placeholder 5"/>
+          <p:cNvSpPr>
+            <a:spLocks noGrp="1"/>
+          </p:cNvSpPr>
+          <p:nvPr>
+            <p:ph type="sldNum" sz="quarter" idx="12"/>
+          </p:nvPr>
+        </p:nvSpPr>
+        <p:spPr/>
+        <p:txBody>
+          <a:bodyPr/>
+          <a:lstStyle/>
+          <a:p>
+            <a:fld id="{254B7792-BDE8-4C80-BA2C-C05D22893D50}" type="slidenum">
+              <a:rPr lang="en-US" smtClean="0"/>
+              <a:t>‹#›</a:t>
+            </a:fld>
+            <a:endParaRPr lang="en-US"/>
+          </a:p>
+        </p:txBody>
+      </p:sp>
+    </p:spTree>
+    <p:extLst>
+      <p:ext uri="{BB962C8B-B14F-4D97-AF65-F5344CB8AC3E}">
+        <p14:creationId xmlns:p14="http://schemas.microsoft.com/office/powerpoint/2010/main" val="2118127737"/>
+      </p:ext>
+    </p:extLst>
+  </p:cSld>
+  <p:clrMapOvr>
+    <a:masterClrMapping/>
+  </p:clrMapOvr>
+</p:sldLayout>
+</file>
+
+<file path=ppt/slideLayouts/slideLayout12.xml><?xml version="1.0" encoding="utf-8"?>
+<p:sldLayout xmlns:a="http://schemas.openxmlformats.org/drawingml/2006/main" xmlns:r="http://schemas.openxmlformats.org/officeDocument/2006/relationships" xmlns:p="http://schemas.openxmlformats.org/presentationml/2006/main" preserve="1">
+  <p:cSld name="Quote with Caption">
+    <p:spTree>
+      <p:nvGrpSpPr>
+        <p:cNvPr id="1" name=""/>
+        <p:cNvGrpSpPr/>
+        <p:nvPr/>
+      </p:nvGrpSpPr>
+      <p:grpSpPr>
+        <a:xfrm>
+          <a:off x="0" y="0"/>
+          <a:ext cx="0" cy="0"/>
+          <a:chOff x="0" y="0"/>
+          <a:chExt cx="0" cy="0"/>
+        </a:xfrm>
+      </p:grpSpPr>
+      <p:sp>
+        <p:nvSpPr>
+          <p:cNvPr id="2" name="Title 1"/>
+          <p:cNvSpPr>
+            <a:spLocks noGrp="1"/>
+          </p:cNvSpPr>
+          <p:nvPr>
+            <p:ph type="title"/>
+          </p:nvPr>
+        </p:nvSpPr>
+        <p:spPr>
+          <a:xfrm>
+            <a:off x="1574801" y="1447800"/>
+            <a:ext cx="7999315" cy="2323374"/>
+          </a:xfrm>
+        </p:spPr>
+        <p:txBody>
+          <a:bodyPr/>
+          <a:lstStyle>
+            <a:lvl1pPr>
+              <a:defRPr sz="4800"/>
+            </a:lvl1pPr>
+          </a:lstStyle>
+          <a:p>
+            <a:r>
+              <a:rPr lang="en-US" smtClean="0"/>
+              <a:t>Click to edit Master title style</a:t>
+            </a:r>
+            <a:endParaRPr lang="en-US" dirty="0"/>
+          </a:p>
+        </p:txBody>
+      </p:sp>
+      <p:sp>
+        <p:nvSpPr>
+          <p:cNvPr id="11" name="Text Placeholder 3"/>
+          <p:cNvSpPr>
+            <a:spLocks noGrp="1"/>
+          </p:cNvSpPr>
+          <p:nvPr>
+            <p:ph type="body" sz="half" idx="14"/>
+          </p:nvPr>
+        </p:nvSpPr>
+        <p:spPr>
+          <a:xfrm>
+            <a:off x="1930400" y="3771174"/>
+            <a:ext cx="7279649" cy="342174"/>
+          </a:xfrm>
+        </p:spPr>
+        <p:txBody>
+          <a:bodyPr vert="horz" lIns="91440" tIns="45720" rIns="91440" bIns="45720" rtlCol="0" anchor="t">
+            <a:normAutofit/>
+          </a:bodyPr>
+          <a:lstStyle>
+            <a:lvl1pPr marL="0" indent="0">
+              <a:buNone/>
+              <a:defRPr lang="en-US" sz="1400" b="0" i="0" kern="1200" cap="small" dirty="0">
+                <a:solidFill>
+                  <a:schemeClr val="bg2">
+                    <a:lumMod val="40000"/>
+                    <a:lumOff val="60000"/>
+                  </a:schemeClr>
+                </a:solidFill>
+                <a:latin typeface="+mj-lt"/>
+                <a:ea typeface="+mj-ea"/>
+                <a:cs typeface="+mj-cs"/>
+              </a:defRPr>
+            </a:lvl1pPr>
+            <a:lvl2pPr marL="457200" indent="0">
+              <a:buNone/>
+              <a:defRPr sz="1200"/>
+            </a:lvl2pPr>
+            <a:lvl3pPr marL="914400" indent="0">
+              <a:buNone/>
+              <a:defRPr sz="1000"/>
+            </a:lvl3pPr>
+            <a:lvl4pPr marL="1371600" indent="0">
+              <a:buNone/>
+              <a:defRPr sz="900"/>
+            </a:lvl4pPr>
+            <a:lvl5pPr marL="1828800" indent="0">
+              <a:buNone/>
+              <a:defRPr sz="900"/>
+            </a:lvl5pPr>
+            <a:lvl6pPr marL="2286000" indent="0">
+              <a:buNone/>
+              <a:defRPr sz="900"/>
+            </a:lvl6pPr>
+            <a:lvl7pPr marL="2743200" indent="0">
+              <a:buNone/>
+              <a:defRPr sz="900"/>
+            </a:lvl7pPr>
+            <a:lvl8pPr marL="3200400" indent="0">
+              <a:buNone/>
+              <a:defRPr sz="900"/>
+            </a:lvl8pPr>
+            <a:lvl9pPr marL="3657600" indent="0">
+              <a:buNone/>
+              <a:defRPr sz="900"/>
+            </a:lvl9pPr>
+          </a:lstStyle>
+          <a:p>
+            <a:pPr marL="0" lvl="0" indent="0">
+              <a:buNone/>
+            </a:pPr>
+            <a:r>
+              <a:rPr lang="en-US" smtClean="0"/>
+              <a:t>Edit Master text styles</a:t>
+            </a:r>
+          </a:p>
+        </p:txBody>
+      </p:sp>
+      <p:sp>
+        <p:nvSpPr>
+          <p:cNvPr id="10" name="Text Placeholder 3"/>
+          <p:cNvSpPr>
+            <a:spLocks noGrp="1"/>
+          </p:cNvSpPr>
+          <p:nvPr>
+            <p:ph type="body" sz="half" idx="2"/>
+          </p:nvPr>
+        </p:nvSpPr>
+        <p:spPr>
+          <a:xfrm>
+            <a:off x="1154954" y="4350657"/>
+            <a:ext cx="8825659" cy="1676400"/>
+          </a:xfrm>
+        </p:spPr>
+        <p:txBody>
+          <a:bodyPr anchor="ctr">
+            <a:normAutofit/>
+          </a:bodyPr>
+          <a:lstStyle>
+            <a:lvl1pPr marL="0" indent="0">
+              <a:buNone/>
+              <a:defRPr sz="1800"/>
+            </a:lvl1pPr>
+            <a:lvl2pPr marL="457200" indent="0">
+              <a:buNone/>
+              <a:defRPr sz="1200"/>
+            </a:lvl2pPr>
+            <a:lvl3pPr marL="914400" indent="0">
+              <a:buNone/>
+              <a:defRPr sz="1000"/>
+            </a:lvl3pPr>
+            <a:lvl4pPr marL="1371600" indent="0">
+              <a:buNone/>
+              <a:defRPr sz="900"/>
+            </a:lvl4pPr>
+            <a:lvl5pPr marL="1828800" indent="0">
+              <a:buNone/>
+              <a:defRPr sz="900"/>
+            </a:lvl5pPr>
+            <a:lvl6pPr marL="2286000" indent="0">
+              <a:buNone/>
+              <a:defRPr sz="900"/>
+            </a:lvl6pPr>
+            <a:lvl7pPr marL="2743200" indent="0">
+              <a:buNone/>
+              <a:defRPr sz="900"/>
+            </a:lvl7pPr>
+            <a:lvl8pPr marL="3200400" indent="0">
+              <a:buNone/>
+              <a:defRPr sz="900"/>
+            </a:lvl8pPr>
+            <a:lvl9pPr marL="3657600" indent="0">
+              <a:buNone/>
+              <a:defRPr sz="900"/>
+            </a:lvl9pPr>
+          </a:lstStyle>
+          <a:p>
+            <a:pPr lvl="0"/>
+            <a:r>
+              <a:rPr lang="en-US" smtClean="0"/>
+              <a:t>Edit Master text styles</a:t>
+            </a:r>
+          </a:p>
+        </p:txBody>
+      </p:sp>
+      <p:sp>
+        <p:nvSpPr>
+          <p:cNvPr id="4" name="Date Placeholder 3"/>
+          <p:cNvSpPr>
+            <a:spLocks noGrp="1"/>
+          </p:cNvSpPr>
+          <p:nvPr>
+            <p:ph type="dt" sz="half" idx="10"/>
+          </p:nvPr>
+        </p:nvSpPr>
+        <p:spPr/>
+        <p:txBody>
+          <a:bodyPr/>
+          <a:lstStyle/>
+          <a:p>
+            <a:fld id="{ABE413FD-3F14-41A2-B06F-64FBBBC75C69}" type="datetimeFigureOut">
+              <a:rPr lang="en-US" smtClean="0"/>
+              <a:t>4/24/2023</a:t>
+            </a:fld>
+            <a:endParaRPr lang="en-US"/>
+          </a:p>
+        </p:txBody>
+      </p:sp>
+      <p:sp>
+        <p:nvSpPr>
+          <p:cNvPr id="5" name="Footer Placeholder 4"/>
+          <p:cNvSpPr>
+            <a:spLocks noGrp="1"/>
+          </p:cNvSpPr>
+          <p:nvPr>
+            <p:ph type="ftr" sz="quarter" idx="11"/>
+          </p:nvPr>
+        </p:nvSpPr>
+        <p:spPr/>
+        <p:txBody>
+          <a:bodyPr/>
+          <a:lstStyle/>
+          <a:p>
+            <a:endParaRPr lang="en-US"/>
+          </a:p>
+        </p:txBody>
+      </p:sp>
+      <p:sp>
+        <p:nvSpPr>
+          <p:cNvPr id="6" name="Slide Number Placeholder 5"/>
+          <p:cNvSpPr>
+            <a:spLocks noGrp="1"/>
+          </p:cNvSpPr>
+          <p:nvPr>
+            <p:ph type="sldNum" sz="quarter" idx="12"/>
+          </p:nvPr>
+        </p:nvSpPr>
+        <p:spPr/>
+        <p:txBody>
+          <a:bodyPr/>
+          <a:lstStyle/>
+          <a:p>
+            <a:fld id="{254B7792-BDE8-4C80-BA2C-C05D22893D50}" type="slidenum">
+              <a:rPr lang="en-US" smtClean="0"/>
+              <a:t>‹#›</a:t>
+            </a:fld>
+            <a:endParaRPr lang="en-US"/>
+          </a:p>
+        </p:txBody>
+      </p:sp>
+      <p:sp>
+        <p:nvSpPr>
+          <p:cNvPr id="12" name="TextBox 11"/>
+          <p:cNvSpPr txBox="1"/>
+          <p:nvPr/>
+        </p:nvSpPr>
+        <p:spPr>
+          <a:xfrm>
+            <a:off x="898295" y="971253"/>
+            <a:ext cx="801912" cy="1969770"/>
+          </a:xfrm>
+          <a:prstGeom prst="rect">
+            <a:avLst/>
+          </a:prstGeom>
+          <a:noFill/>
+        </p:spPr>
+        <p:txBody>
+          <a:bodyPr wrap="square" rtlCol="0">
+            <a:spAutoFit/>
+          </a:bodyPr>
+          <a:lstStyle>
+            <a:defPPr>
+              <a:defRPr lang="en-US"/>
+            </a:defPPr>
+            <a:lvl1pPr algn="r">
+              <a:defRPr sz="12200" b="0" i="0">
+                <a:solidFill>
+                  <a:schemeClr val="bg2">
+                    <a:lumMod val="40000"/>
+                    <a:lumOff val="60000"/>
+                  </a:schemeClr>
+                </a:solidFill>
+                <a:latin typeface="Arial"/>
+                <a:ea typeface="+mj-ea"/>
+                <a:cs typeface="+mj-cs"/>
+              </a:defRPr>
+            </a:lvl1pPr>
+          </a:lstStyle>
+          <a:p>
+            <a:pPr lvl="0"/>
+            <a:r>
+              <a:rPr lang="en-US" dirty="0"/>
+              <a:t>“</a:t>
+            </a:r>
+          </a:p>
+        </p:txBody>
+      </p:sp>
+      <p:sp>
+        <p:nvSpPr>
+          <p:cNvPr id="15" name="TextBox 14"/>
+          <p:cNvSpPr txBox="1"/>
+          <p:nvPr/>
+        </p:nvSpPr>
+        <p:spPr>
+          <a:xfrm>
+            <a:off x="9330490" y="2613787"/>
+            <a:ext cx="801912" cy="1969770"/>
+          </a:xfrm>
+          <a:prstGeom prst="rect">
+            <a:avLst/>
+          </a:prstGeom>
+          <a:noFill/>
+        </p:spPr>
+        <p:txBody>
+          <a:bodyPr wrap="square" rtlCol="0">
+            <a:spAutoFit/>
+          </a:bodyPr>
+          <a:lstStyle>
+            <a:defPPr>
+              <a:defRPr lang="en-US"/>
+            </a:defPPr>
+            <a:lvl1pPr algn="r">
+              <a:defRPr sz="12200" b="0" i="0">
+                <a:solidFill>
+                  <a:schemeClr val="bg2">
+                    <a:lumMod val="40000"/>
+                    <a:lumOff val="60000"/>
+                  </a:schemeClr>
+                </a:solidFill>
+                <a:latin typeface="Arial"/>
+                <a:ea typeface="+mj-ea"/>
+                <a:cs typeface="+mj-cs"/>
+              </a:defRPr>
+            </a:lvl1pPr>
+          </a:lstStyle>
+          <a:p>
+            <a:pPr lvl="0"/>
+            <a:r>
+              <a:rPr lang="en-US" dirty="0"/>
+              <a:t>”</a:t>
+            </a:r>
+          </a:p>
+        </p:txBody>
+      </p:sp>
+    </p:spTree>
+    <p:extLst>
+      <p:ext uri="{BB962C8B-B14F-4D97-AF65-F5344CB8AC3E}">
+        <p14:creationId xmlns:p14="http://schemas.microsoft.com/office/powerpoint/2010/main" val="1240629680"/>
+      </p:ext>
+    </p:extLst>
+  </p:cSld>
+  <p:clrMapOvr>
+    <a:masterClrMapping/>
+  </p:clrMapOvr>
+</p:sldLayout>
+</file>
+
+<file path=ppt/slideLayouts/slideLayout13.xml><?xml version="1.0" encoding="utf-8"?>
+<p:sldLayout xmlns:a="http://schemas.openxmlformats.org/drawingml/2006/main" xmlns:r="http://schemas.openxmlformats.org/officeDocument/2006/relationships" xmlns:p="http://schemas.openxmlformats.org/presentationml/2006/main" preserve="1">
+  <p:cSld name="Name Card">
+    <p:spTree>
+      <p:nvGrpSpPr>
+        <p:cNvPr id="1" name=""/>
+        <p:cNvGrpSpPr/>
+        <p:nvPr/>
+      </p:nvGrpSpPr>
+      <p:grpSpPr>
+        <a:xfrm>
+          <a:off x="0" y="0"/>
+          <a:ext cx="0" cy="0"/>
+          <a:chOff x="0" y="0"/>
+          <a:chExt cx="0" cy="0"/>
+        </a:xfrm>
+      </p:grpSpPr>
+      <p:sp>
+        <p:nvSpPr>
+          <p:cNvPr id="2" name="Title 1"/>
+          <p:cNvSpPr>
+            <a:spLocks noGrp="1"/>
+          </p:cNvSpPr>
+          <p:nvPr>
+            <p:ph type="title"/>
+          </p:nvPr>
+        </p:nvSpPr>
+        <p:spPr>
+          <a:xfrm>
+            <a:off x="1154954" y="3124201"/>
+            <a:ext cx="8825660" cy="1653180"/>
+          </a:xfrm>
+        </p:spPr>
+        <p:txBody>
+          <a:bodyPr anchor="b"/>
+          <a:lstStyle>
+            <a:lvl1pPr algn="l">
+              <a:defRPr sz="4000" b="0" cap="none"/>
+            </a:lvl1pPr>
+          </a:lstStyle>
+          <a:p>
+            <a:r>
+              <a:rPr lang="en-US" smtClean="0"/>
+              <a:t>Click to edit Master title style</a:t>
+            </a:r>
+            <a:endParaRPr lang="en-US" dirty="0"/>
+          </a:p>
+        </p:txBody>
+      </p:sp>
+      <p:sp>
+        <p:nvSpPr>
+          <p:cNvPr id="3" name="Text Placeholder 2"/>
+          <p:cNvSpPr>
+            <a:spLocks noGrp="1"/>
+          </p:cNvSpPr>
+          <p:nvPr>
+            <p:ph type="body" idx="1"/>
+          </p:nvPr>
+        </p:nvSpPr>
+        <p:spPr>
+          <a:xfrm>
+            <a:off x="1154954" y="4777381"/>
+            <a:ext cx="8825659" cy="860400"/>
+          </a:xfrm>
+        </p:spPr>
+        <p:txBody>
+          <a:bodyPr anchor="t"/>
+          <a:lstStyle>
+            <a:lvl1pPr marL="0" indent="0" algn="l">
+              <a:buNone/>
+              <a:defRPr sz="2000" cap="none">
+                <a:solidFill>
+                  <a:schemeClr val="bg2">
+                    <a:lumMod val="40000"/>
+                    <a:lumOff val="60000"/>
+                  </a:schemeClr>
+                </a:solidFill>
+              </a:defRPr>
+            </a:lvl1pPr>
+            <a:lvl2pPr marL="457200" indent="0">
+              <a:buNone/>
+              <a:defRPr sz="1800">
+                <a:solidFill>
+                  <a:schemeClr val="tx1">
+                    <a:tint val="75000"/>
+                  </a:schemeClr>
+                </a:solidFill>
+              </a:defRPr>
+            </a:lvl2pPr>
+            <a:lvl3pPr marL="914400" indent="0">
+              <a:buNone/>
+              <a:defRPr sz="1600">
+                <a:solidFill>
+                  <a:schemeClr val="tx1">
+                    <a:tint val="75000"/>
+                  </a:schemeClr>
+                </a:solidFill>
+              </a:defRPr>
+            </a:lvl3pPr>
+            <a:lvl4pPr marL="1371600" indent="0">
+              <a:buNone/>
+              <a:defRPr sz="1400">
+                <a:solidFill>
+                  <a:schemeClr val="tx1">
+                    <a:tint val="75000"/>
+                  </a:schemeClr>
+                </a:solidFill>
+              </a:defRPr>
+            </a:lvl4pPr>
+            <a:lvl5pPr marL="1828800" indent="0">
+              <a:buNone/>
+              <a:defRPr sz="1400">
+                <a:solidFill>
+                  <a:schemeClr val="tx1">
+                    <a:tint val="75000"/>
+                  </a:schemeClr>
+                </a:solidFill>
+              </a:defRPr>
+            </a:lvl5pPr>
+            <a:lvl6pPr marL="2286000" indent="0">
+              <a:buNone/>
+              <a:defRPr sz="1400">
+                <a:solidFill>
+                  <a:schemeClr val="tx1">
+                    <a:tint val="75000"/>
+                  </a:schemeClr>
+                </a:solidFill>
+              </a:defRPr>
+            </a:lvl6pPr>
+            <a:lvl7pPr marL="2743200" indent="0">
+              <a:buNone/>
+              <a:defRPr sz="1400">
+                <a:solidFill>
+                  <a:schemeClr val="tx1">
+                    <a:tint val="75000"/>
+                  </a:schemeClr>
+                </a:solidFill>
+              </a:defRPr>
+            </a:lvl7pPr>
+            <a:lvl8pPr marL="3200400" indent="0">
+              <a:buNone/>
+              <a:defRPr sz="1400">
+                <a:solidFill>
+                  <a:schemeClr val="tx1">
+                    <a:tint val="75000"/>
+                  </a:schemeClr>
+                </a:solidFill>
+              </a:defRPr>
+            </a:lvl8pPr>
+            <a:lvl9pPr marL="3657600" indent="0">
+              <a:buNone/>
+              <a:defRPr sz="1400">
+                <a:solidFill>
+                  <a:schemeClr val="tx1">
+                    <a:tint val="75000"/>
+                  </a:schemeClr>
+                </a:solidFill>
+              </a:defRPr>
+            </a:lvl9pPr>
+          </a:lstStyle>
+          <a:p>
+            <a:pPr lvl="0"/>
+            <a:r>
+              <a:rPr lang="en-US" smtClean="0"/>
+              <a:t>Edit Master text styles</a:t>
+            </a:r>
+          </a:p>
+        </p:txBody>
+      </p:sp>
+      <p:sp>
+        <p:nvSpPr>
+          <p:cNvPr id="4" name="Date Placeholder 3"/>
+          <p:cNvSpPr>
+            <a:spLocks noGrp="1"/>
+          </p:cNvSpPr>
+          <p:nvPr>
+            <p:ph type="dt" sz="half" idx="10"/>
+          </p:nvPr>
+        </p:nvSpPr>
+        <p:spPr/>
+        <p:txBody>
+          <a:bodyPr/>
+          <a:lstStyle/>
+          <a:p>
+            <a:fld id="{ABE413FD-3F14-41A2-B06F-64FBBBC75C69}" type="datetimeFigureOut">
+              <a:rPr lang="en-US" smtClean="0"/>
+              <a:t>4/24/2023</a:t>
+            </a:fld>
+            <a:endParaRPr lang="en-US"/>
+          </a:p>
+        </p:txBody>
+      </p:sp>
+      <p:sp>
+        <p:nvSpPr>
+          <p:cNvPr id="5" name="Footer Placeholder 4"/>
+          <p:cNvSpPr>
+            <a:spLocks noGrp="1"/>
+          </p:cNvSpPr>
+          <p:nvPr>
+            <p:ph type="ftr" sz="quarter" idx="11"/>
+          </p:nvPr>
+        </p:nvSpPr>
+        <p:spPr/>
+        <p:txBody>
+          <a:bodyPr/>
+          <a:lstStyle/>
+          <a:p>
+            <a:endParaRPr lang="en-US"/>
+          </a:p>
+        </p:txBody>
+      </p:sp>
+      <p:sp>
+        <p:nvSpPr>
+          <p:cNvPr id="6" name="Slide Number Placeholder 5"/>
+          <p:cNvSpPr>
+            <a:spLocks noGrp="1"/>
+          </p:cNvSpPr>
+          <p:nvPr>
+            <p:ph type="sldNum" sz="quarter" idx="12"/>
+          </p:nvPr>
+        </p:nvSpPr>
+        <p:spPr/>
+        <p:txBody>
+          <a:bodyPr/>
+          <a:lstStyle/>
+          <a:p>
+            <a:fld id="{254B7792-BDE8-4C80-BA2C-C05D22893D50}" type="slidenum">
+              <a:rPr lang="en-US" smtClean="0"/>
+              <a:t>‹#›</a:t>
+            </a:fld>
+            <a:endParaRPr lang="en-US"/>
+          </a:p>
+        </p:txBody>
+      </p:sp>
+    </p:spTree>
+    <p:extLst>
+      <p:ext uri="{BB962C8B-B14F-4D97-AF65-F5344CB8AC3E}">
+        <p14:creationId xmlns:p14="http://schemas.microsoft.com/office/powerpoint/2010/main" val="2429699953"/>
+      </p:ext>
+    </p:extLst>
+  </p:cSld>
+  <p:clrMapOvr>
+    <a:masterClrMapping/>
+  </p:clrMapOvr>
+</p:sldLayout>
+</file>
+
+<file path=ppt/slideLayouts/slideLayout14.xml><?xml version="1.0" encoding="utf-8"?>
+<p:sldLayout xmlns:a="http://schemas.openxmlformats.org/drawingml/2006/main" xmlns:r="http://schemas.openxmlformats.org/officeDocument/2006/relationships" xmlns:p="http://schemas.openxmlformats.org/presentationml/2006/main" preserve="1">
+  <p:cSld name="3 Column">
+    <p:spTree>
+      <p:nvGrpSpPr>
+        <p:cNvPr id="1" name=""/>
+        <p:cNvGrpSpPr/>
+        <p:nvPr/>
+      </p:nvGrpSpPr>
+      <p:grpSpPr>
+        <a:xfrm>
+          <a:off x="0" y="0"/>
+          <a:ext cx="0" cy="0"/>
+          <a:chOff x="0" y="0"/>
+          <a:chExt cx="0" cy="0"/>
+        </a:xfrm>
+      </p:grpSpPr>
+      <p:sp>
+        <p:nvSpPr>
+          <p:cNvPr id="2" name="Title 1"/>
+          <p:cNvSpPr>
+            <a:spLocks noGrp="1"/>
+          </p:cNvSpPr>
+          <p:nvPr>
+            <p:ph type="title"/>
+          </p:nvPr>
+        </p:nvSpPr>
+        <p:spPr/>
+        <p:txBody>
+          <a:bodyPr/>
+          <a:lstStyle>
+            <a:lvl1pPr>
+              <a:defRPr sz="4200"/>
+            </a:lvl1pPr>
+          </a:lstStyle>
+          <a:p>
+            <a:r>
+              <a:rPr lang="en-US" smtClean="0"/>
+              <a:t>Click to edit Master title style</a:t>
+            </a:r>
+            <a:endParaRPr lang="en-US" dirty="0"/>
+          </a:p>
+        </p:txBody>
+      </p:sp>
+      <p:sp>
+        <p:nvSpPr>
+          <p:cNvPr id="3" name="Text Placeholder 2"/>
+          <p:cNvSpPr>
+            <a:spLocks noGrp="1"/>
+          </p:cNvSpPr>
+          <p:nvPr>
+            <p:ph type="body" idx="1"/>
+          </p:nvPr>
+        </p:nvSpPr>
+        <p:spPr>
+          <a:xfrm>
+            <a:off x="632947" y="1981200"/>
+            <a:ext cx="2946866" cy="576262"/>
+          </a:xfrm>
+        </p:spPr>
+        <p:txBody>
+          <a:bodyPr anchor="b">
+            <a:noAutofit/>
+          </a:bodyPr>
+          <a:lstStyle>
+            <a:lvl1pPr marL="0" indent="0">
+              <a:buNone/>
+              <a:defRPr sz="2400" b="0">
+                <a:solidFill>
+                  <a:schemeClr val="bg2">
+                    <a:lumMod val="40000"/>
+                    <a:lumOff val="60000"/>
+                  </a:schemeClr>
+                </a:solidFill>
+              </a:defRPr>
+            </a:lvl1pPr>
+            <a:lvl2pPr marL="457200" indent="0">
+              <a:buNone/>
+              <a:defRPr sz="2000" b="1"/>
+            </a:lvl2pPr>
+            <a:lvl3pPr marL="914400" indent="0">
+              <a:buNone/>
+              <a:defRPr sz="1800" b="1"/>
+            </a:lvl3pPr>
+            <a:lvl4pPr marL="1371600" indent="0">
+              <a:buNone/>
+              <a:defRPr sz="1600" b="1"/>
+            </a:lvl4pPr>
+            <a:lvl5pPr marL="1828800" indent="0">
+              <a:buNone/>
+              <a:defRPr sz="1600" b="1"/>
+            </a:lvl5pPr>
+            <a:lvl6pPr marL="2286000" indent="0">
+              <a:buNone/>
+              <a:defRPr sz="1600" b="1"/>
+            </a:lvl6pPr>
+            <a:lvl7pPr marL="2743200" indent="0">
+              <a:buNone/>
+              <a:defRPr sz="1600" b="1"/>
+            </a:lvl7pPr>
+            <a:lvl8pPr marL="3200400" indent="0">
+              <a:buNone/>
+              <a:defRPr sz="1600" b="1"/>
+            </a:lvl8pPr>
+            <a:lvl9pPr marL="3657600" indent="0">
+              <a:buNone/>
+              <a:defRPr sz="1600" b="1"/>
+            </a:lvl9pPr>
+          </a:lstStyle>
+          <a:p>
+            <a:pPr lvl="0"/>
+            <a:r>
+              <a:rPr lang="en-US" smtClean="0"/>
+              <a:t>Edit Master text styles</a:t>
+            </a:r>
+          </a:p>
+        </p:txBody>
+      </p:sp>
+      <p:sp>
+        <p:nvSpPr>
+          <p:cNvPr id="16" name="Text Placeholder 3"/>
+          <p:cNvSpPr>
+            <a:spLocks noGrp="1"/>
+          </p:cNvSpPr>
+          <p:nvPr>
+            <p:ph type="body" sz="half" idx="15"/>
+          </p:nvPr>
+        </p:nvSpPr>
+        <p:spPr>
+          <a:xfrm>
+            <a:off x="652463" y="2667000"/>
+            <a:ext cx="2927350" cy="3589338"/>
+          </a:xfrm>
+        </p:spPr>
+        <p:txBody>
+          <a:bodyPr anchor="t">
+            <a:normAutofit/>
+          </a:bodyPr>
+          <a:lstStyle>
+            <a:lvl1pPr marL="0" indent="0">
+              <a:buNone/>
+              <a:defRPr sz="1400"/>
+            </a:lvl1pPr>
+            <a:lvl2pPr marL="457200" indent="0">
+              <a:buNone/>
+              <a:defRPr sz="1200"/>
+            </a:lvl2pPr>
+            <a:lvl3pPr marL="914400" indent="0">
+              <a:buNone/>
+              <a:defRPr sz="1000"/>
+            </a:lvl3pPr>
+            <a:lvl4pPr marL="1371600" indent="0">
+              <a:buNone/>
+              <a:defRPr sz="900"/>
+            </a:lvl4pPr>
+            <a:lvl5pPr marL="1828800" indent="0">
+              <a:buNone/>
+              <a:defRPr sz="900"/>
+            </a:lvl5pPr>
+            <a:lvl6pPr marL="2286000" indent="0">
+              <a:buNone/>
+              <a:defRPr sz="900"/>
+            </a:lvl6pPr>
+            <a:lvl7pPr marL="2743200" indent="0">
+              <a:buNone/>
+              <a:defRPr sz="900"/>
+            </a:lvl7pPr>
+            <a:lvl8pPr marL="3200400" indent="0">
+              <a:buNone/>
+              <a:defRPr sz="900"/>
+            </a:lvl8pPr>
+            <a:lvl9pPr marL="3657600" indent="0">
+              <a:buNone/>
+              <a:defRPr sz="900"/>
+            </a:lvl9pPr>
+          </a:lstStyle>
+          <a:p>
+            <a:pPr lvl="0"/>
+            <a:r>
+              <a:rPr lang="en-US" smtClean="0"/>
+              <a:t>Edit Master text styles</a:t>
+            </a:r>
+          </a:p>
+        </p:txBody>
+      </p:sp>
+      <p:sp>
+        <p:nvSpPr>
+          <p:cNvPr id="5" name="Text Placeholder 4"/>
+          <p:cNvSpPr>
+            <a:spLocks noGrp="1"/>
+          </p:cNvSpPr>
+          <p:nvPr>
+            <p:ph type="body" sz="quarter" idx="3"/>
+          </p:nvPr>
+        </p:nvSpPr>
+        <p:spPr>
+          <a:xfrm>
+            <a:off x="3883659" y="1981200"/>
+            <a:ext cx="2936241" cy="576262"/>
+          </a:xfrm>
+        </p:spPr>
+        <p:txBody>
+          <a:bodyPr anchor="b">
+            <a:noAutofit/>
+          </a:bodyPr>
+          <a:lstStyle>
+            <a:lvl1pPr marL="0" indent="0">
+              <a:buNone/>
+              <a:defRPr sz="2400" b="0">
+                <a:solidFill>
+                  <a:schemeClr val="bg2">
+                    <a:lumMod val="40000"/>
+                    <a:lumOff val="60000"/>
+                  </a:schemeClr>
+                </a:solidFill>
+              </a:defRPr>
+            </a:lvl1pPr>
+            <a:lvl2pPr marL="457200" indent="0">
+              <a:buNone/>
+              <a:defRPr sz="2000" b="1"/>
+            </a:lvl2pPr>
+            <a:lvl3pPr marL="914400" indent="0">
+              <a:buNone/>
+              <a:defRPr sz="1800" b="1"/>
+            </a:lvl3pPr>
+            <a:lvl4pPr marL="1371600" indent="0">
+              <a:buNone/>
+              <a:defRPr sz="1600" b="1"/>
+            </a:lvl4pPr>
+            <a:lvl5pPr marL="1828800" indent="0">
+              <a:buNone/>
+              <a:defRPr sz="1600" b="1"/>
+            </a:lvl5pPr>
+            <a:lvl6pPr marL="2286000" indent="0">
+              <a:buNone/>
+              <a:defRPr sz="1600" b="1"/>
+            </a:lvl6pPr>
+            <a:lvl7pPr marL="2743200" indent="0">
+              <a:buNone/>
+              <a:defRPr sz="1600" b="1"/>
+            </a:lvl7pPr>
+            <a:lvl8pPr marL="3200400" indent="0">
+              <a:buNone/>
+              <a:defRPr sz="1600" b="1"/>
+            </a:lvl8pPr>
+            <a:lvl9pPr marL="3657600" indent="0">
+              <a:buNone/>
+              <a:defRPr sz="1600" b="1"/>
+            </a:lvl9pPr>
+          </a:lstStyle>
+          <a:p>
+            <a:pPr lvl="0"/>
+            <a:r>
+              <a:rPr lang="en-US" smtClean="0"/>
+              <a:t>Edit Master text styles</a:t>
+            </a:r>
+          </a:p>
+        </p:txBody>
+      </p:sp>
+      <p:sp>
+        <p:nvSpPr>
+          <p:cNvPr id="19" name="Text Placeholder 3"/>
+          <p:cNvSpPr>
+            <a:spLocks noGrp="1"/>
+          </p:cNvSpPr>
+          <p:nvPr>
+            <p:ph type="body" sz="half" idx="16"/>
+          </p:nvPr>
+        </p:nvSpPr>
+        <p:spPr>
+          <a:xfrm>
+            <a:off x="3873106" y="2667000"/>
+            <a:ext cx="2946794" cy="3589338"/>
+          </a:xfrm>
+        </p:spPr>
+        <p:txBody>
+          <a:bodyPr anchor="t">
+            <a:normAutofit/>
+          </a:bodyPr>
+          <a:lstStyle>
+            <a:lvl1pPr marL="0" indent="0">
+              <a:buNone/>
+              <a:defRPr sz="1400"/>
+            </a:lvl1pPr>
+            <a:lvl2pPr marL="457200" indent="0">
+              <a:buNone/>
+              <a:defRPr sz="1200"/>
+            </a:lvl2pPr>
+            <a:lvl3pPr marL="914400" indent="0">
+              <a:buNone/>
+              <a:defRPr sz="1000"/>
+            </a:lvl3pPr>
+            <a:lvl4pPr marL="1371600" indent="0">
+              <a:buNone/>
+              <a:defRPr sz="900"/>
+            </a:lvl4pPr>
+            <a:lvl5pPr marL="1828800" indent="0">
+              <a:buNone/>
+              <a:defRPr sz="900"/>
+            </a:lvl5pPr>
+            <a:lvl6pPr marL="2286000" indent="0">
+              <a:buNone/>
+              <a:defRPr sz="900"/>
+            </a:lvl6pPr>
+            <a:lvl7pPr marL="2743200" indent="0">
+              <a:buNone/>
+              <a:defRPr sz="900"/>
+            </a:lvl7pPr>
+            <a:lvl8pPr marL="3200400" indent="0">
+              <a:buNone/>
+              <a:defRPr sz="900"/>
+            </a:lvl8pPr>
+            <a:lvl9pPr marL="3657600" indent="0">
+              <a:buNone/>
+              <a:defRPr sz="900"/>
+            </a:lvl9pPr>
+          </a:lstStyle>
+          <a:p>
+            <a:pPr lvl="0"/>
+            <a:r>
+              <a:rPr lang="en-US" smtClean="0"/>
+              <a:t>Edit Master text styles</a:t>
+            </a:r>
+          </a:p>
+        </p:txBody>
+      </p:sp>
+      <p:sp>
+        <p:nvSpPr>
+          <p:cNvPr id="14" name="Text Placeholder 4"/>
+          <p:cNvSpPr>
+            <a:spLocks noGrp="1"/>
+          </p:cNvSpPr>
+          <p:nvPr>
+            <p:ph type="body" sz="quarter" idx="13"/>
+          </p:nvPr>
+        </p:nvSpPr>
+        <p:spPr>
+          <a:xfrm>
+            <a:off x="7124700" y="1981200"/>
+            <a:ext cx="2932113" cy="576262"/>
+          </a:xfrm>
+        </p:spPr>
+        <p:txBody>
+          <a:bodyPr anchor="b">
+            <a:noAutofit/>
+          </a:bodyPr>
+          <a:lstStyle>
+            <a:lvl1pPr marL="0" indent="0">
+              <a:buNone/>
+              <a:defRPr sz="2400" b="0">
+                <a:solidFill>
+                  <a:schemeClr val="bg2">
+                    <a:lumMod val="40000"/>
+                    <a:lumOff val="60000"/>
+                  </a:schemeClr>
+                </a:solidFill>
+              </a:defRPr>
+            </a:lvl1pPr>
+            <a:lvl2pPr marL="457200" indent="0">
+              <a:buNone/>
+              <a:defRPr sz="2000" b="1"/>
+            </a:lvl2pPr>
+            <a:lvl3pPr marL="914400" indent="0">
+              <a:buNone/>
+              <a:defRPr sz="1800" b="1"/>
+            </a:lvl3pPr>
+            <a:lvl4pPr marL="1371600" indent="0">
+              <a:buNone/>
+              <a:defRPr sz="1600" b="1"/>
+            </a:lvl4pPr>
+            <a:lvl5pPr marL="1828800" indent="0">
+              <a:buNone/>
+              <a:defRPr sz="1600" b="1"/>
+            </a:lvl5pPr>
+            <a:lvl6pPr marL="2286000" indent="0">
+              <a:buNone/>
+              <a:defRPr sz="1600" b="1"/>
+            </a:lvl6pPr>
+            <a:lvl7pPr marL="2743200" indent="0">
+              <a:buNone/>
+              <a:defRPr sz="1600" b="1"/>
+            </a:lvl7pPr>
+            <a:lvl8pPr marL="3200400" indent="0">
+              <a:buNone/>
+              <a:defRPr sz="1600" b="1"/>
+            </a:lvl8pPr>
+            <a:lvl9pPr marL="3657600" indent="0">
+              <a:buNone/>
+              <a:defRPr sz="1600" b="1"/>
+            </a:lvl9pPr>
+          </a:lstStyle>
+          <a:p>
+            <a:pPr lvl="0"/>
+            <a:r>
+              <a:rPr lang="en-US" smtClean="0"/>
+              <a:t>Edit Master text styles</a:t>
+            </a:r>
+          </a:p>
+        </p:txBody>
+      </p:sp>
+      <p:sp>
+        <p:nvSpPr>
+          <p:cNvPr id="20" name="Text Placeholder 3"/>
+          <p:cNvSpPr>
+            <a:spLocks noGrp="1"/>
+          </p:cNvSpPr>
+          <p:nvPr>
+            <p:ph type="body" sz="half" idx="17"/>
+          </p:nvPr>
+        </p:nvSpPr>
+        <p:spPr>
+          <a:xfrm>
+            <a:off x="7124700" y="2667000"/>
+            <a:ext cx="2932113" cy="3589338"/>
+          </a:xfrm>
+        </p:spPr>
+        <p:txBody>
+          <a:bodyPr anchor="t">
+            <a:normAutofit/>
+          </a:bodyPr>
+          <a:lstStyle>
+            <a:lvl1pPr marL="0" indent="0">
+              <a:buNone/>
+              <a:defRPr sz="1400"/>
+            </a:lvl1pPr>
+            <a:lvl2pPr marL="457200" indent="0">
+              <a:buNone/>
+              <a:defRPr sz="1200"/>
+            </a:lvl2pPr>
+            <a:lvl3pPr marL="914400" indent="0">
+              <a:buNone/>
+              <a:defRPr sz="1000"/>
+            </a:lvl3pPr>
+            <a:lvl4pPr marL="1371600" indent="0">
+              <a:buNone/>
+              <a:defRPr sz="900"/>
+            </a:lvl4pPr>
+            <a:lvl5pPr marL="1828800" indent="0">
+              <a:buNone/>
+              <a:defRPr sz="900"/>
+            </a:lvl5pPr>
+            <a:lvl6pPr marL="2286000" indent="0">
+              <a:buNone/>
+              <a:defRPr sz="900"/>
+            </a:lvl6pPr>
+            <a:lvl7pPr marL="2743200" indent="0">
+              <a:buNone/>
+              <a:defRPr sz="900"/>
+            </a:lvl7pPr>
+            <a:lvl8pPr marL="3200400" indent="0">
+              <a:buNone/>
+              <a:defRPr sz="900"/>
+            </a:lvl8pPr>
+            <a:lvl9pPr marL="3657600" indent="0">
+              <a:buNone/>
+              <a:defRPr sz="900"/>
+            </a:lvl9pPr>
+          </a:lstStyle>
+          <a:p>
+            <a:pPr lvl="0"/>
+            <a:r>
+              <a:rPr lang="en-US" smtClean="0"/>
+              <a:t>Edit Master text styles</a:t>
+            </a:r>
+          </a:p>
+        </p:txBody>
+      </p:sp>
+      <p:cxnSp>
+        <p:nvCxnSpPr>
+          <p:cNvPr id="17" name="Straight Connector 16"/>
+          <p:cNvCxnSpPr/>
+          <p:nvPr/>
+        </p:nvCxnSpPr>
+        <p:spPr>
+          <a:xfrm>
+            <a:off x="3726142" y="2133600"/>
+            <a:ext cx="0" cy="3962400"/>
+          </a:xfrm>
+          <a:prstGeom prst="line">
+            <a:avLst/>
+          </a:prstGeom>
+          <a:ln w="12700" cmpd="sng">
+            <a:solidFill>
+              <a:schemeClr val="bg2">
+                <a:lumMod val="40000"/>
+                <a:lumOff val="60000"/>
+                <a:alpha val="40000"/>
+              </a:schemeClr>
+            </a:solidFill>
+          </a:ln>
+        </p:spPr>
+        <p:style>
+          <a:lnRef idx="2">
+            <a:schemeClr val="accent1"/>
+          </a:lnRef>
+          <a:fillRef idx="0">
+            <a:schemeClr val="accent1"/>
+          </a:fillRef>
+          <a:effectRef idx="1">
+            <a:schemeClr val="accent1"/>
+          </a:effectRef>
+          <a:fontRef idx="minor">
+            <a:schemeClr val="tx1"/>
+          </a:fontRef>
+        </p:style>
+      </p:cxnSp>
+      <p:cxnSp>
+        <p:nvCxnSpPr>
+          <p:cNvPr id="18" name="Straight Connector 17"/>
+          <p:cNvCxnSpPr/>
+          <p:nvPr/>
+        </p:nvCxnSpPr>
+        <p:spPr>
+          <a:xfrm>
+            <a:off x="6962227" y="2133600"/>
+            <a:ext cx="0" cy="3966882"/>
+          </a:xfrm>
+          <a:prstGeom prst="line">
+            <a:avLst/>
+          </a:prstGeom>
+          <a:ln w="12700" cmpd="sng">
+            <a:solidFill>
+              <a:schemeClr val="bg2">
+                <a:lumMod val="40000"/>
+                <a:lumOff val="60000"/>
+                <a:alpha val="40000"/>
+              </a:schemeClr>
+            </a:solidFill>
+          </a:ln>
+        </p:spPr>
+        <p:style>
+          <a:lnRef idx="2">
+            <a:schemeClr val="accent1"/>
+          </a:lnRef>
+          <a:fillRef idx="0">
+            <a:schemeClr val="accent1"/>
+          </a:fillRef>
+          <a:effectRef idx="1">
+            <a:schemeClr val="accent1"/>
+          </a:effectRef>
+          <a:fontRef idx="minor">
+            <a:schemeClr val="tx1"/>
+          </a:fontRef>
+        </p:style>
+      </p:cxnSp>
+      <p:sp>
+        <p:nvSpPr>
+          <p:cNvPr id="7" name="Date Placeholder 3"/>
+          <p:cNvSpPr>
+            <a:spLocks noGrp="1"/>
+          </p:cNvSpPr>
+          <p:nvPr>
+            <p:ph type="dt" sz="half" idx="10"/>
+          </p:nvPr>
+        </p:nvSpPr>
+        <p:spPr/>
+        <p:txBody>
+          <a:bodyPr/>
+          <a:lstStyle/>
+          <a:p>
+            <a:fld id="{ABE413FD-3F14-41A2-B06F-64FBBBC75C69}" type="datetimeFigureOut">
+              <a:rPr lang="en-US" smtClean="0"/>
+              <a:t>4/24/2023</a:t>
+            </a:fld>
+            <a:endParaRPr lang="en-US"/>
+          </a:p>
+        </p:txBody>
+      </p:sp>
+      <p:sp>
+        <p:nvSpPr>
+          <p:cNvPr id="4" name="Footer Placeholder 4"/>
+          <p:cNvSpPr>
+            <a:spLocks noGrp="1"/>
+          </p:cNvSpPr>
+          <p:nvPr>
+            <p:ph type="ftr" sz="quarter" idx="11"/>
+          </p:nvPr>
+        </p:nvSpPr>
+        <p:spPr/>
+        <p:txBody>
+          <a:bodyPr/>
+          <a:lstStyle/>
+          <a:p>
+            <a:endParaRPr lang="en-US"/>
+          </a:p>
+        </p:txBody>
+      </p:sp>
+      <p:sp>
+        <p:nvSpPr>
+          <p:cNvPr id="6" name="Slide Number Placeholder 5"/>
+          <p:cNvSpPr>
+            <a:spLocks noGrp="1"/>
+          </p:cNvSpPr>
+          <p:nvPr>
+            <p:ph type="sldNum" sz="quarter" idx="12"/>
+          </p:nvPr>
+        </p:nvSpPr>
+        <p:spPr/>
+        <p:txBody>
+          <a:bodyPr/>
+          <a:lstStyle/>
+          <a:p>
+            <a:fld id="{254B7792-BDE8-4C80-BA2C-C05D22893D50}" type="slidenum">
+              <a:rPr lang="en-US" smtClean="0"/>
+              <a:t>‹#›</a:t>
+            </a:fld>
+            <a:endParaRPr lang="en-US"/>
+          </a:p>
+        </p:txBody>
+      </p:sp>
+    </p:spTree>
+    <p:extLst>
+      <p:ext uri="{BB962C8B-B14F-4D97-AF65-F5344CB8AC3E}">
+        <p14:creationId xmlns:p14="http://schemas.microsoft.com/office/powerpoint/2010/main" val="3024805215"/>
+      </p:ext>
+    </p:extLst>
+  </p:cSld>
+  <p:clrMapOvr>
+    <a:masterClrMapping/>
+  </p:clrMapOvr>
+</p:sldLayout>
+</file>
+
+<file path=ppt/slideLayouts/slideLayout15.xml><?xml version="1.0" encoding="utf-8"?>
+<p:sldLayout xmlns:a="http://schemas.openxmlformats.org/drawingml/2006/main" xmlns:r="http://schemas.openxmlformats.org/officeDocument/2006/relationships" xmlns:p="http://schemas.openxmlformats.org/presentationml/2006/main" preserve="1">
+  <p:cSld name="3 Picture Column">
+    <p:spTree>
+      <p:nvGrpSpPr>
+        <p:cNvPr id="1" name=""/>
+        <p:cNvGrpSpPr/>
+        <p:nvPr/>
+      </p:nvGrpSpPr>
+      <p:grpSpPr>
+        <a:xfrm>
+          <a:off x="0" y="0"/>
+          <a:ext cx="0" cy="0"/>
+          <a:chOff x="0" y="0"/>
+          <a:chExt cx="0" cy="0"/>
+        </a:xfrm>
+      </p:grpSpPr>
+      <p:sp>
+        <p:nvSpPr>
+          <p:cNvPr id="2" name="Title 1"/>
+          <p:cNvSpPr>
+            <a:spLocks noGrp="1"/>
+          </p:cNvSpPr>
+          <p:nvPr>
+            <p:ph type="title"/>
+          </p:nvPr>
+        </p:nvSpPr>
+        <p:spPr/>
+        <p:txBody>
+          <a:bodyPr/>
+          <a:lstStyle>
+            <a:lvl1pPr>
+              <a:defRPr sz="4200"/>
+            </a:lvl1pPr>
+          </a:lstStyle>
+          <a:p>
+            <a:r>
+              <a:rPr lang="en-US" smtClean="0"/>
+              <a:t>Click to edit Master title style</a:t>
+            </a:r>
+            <a:endParaRPr lang="en-US" dirty="0"/>
+          </a:p>
+        </p:txBody>
+      </p:sp>
+      <p:sp>
+        <p:nvSpPr>
+          <p:cNvPr id="3" name="Text Placeholder 2"/>
+          <p:cNvSpPr>
+            <a:spLocks noGrp="1"/>
+          </p:cNvSpPr>
+          <p:nvPr>
+            <p:ph type="body" idx="1"/>
+          </p:nvPr>
+        </p:nvSpPr>
+        <p:spPr>
+          <a:xfrm>
+            <a:off x="652463" y="4250949"/>
+            <a:ext cx="2940050" cy="576262"/>
+          </a:xfrm>
+        </p:spPr>
+        <p:txBody>
+          <a:bodyPr anchor="b">
+            <a:noAutofit/>
+          </a:bodyPr>
+          <a:lstStyle>
+            <a:lvl1pPr marL="0" indent="0">
+              <a:buNone/>
+              <a:defRPr sz="2400" b="0">
+                <a:solidFill>
+                  <a:schemeClr val="bg2">
+                    <a:lumMod val="40000"/>
+                    <a:lumOff val="60000"/>
+                  </a:schemeClr>
+                </a:solidFill>
+              </a:defRPr>
+            </a:lvl1pPr>
+            <a:lvl2pPr marL="457200" indent="0">
+              <a:buNone/>
+              <a:defRPr sz="2000" b="1"/>
+            </a:lvl2pPr>
+            <a:lvl3pPr marL="914400" indent="0">
+              <a:buNone/>
+              <a:defRPr sz="1800" b="1"/>
+            </a:lvl3pPr>
+            <a:lvl4pPr marL="1371600" indent="0">
+              <a:buNone/>
+              <a:defRPr sz="1600" b="1"/>
+            </a:lvl4pPr>
+            <a:lvl5pPr marL="1828800" indent="0">
+              <a:buNone/>
+              <a:defRPr sz="1600" b="1"/>
+            </a:lvl5pPr>
+            <a:lvl6pPr marL="2286000" indent="0">
+              <a:buNone/>
+              <a:defRPr sz="1600" b="1"/>
+            </a:lvl6pPr>
+            <a:lvl7pPr marL="2743200" indent="0">
+              <a:buNone/>
+              <a:defRPr sz="1600" b="1"/>
+            </a:lvl7pPr>
+            <a:lvl8pPr marL="3200400" indent="0">
+              <a:buNone/>
+              <a:defRPr sz="1600" b="1"/>
+            </a:lvl8pPr>
+            <a:lvl9pPr marL="3657600" indent="0">
+              <a:buNone/>
+              <a:defRPr sz="1600" b="1"/>
+            </a:lvl9pPr>
+          </a:lstStyle>
+          <a:p>
+            <a:pPr lvl="0"/>
+            <a:r>
+              <a:rPr lang="en-US" smtClean="0"/>
+              <a:t>Edit Master text styles</a:t>
+            </a:r>
+          </a:p>
+        </p:txBody>
+      </p:sp>
+      <p:sp>
+        <p:nvSpPr>
+          <p:cNvPr id="29" name="Picture Placeholder 2"/>
+          <p:cNvSpPr>
+            <a:spLocks noGrp="1" noChangeAspect="1"/>
+          </p:cNvSpPr>
+          <p:nvPr>
+            <p:ph type="pic" idx="15"/>
+          </p:nvPr>
+        </p:nvSpPr>
+        <p:spPr>
+          <a:xfrm>
+            <a:off x="652463" y="2209800"/>
+            <a:ext cx="2940050" cy="1524000"/>
+          </a:xfrm>
+          <a:prstGeom prst="roundRect">
+            <a:avLst>
+              <a:gd name="adj" fmla="val 1858"/>
+            </a:avLst>
+          </a:prstGeom>
+          <a:effectLst>
+            <a:outerShdw blurRad="50800" dist="50800" dir="5400000" algn="tl" rotWithShape="0">
+              <a:srgbClr val="000000">
+                <a:alpha val="43000"/>
+              </a:srgbClr>
+            </a:outerShdw>
+          </a:effectLst>
+        </p:spPr>
+        <p:txBody>
+          <a:bodyPr anchor="t">
+            <a:normAutofit/>
+          </a:bodyPr>
+          <a:lstStyle>
+            <a:lvl1pPr marL="0" indent="0" algn="ctr">
+              <a:buNone/>
+              <a:defRPr sz="1600"/>
+            </a:lvl1pPr>
+            <a:lvl2pPr marL="457200" indent="0">
+              <a:buNone/>
+              <a:defRPr sz="1600"/>
+            </a:lvl2pPr>
+            <a:lvl3pPr marL="914400" indent="0">
+              <a:buNone/>
+              <a:defRPr sz="1600"/>
+            </a:lvl3pPr>
+            <a:lvl4pPr marL="1371600" indent="0">
+              <a:buNone/>
+              <a:defRPr sz="1600"/>
+            </a:lvl4pPr>
+            <a:lvl5pPr marL="1828800" indent="0">
+              <a:buNone/>
+              <a:defRPr sz="1600"/>
+            </a:lvl5pPr>
+            <a:lvl6pPr marL="2286000" indent="0">
+              <a:buNone/>
+              <a:defRPr sz="1600"/>
+            </a:lvl6pPr>
+            <a:lvl7pPr marL="2743200" indent="0">
+              <a:buNone/>
+              <a:defRPr sz="1600"/>
+            </a:lvl7pPr>
+            <a:lvl8pPr marL="3200400" indent="0">
+              <a:buNone/>
+              <a:defRPr sz="1600"/>
+            </a:lvl8pPr>
+            <a:lvl9pPr marL="3657600" indent="0">
+              <a:buNone/>
+              <a:defRPr sz="1600"/>
+            </a:lvl9pPr>
+          </a:lstStyle>
+          <a:p>
+            <a:r>
+              <a:rPr lang="en-US" smtClean="0"/>
+              <a:t>Click icon to add picture</a:t>
+            </a:r>
+            <a:endParaRPr lang="en-US" dirty="0"/>
+          </a:p>
+        </p:txBody>
+      </p:sp>
+      <p:sp>
+        <p:nvSpPr>
+          <p:cNvPr id="22" name="Text Placeholder 3"/>
+          <p:cNvSpPr>
+            <a:spLocks noGrp="1"/>
+          </p:cNvSpPr>
+          <p:nvPr>
+            <p:ph type="body" sz="half" idx="18"/>
+          </p:nvPr>
+        </p:nvSpPr>
+        <p:spPr>
+          <a:xfrm>
+            <a:off x="652463" y="4827211"/>
+            <a:ext cx="2940050" cy="659189"/>
+          </a:xfrm>
+        </p:spPr>
+        <p:txBody>
+          <a:bodyPr anchor="t">
+            <a:normAutofit/>
+          </a:bodyPr>
+          <a:lstStyle>
+            <a:lvl1pPr marL="0" indent="0">
+              <a:buNone/>
+              <a:defRPr sz="1400"/>
+            </a:lvl1pPr>
+            <a:lvl2pPr marL="457200" indent="0">
+              <a:buNone/>
+              <a:defRPr sz="1200"/>
+            </a:lvl2pPr>
+            <a:lvl3pPr marL="914400" indent="0">
+              <a:buNone/>
+              <a:defRPr sz="1000"/>
+            </a:lvl3pPr>
+            <a:lvl4pPr marL="1371600" indent="0">
+              <a:buNone/>
+              <a:defRPr sz="900"/>
+            </a:lvl4pPr>
+            <a:lvl5pPr marL="1828800" indent="0">
+              <a:buNone/>
+              <a:defRPr sz="900"/>
+            </a:lvl5pPr>
+            <a:lvl6pPr marL="2286000" indent="0">
+              <a:buNone/>
+              <a:defRPr sz="900"/>
+            </a:lvl6pPr>
+            <a:lvl7pPr marL="2743200" indent="0">
+              <a:buNone/>
+              <a:defRPr sz="900"/>
+            </a:lvl7pPr>
+            <a:lvl8pPr marL="3200400" indent="0">
+              <a:buNone/>
+              <a:defRPr sz="900"/>
+            </a:lvl8pPr>
+            <a:lvl9pPr marL="3657600" indent="0">
+              <a:buNone/>
+              <a:defRPr sz="900"/>
+            </a:lvl9pPr>
+          </a:lstStyle>
+          <a:p>
+            <a:pPr lvl="0"/>
+            <a:r>
+              <a:rPr lang="en-US" smtClean="0"/>
+              <a:t>Edit Master text styles</a:t>
+            </a:r>
+          </a:p>
+        </p:txBody>
+      </p:sp>
+      <p:sp>
+        <p:nvSpPr>
+          <p:cNvPr id="5" name="Text Placeholder 4"/>
+          <p:cNvSpPr>
+            <a:spLocks noGrp="1"/>
+          </p:cNvSpPr>
+          <p:nvPr>
+            <p:ph type="body" sz="quarter" idx="3"/>
+          </p:nvPr>
+        </p:nvSpPr>
+        <p:spPr>
+          <a:xfrm>
+            <a:off x="3889375" y="4250949"/>
+            <a:ext cx="2930525" cy="576262"/>
+          </a:xfrm>
+        </p:spPr>
+        <p:txBody>
+          <a:bodyPr anchor="b">
+            <a:noAutofit/>
+          </a:bodyPr>
+          <a:lstStyle>
+            <a:lvl1pPr marL="0" indent="0">
+              <a:buNone/>
+              <a:defRPr sz="2400" b="0">
+                <a:solidFill>
+                  <a:schemeClr val="bg2">
+                    <a:lumMod val="40000"/>
+                    <a:lumOff val="60000"/>
+                  </a:schemeClr>
+                </a:solidFill>
+              </a:defRPr>
+            </a:lvl1pPr>
+            <a:lvl2pPr marL="457200" indent="0">
+              <a:buNone/>
+              <a:defRPr sz="2000" b="1"/>
+            </a:lvl2pPr>
+            <a:lvl3pPr marL="914400" indent="0">
+              <a:buNone/>
+              <a:defRPr sz="1800" b="1"/>
+            </a:lvl3pPr>
+            <a:lvl4pPr marL="1371600" indent="0">
+              <a:buNone/>
+              <a:defRPr sz="1600" b="1"/>
+            </a:lvl4pPr>
+            <a:lvl5pPr marL="1828800" indent="0">
+              <a:buNone/>
+              <a:defRPr sz="1600" b="1"/>
+            </a:lvl5pPr>
+            <a:lvl6pPr marL="2286000" indent="0">
+              <a:buNone/>
+              <a:defRPr sz="1600" b="1"/>
+            </a:lvl6pPr>
+            <a:lvl7pPr marL="2743200" indent="0">
+              <a:buNone/>
+              <a:defRPr sz="1600" b="1"/>
+            </a:lvl7pPr>
+            <a:lvl8pPr marL="3200400" indent="0">
+              <a:buNone/>
+              <a:defRPr sz="1600" b="1"/>
+            </a:lvl8pPr>
+            <a:lvl9pPr marL="3657600" indent="0">
+              <a:buNone/>
+              <a:defRPr sz="1600" b="1"/>
+            </a:lvl9pPr>
+          </a:lstStyle>
+          <a:p>
+            <a:pPr lvl="0"/>
+            <a:r>
+              <a:rPr lang="en-US" smtClean="0"/>
+              <a:t>Edit Master text styles</a:t>
+            </a:r>
+          </a:p>
+        </p:txBody>
+      </p:sp>
+      <p:sp>
+        <p:nvSpPr>
+          <p:cNvPr id="30" name="Picture Placeholder 2"/>
+          <p:cNvSpPr>
+            <a:spLocks noGrp="1" noChangeAspect="1"/>
+          </p:cNvSpPr>
+          <p:nvPr>
+            <p:ph type="pic" idx="21"/>
+          </p:nvPr>
+        </p:nvSpPr>
+        <p:spPr>
+          <a:xfrm>
+            <a:off x="3889374" y="2209800"/>
+            <a:ext cx="2930525" cy="1524000"/>
+          </a:xfrm>
+          <a:prstGeom prst="roundRect">
+            <a:avLst>
+              <a:gd name="adj" fmla="val 1858"/>
+            </a:avLst>
+          </a:prstGeom>
+          <a:effectLst>
+            <a:outerShdw blurRad="50800" dist="50800" dir="5400000" algn="tl" rotWithShape="0">
+              <a:srgbClr val="000000">
+                <a:alpha val="43000"/>
+              </a:srgbClr>
+            </a:outerShdw>
+          </a:effectLst>
+        </p:spPr>
+        <p:txBody>
+          <a:bodyPr anchor="t">
+            <a:normAutofit/>
+          </a:bodyPr>
+          <a:lstStyle>
+            <a:lvl1pPr marL="0" indent="0" algn="ctr">
+              <a:buNone/>
+              <a:defRPr sz="1600"/>
+            </a:lvl1pPr>
+            <a:lvl2pPr marL="457200" indent="0">
+              <a:buNone/>
+              <a:defRPr sz="1600"/>
+            </a:lvl2pPr>
+            <a:lvl3pPr marL="914400" indent="0">
+              <a:buNone/>
+              <a:defRPr sz="1600"/>
+            </a:lvl3pPr>
+            <a:lvl4pPr marL="1371600" indent="0">
+              <a:buNone/>
+              <a:defRPr sz="1600"/>
+            </a:lvl4pPr>
+            <a:lvl5pPr marL="1828800" indent="0">
+              <a:buNone/>
+              <a:defRPr sz="1600"/>
+            </a:lvl5pPr>
+            <a:lvl6pPr marL="2286000" indent="0">
+              <a:buNone/>
+              <a:defRPr sz="1600"/>
+            </a:lvl6pPr>
+            <a:lvl7pPr marL="2743200" indent="0">
+              <a:buNone/>
+              <a:defRPr sz="1600"/>
+            </a:lvl7pPr>
+            <a:lvl8pPr marL="3200400" indent="0">
+              <a:buNone/>
+              <a:defRPr sz="1600"/>
+            </a:lvl8pPr>
+            <a:lvl9pPr marL="3657600" indent="0">
+              <a:buNone/>
+              <a:defRPr sz="1600"/>
+            </a:lvl9pPr>
+          </a:lstStyle>
+          <a:p>
+            <a:r>
+              <a:rPr lang="en-US" smtClean="0"/>
+              <a:t>Click icon to add picture</a:t>
+            </a:r>
+            <a:endParaRPr lang="en-US" dirty="0"/>
+          </a:p>
+        </p:txBody>
+      </p:sp>
+      <p:sp>
+        <p:nvSpPr>
+          <p:cNvPr id="23" name="Text Placeholder 3"/>
+          <p:cNvSpPr>
+            <a:spLocks noGrp="1"/>
+          </p:cNvSpPr>
+          <p:nvPr>
+            <p:ph type="body" sz="half" idx="19"/>
+          </p:nvPr>
+        </p:nvSpPr>
+        <p:spPr>
+          <a:xfrm>
+            <a:off x="3888022" y="4827210"/>
+            <a:ext cx="2934406" cy="659189"/>
+          </a:xfrm>
+        </p:spPr>
+        <p:txBody>
+          <a:bodyPr anchor="t">
+            <a:normAutofit/>
+          </a:bodyPr>
+          <a:lstStyle>
+            <a:lvl1pPr marL="0" indent="0">
+              <a:buNone/>
+              <a:defRPr sz="1400"/>
+            </a:lvl1pPr>
+            <a:lvl2pPr marL="457200" indent="0">
+              <a:buNone/>
+              <a:defRPr sz="1200"/>
+            </a:lvl2pPr>
+            <a:lvl3pPr marL="914400" indent="0">
+              <a:buNone/>
+              <a:defRPr sz="1000"/>
+            </a:lvl3pPr>
+            <a:lvl4pPr marL="1371600" indent="0">
+              <a:buNone/>
+              <a:defRPr sz="900"/>
+            </a:lvl4pPr>
+            <a:lvl5pPr marL="1828800" indent="0">
+              <a:buNone/>
+              <a:defRPr sz="900"/>
+            </a:lvl5pPr>
+            <a:lvl6pPr marL="2286000" indent="0">
+              <a:buNone/>
+              <a:defRPr sz="900"/>
+            </a:lvl6pPr>
+            <a:lvl7pPr marL="2743200" indent="0">
+              <a:buNone/>
+              <a:defRPr sz="900"/>
+            </a:lvl7pPr>
+            <a:lvl8pPr marL="3200400" indent="0">
+              <a:buNone/>
+              <a:defRPr sz="900"/>
+            </a:lvl8pPr>
+            <a:lvl9pPr marL="3657600" indent="0">
+              <a:buNone/>
+              <a:defRPr sz="900"/>
+            </a:lvl9pPr>
+          </a:lstStyle>
+          <a:p>
+            <a:pPr lvl="0"/>
+            <a:r>
+              <a:rPr lang="en-US" smtClean="0"/>
+              <a:t>Edit Master text styles</a:t>
+            </a:r>
+          </a:p>
+        </p:txBody>
+      </p:sp>
+      <p:sp>
+        <p:nvSpPr>
+          <p:cNvPr id="14" name="Text Placeholder 4"/>
+          <p:cNvSpPr>
+            <a:spLocks noGrp="1"/>
+          </p:cNvSpPr>
+          <p:nvPr>
+            <p:ph type="body" sz="quarter" idx="13"/>
+          </p:nvPr>
+        </p:nvSpPr>
+        <p:spPr>
+          <a:xfrm>
+            <a:off x="7124700" y="4250949"/>
+            <a:ext cx="2932113" cy="576262"/>
+          </a:xfrm>
+        </p:spPr>
+        <p:txBody>
+          <a:bodyPr anchor="b">
+            <a:noAutofit/>
+          </a:bodyPr>
+          <a:lstStyle>
+            <a:lvl1pPr marL="0" indent="0">
+              <a:buNone/>
+              <a:defRPr sz="2400" b="0">
+                <a:solidFill>
+                  <a:schemeClr val="bg2">
+                    <a:lumMod val="40000"/>
+                    <a:lumOff val="60000"/>
+                  </a:schemeClr>
+                </a:solidFill>
+              </a:defRPr>
+            </a:lvl1pPr>
+            <a:lvl2pPr marL="457200" indent="0">
+              <a:buNone/>
+              <a:defRPr sz="2000" b="1"/>
+            </a:lvl2pPr>
+            <a:lvl3pPr marL="914400" indent="0">
+              <a:buNone/>
+              <a:defRPr sz="1800" b="1"/>
+            </a:lvl3pPr>
+            <a:lvl4pPr marL="1371600" indent="0">
+              <a:buNone/>
+              <a:defRPr sz="1600" b="1"/>
+            </a:lvl4pPr>
+            <a:lvl5pPr marL="1828800" indent="0">
+              <a:buNone/>
+              <a:defRPr sz="1600" b="1"/>
+            </a:lvl5pPr>
+            <a:lvl6pPr marL="2286000" indent="0">
+              <a:buNone/>
+              <a:defRPr sz="1600" b="1"/>
+            </a:lvl6pPr>
+            <a:lvl7pPr marL="2743200" indent="0">
+              <a:buNone/>
+              <a:defRPr sz="1600" b="1"/>
+            </a:lvl7pPr>
+            <a:lvl8pPr marL="3200400" indent="0">
+              <a:buNone/>
+              <a:defRPr sz="1600" b="1"/>
+            </a:lvl8pPr>
+            <a:lvl9pPr marL="3657600" indent="0">
+              <a:buNone/>
+              <a:defRPr sz="1600" b="1"/>
+            </a:lvl9pPr>
+          </a:lstStyle>
+          <a:p>
+            <a:pPr lvl="0"/>
+            <a:r>
+              <a:rPr lang="en-US" smtClean="0"/>
+              <a:t>Edit Master text styles</a:t>
+            </a:r>
+          </a:p>
+        </p:txBody>
+      </p:sp>
+      <p:sp>
+        <p:nvSpPr>
+          <p:cNvPr id="31" name="Picture Placeholder 2"/>
+          <p:cNvSpPr>
+            <a:spLocks noGrp="1" noChangeAspect="1"/>
+          </p:cNvSpPr>
+          <p:nvPr>
+            <p:ph type="pic" idx="22"/>
+          </p:nvPr>
+        </p:nvSpPr>
+        <p:spPr>
+          <a:xfrm>
+            <a:off x="7124699" y="2209800"/>
+            <a:ext cx="2932113" cy="1524000"/>
+          </a:xfrm>
+          <a:prstGeom prst="roundRect">
+            <a:avLst>
+              <a:gd name="adj" fmla="val 1858"/>
+            </a:avLst>
+          </a:prstGeom>
+          <a:effectLst>
+            <a:outerShdw blurRad="50800" dist="50800" dir="5400000" algn="tl" rotWithShape="0">
+              <a:srgbClr val="000000">
+                <a:alpha val="43000"/>
+              </a:srgbClr>
+            </a:outerShdw>
+          </a:effectLst>
+        </p:spPr>
+        <p:txBody>
+          <a:bodyPr anchor="t">
+            <a:normAutofit/>
+          </a:bodyPr>
+          <a:lstStyle>
+            <a:lvl1pPr marL="0" indent="0" algn="ctr">
+              <a:buNone/>
+              <a:defRPr sz="1600"/>
+            </a:lvl1pPr>
+            <a:lvl2pPr marL="457200" indent="0">
+              <a:buNone/>
+              <a:defRPr sz="1600"/>
+            </a:lvl2pPr>
+            <a:lvl3pPr marL="914400" indent="0">
+              <a:buNone/>
+              <a:defRPr sz="1600"/>
+            </a:lvl3pPr>
+            <a:lvl4pPr marL="1371600" indent="0">
+              <a:buNone/>
+              <a:defRPr sz="1600"/>
+            </a:lvl4pPr>
+            <a:lvl5pPr marL="1828800" indent="0">
+              <a:buNone/>
+              <a:defRPr sz="1600"/>
+            </a:lvl5pPr>
+            <a:lvl6pPr marL="2286000" indent="0">
+              <a:buNone/>
+              <a:defRPr sz="1600"/>
+            </a:lvl6pPr>
+            <a:lvl7pPr marL="2743200" indent="0">
+              <a:buNone/>
+              <a:defRPr sz="1600"/>
+            </a:lvl7pPr>
+            <a:lvl8pPr marL="3200400" indent="0">
+              <a:buNone/>
+              <a:defRPr sz="1600"/>
+            </a:lvl8pPr>
+            <a:lvl9pPr marL="3657600" indent="0">
+              <a:buNone/>
+              <a:defRPr sz="1600"/>
+            </a:lvl9pPr>
+          </a:lstStyle>
+          <a:p>
+            <a:r>
+              <a:rPr lang="en-US" smtClean="0"/>
+              <a:t>Click icon to add picture</a:t>
+            </a:r>
+            <a:endParaRPr lang="en-US" dirty="0"/>
+          </a:p>
+        </p:txBody>
+      </p:sp>
+      <p:sp>
+        <p:nvSpPr>
+          <p:cNvPr id="24" name="Text Placeholder 3"/>
+          <p:cNvSpPr>
+            <a:spLocks noGrp="1"/>
+          </p:cNvSpPr>
+          <p:nvPr>
+            <p:ph type="body" sz="half" idx="20"/>
+          </p:nvPr>
+        </p:nvSpPr>
+        <p:spPr>
+          <a:xfrm>
+            <a:off x="7124575" y="4827208"/>
+            <a:ext cx="2935997" cy="659189"/>
+          </a:xfrm>
+        </p:spPr>
+        <p:txBody>
+          <a:bodyPr anchor="t">
+            <a:normAutofit/>
+          </a:bodyPr>
+          <a:lstStyle>
+            <a:lvl1pPr marL="0" indent="0">
+              <a:buNone/>
+              <a:defRPr sz="1400"/>
+            </a:lvl1pPr>
+            <a:lvl2pPr marL="457200" indent="0">
+              <a:buNone/>
+              <a:defRPr sz="1200"/>
+            </a:lvl2pPr>
+            <a:lvl3pPr marL="914400" indent="0">
+              <a:buNone/>
+              <a:defRPr sz="1000"/>
+            </a:lvl3pPr>
+            <a:lvl4pPr marL="1371600" indent="0">
+              <a:buNone/>
+              <a:defRPr sz="900"/>
+            </a:lvl4pPr>
+            <a:lvl5pPr marL="1828800" indent="0">
+              <a:buNone/>
+              <a:defRPr sz="900"/>
+            </a:lvl5pPr>
+            <a:lvl6pPr marL="2286000" indent="0">
+              <a:buNone/>
+              <a:defRPr sz="900"/>
+            </a:lvl6pPr>
+            <a:lvl7pPr marL="2743200" indent="0">
+              <a:buNone/>
+              <a:defRPr sz="900"/>
+            </a:lvl7pPr>
+            <a:lvl8pPr marL="3200400" indent="0">
+              <a:buNone/>
+              <a:defRPr sz="900"/>
+            </a:lvl8pPr>
+            <a:lvl9pPr marL="3657600" indent="0">
+              <a:buNone/>
+              <a:defRPr sz="900"/>
+            </a:lvl9pPr>
+          </a:lstStyle>
+          <a:p>
+            <a:pPr lvl="0"/>
+            <a:r>
+              <a:rPr lang="en-US" smtClean="0"/>
+              <a:t>Edit Master text styles</a:t>
+            </a:r>
+          </a:p>
+        </p:txBody>
+      </p:sp>
+      <p:cxnSp>
+        <p:nvCxnSpPr>
+          <p:cNvPr id="19" name="Straight Connector 18"/>
+          <p:cNvCxnSpPr/>
+          <p:nvPr/>
+        </p:nvCxnSpPr>
+        <p:spPr>
+          <a:xfrm>
+            <a:off x="3726142" y="2133600"/>
+            <a:ext cx="0" cy="3962400"/>
+          </a:xfrm>
+          <a:prstGeom prst="line">
+            <a:avLst/>
+          </a:prstGeom>
+          <a:ln w="12700" cmpd="sng">
+            <a:solidFill>
+              <a:schemeClr val="bg2">
+                <a:lumMod val="40000"/>
+                <a:lumOff val="60000"/>
+                <a:alpha val="40000"/>
+              </a:schemeClr>
+            </a:solidFill>
+          </a:ln>
+        </p:spPr>
+        <p:style>
+          <a:lnRef idx="2">
+            <a:schemeClr val="accent1"/>
+          </a:lnRef>
+          <a:fillRef idx="0">
+            <a:schemeClr val="accent1"/>
+          </a:fillRef>
+          <a:effectRef idx="1">
+            <a:schemeClr val="accent1"/>
+          </a:effectRef>
+          <a:fontRef idx="minor">
+            <a:schemeClr val="tx1"/>
+          </a:fontRef>
+        </p:style>
+      </p:cxnSp>
+      <p:cxnSp>
+        <p:nvCxnSpPr>
+          <p:cNvPr id="20" name="Straight Connector 19"/>
+          <p:cNvCxnSpPr/>
+          <p:nvPr/>
+        </p:nvCxnSpPr>
+        <p:spPr>
+          <a:xfrm>
+            <a:off x="6962227" y="2133600"/>
+            <a:ext cx="0" cy="3966882"/>
+          </a:xfrm>
+          <a:prstGeom prst="line">
+            <a:avLst/>
+          </a:prstGeom>
+          <a:ln w="12700" cmpd="sng">
+            <a:solidFill>
+              <a:schemeClr val="bg2">
+                <a:lumMod val="40000"/>
+                <a:lumOff val="60000"/>
+                <a:alpha val="40000"/>
+              </a:schemeClr>
+            </a:solidFill>
+          </a:ln>
+        </p:spPr>
+        <p:style>
+          <a:lnRef idx="2">
+            <a:schemeClr val="accent1"/>
+          </a:lnRef>
+          <a:fillRef idx="0">
+            <a:schemeClr val="accent1"/>
+          </a:fillRef>
+          <a:effectRef idx="1">
+            <a:schemeClr val="accent1"/>
+          </a:effectRef>
+          <a:fontRef idx="minor">
+            <a:schemeClr val="tx1"/>
+          </a:fontRef>
+        </p:style>
+      </p:cxnSp>
+      <p:sp>
+        <p:nvSpPr>
+          <p:cNvPr id="7" name="Date Placeholder 3"/>
+          <p:cNvSpPr>
+            <a:spLocks noGrp="1"/>
+          </p:cNvSpPr>
+          <p:nvPr>
+            <p:ph type="dt" sz="half" idx="10"/>
+          </p:nvPr>
+        </p:nvSpPr>
+        <p:spPr/>
+        <p:txBody>
+          <a:bodyPr/>
+          <a:lstStyle/>
+          <a:p>
+            <a:fld id="{ABE413FD-3F14-41A2-B06F-64FBBBC75C69}" type="datetimeFigureOut">
+              <a:rPr lang="en-US" smtClean="0"/>
+              <a:t>4/24/2023</a:t>
+            </a:fld>
+            <a:endParaRPr lang="en-US"/>
+          </a:p>
+        </p:txBody>
+      </p:sp>
+      <p:sp>
+        <p:nvSpPr>
+          <p:cNvPr id="4" name="Footer Placeholder 4"/>
+          <p:cNvSpPr>
+            <a:spLocks noGrp="1"/>
+          </p:cNvSpPr>
+          <p:nvPr>
+            <p:ph type="ftr" sz="quarter" idx="11"/>
+          </p:nvPr>
+        </p:nvSpPr>
+        <p:spPr/>
+        <p:txBody>
+          <a:bodyPr/>
+          <a:lstStyle/>
+          <a:p>
+            <a:endParaRPr lang="en-US"/>
+          </a:p>
+        </p:txBody>
+      </p:sp>
+      <p:sp>
+        <p:nvSpPr>
+          <p:cNvPr id="6" name="Slide Number Placeholder 5"/>
+          <p:cNvSpPr>
+            <a:spLocks noGrp="1"/>
+          </p:cNvSpPr>
+          <p:nvPr>
+            <p:ph type="sldNum" sz="quarter" idx="12"/>
+          </p:nvPr>
+        </p:nvSpPr>
+        <p:spPr/>
+        <p:txBody>
+          <a:bodyPr/>
+          <a:lstStyle/>
+          <a:p>
+            <a:fld id="{254B7792-BDE8-4C80-BA2C-C05D22893D50}" type="slidenum">
+              <a:rPr lang="en-US" smtClean="0"/>
+              <a:t>‹#›</a:t>
+            </a:fld>
+            <a:endParaRPr lang="en-US"/>
+          </a:p>
+        </p:txBody>
+      </p:sp>
+    </p:spTree>
+    <p:extLst>
+      <p:ext uri="{BB962C8B-B14F-4D97-AF65-F5344CB8AC3E}">
+        <p14:creationId xmlns:p14="http://schemas.microsoft.com/office/powerpoint/2010/main" val="2968455031"/>
+      </p:ext>
+    </p:extLst>
+  </p:cSld>
+  <p:clrMapOvr>
+    <a:masterClrMapping/>
+  </p:clrMapOvr>
+</p:sldLayout>
+</file>
+
+<file path=ppt/slideLayouts/slideLayout16.xml><?xml version="1.0" encoding="utf-8"?>
 <p:sldLayout xmlns:a="http://schemas.openxmlformats.org/drawingml/2006/main" xmlns:r="http://schemas.openxmlformats.org/officeDocument/2006/relationships" xmlns:p="http://schemas.openxmlformats.org/presentationml/2006/main" type="vertTx" preserve="1">
   <p:cSld name="Title and Vertical Text">
     <p:spTree>
@@ -348,7 +2973,7 @@
               <a:rPr lang="en-US" smtClean="0"/>
               <a:t>Click to edit Master title style</a:t>
             </a:r>
-            <a:endParaRPr lang="en-US"/>
+            <a:endParaRPr lang="en-US" dirty="0"/>
           </a:p>
         </p:txBody>
       </p:sp>
@@ -364,7 +2989,7 @@
         </p:nvSpPr>
         <p:spPr/>
         <p:txBody>
-          <a:bodyPr vert="eaVert"/>
+          <a:bodyPr vert="eaVert" anchor="t" anchorCtr="0"/>
           <a:lstStyle/>
           <a:p>
             <a:pPr lvl="0"/>
@@ -400,7 +3025,7 @@
               <a:rPr lang="en-US" smtClean="0"/>
               <a:t>Fifth level</a:t>
             </a:r>
-            <a:endParaRPr lang="en-US"/>
+            <a:endParaRPr lang="en-US" dirty="0"/>
           </a:p>
         </p:txBody>
       </p:sp>
@@ -421,7 +3046,7 @@
           <a:p>
             <a:fld id="{ABE413FD-3F14-41A2-B06F-64FBBBC75C69}" type="datetimeFigureOut">
               <a:rPr lang="en-US" smtClean="0"/>
-              <a:t>4/18/2023</a:t>
+              <a:t>4/24/2023</a:t>
             </a:fld>
             <a:endParaRPr lang="en-US"/>
           </a:p>
@@ -472,7 +3097,7 @@
     </p:spTree>
     <p:extLst>
       <p:ext uri="{BB962C8B-B14F-4D97-AF65-F5344CB8AC3E}">
-        <p14:creationId xmlns:p14="http://schemas.microsoft.com/office/powerpoint/2010/main" val="3987548888"/>
+        <p14:creationId xmlns:p14="http://schemas.microsoft.com/office/powerpoint/2010/main" val="1086309354"/>
       </p:ext>
     </p:extLst>
   </p:cSld>
@@ -482,7 +3107,7 @@
 </p:sldLayout>
 </file>
 
-<file path=ppt/slideLayouts/slideLayout11.xml><?xml version="1.0" encoding="utf-8"?>
+<file path=ppt/slideLayouts/slideLayout17.xml><?xml version="1.0" encoding="utf-8"?>
 <p:sldLayout xmlns:a="http://schemas.openxmlformats.org/drawingml/2006/main" xmlns:r="http://schemas.openxmlformats.org/officeDocument/2006/relationships" xmlns:p="http://schemas.openxmlformats.org/presentationml/2006/main" type="vertTitleAndTx" preserve="1">
   <p:cSld name="Vertical Title and Text">
     <p:spTree>
@@ -511,42 +3136,42 @@
         </p:nvSpPr>
         <p:spPr>
           <a:xfrm>
-            <a:off x="8724900" y="365125"/>
-            <a:ext cx="2628900" cy="5811838"/>
+            <a:off x="8304212" y="430213"/>
+            <a:ext cx="1752601" cy="5826125"/>
           </a:xfrm>
         </p:spPr>
         <p:txBody>
+          <a:bodyPr vert="eaVert" anchor="b" anchorCtr="0"/>
+          <a:lstStyle/>
+          <a:p>
+            <a:r>
+              <a:rPr lang="en-US" smtClean="0"/>
+              <a:t>Click to edit Master title style</a:t>
+            </a:r>
+            <a:endParaRPr lang="en-US" dirty="0"/>
+          </a:p>
+        </p:txBody>
+      </p:sp>
+      <p:sp>
+        <p:nvSpPr>
+          <p:cNvPr id="3" name="Vertical Text Placeholder 2"/>
+          <p:cNvSpPr>
+            <a:spLocks noGrp="1"/>
+          </p:cNvSpPr>
+          <p:nvPr>
+            <p:ph type="body" orient="vert" idx="1"/>
+          </p:nvPr>
+        </p:nvSpPr>
+        <p:spPr>
+          <a:xfrm>
+            <a:off x="652463" y="887414"/>
+            <a:ext cx="7423149" cy="5368924"/>
+          </a:xfrm>
+        </p:spPr>
+        <p:txBody>
           <a:bodyPr vert="eaVert"/>
           <a:lstStyle/>
           <a:p>
-            <a:r>
-              <a:rPr lang="en-US" smtClean="0"/>
-              <a:t>Click to edit Master title style</a:t>
-            </a:r>
-            <a:endParaRPr lang="en-US"/>
-          </a:p>
-        </p:txBody>
-      </p:sp>
-      <p:sp>
-        <p:nvSpPr>
-          <p:cNvPr id="3" name="Vertical Text Placeholder 2"/>
-          <p:cNvSpPr>
-            <a:spLocks noGrp="1"/>
-          </p:cNvSpPr>
-          <p:nvPr>
-            <p:ph type="body" orient="vert" idx="1"/>
-          </p:nvPr>
-        </p:nvSpPr>
-        <p:spPr>
-          <a:xfrm>
-            <a:off x="838200" y="365125"/>
-            <a:ext cx="7734300" cy="5811838"/>
-          </a:xfrm>
-        </p:spPr>
-        <p:txBody>
-          <a:bodyPr vert="eaVert"/>
-          <a:lstStyle/>
-          <a:p>
             <a:pPr lvl="0"/>
             <a:r>
               <a:rPr lang="en-US" smtClean="0"/>
@@ -580,7 +3205,7 @@
               <a:rPr lang="en-US" smtClean="0"/>
               <a:t>Fifth level</a:t>
             </a:r>
-            <a:endParaRPr lang="en-US"/>
+            <a:endParaRPr lang="en-US" dirty="0"/>
           </a:p>
         </p:txBody>
       </p:sp>
@@ -601,7 +3226,7 @@
           <a:p>
             <a:fld id="{ABE413FD-3F14-41A2-B06F-64FBBBC75C69}" type="datetimeFigureOut">
               <a:rPr lang="en-US" smtClean="0"/>
-              <a:t>4/18/2023</a:t>
+              <a:t>4/24/2023</a:t>
             </a:fld>
             <a:endParaRPr lang="en-US"/>
           </a:p>
@@ -652,7 +3277,7 @@
     </p:spTree>
     <p:extLst>
       <p:ext uri="{BB962C8B-B14F-4D97-AF65-F5344CB8AC3E}">
-        <p14:creationId xmlns:p14="http://schemas.microsoft.com/office/powerpoint/2010/main" val="1929112736"/>
+        <p14:creationId xmlns:p14="http://schemas.microsoft.com/office/powerpoint/2010/main" val="1739443278"/>
       </p:ext>
     </p:extLst>
   </p:cSld>
@@ -698,7 +3323,7 @@
               <a:rPr lang="en-US" smtClean="0"/>
               <a:t>Click to edit Master title style</a:t>
             </a:r>
-            <a:endParaRPr lang="en-US"/>
+            <a:endParaRPr lang="en-US" dirty="0"/>
           </a:p>
         </p:txBody>
       </p:sp>
@@ -750,13 +3375,13 @@
               <a:rPr lang="en-US" smtClean="0"/>
               <a:t>Fifth level</a:t>
             </a:r>
-            <a:endParaRPr lang="en-US"/>
-          </a:p>
-        </p:txBody>
-      </p:sp>
-      <p:sp>
-        <p:nvSpPr>
-          <p:cNvPr id="4" name="Date Placeholder 3"/>
+            <a:endParaRPr lang="en-US" dirty="0"/>
+          </a:p>
+        </p:txBody>
+      </p:sp>
+      <p:sp>
+        <p:nvSpPr>
+          <p:cNvPr id="7" name="Date Placeholder 3"/>
           <p:cNvSpPr>
             <a:spLocks noGrp="1"/>
           </p:cNvSpPr>
@@ -771,7 +3396,7 @@
           <a:p>
             <a:fld id="{ABE413FD-3F14-41A2-B06F-64FBBBC75C69}" type="datetimeFigureOut">
               <a:rPr lang="en-US" smtClean="0"/>
-              <a:t>4/18/2023</a:t>
+              <a:t>4/24/2023</a:t>
             </a:fld>
             <a:endParaRPr lang="en-US"/>
           </a:p>
@@ -822,7 +3447,7 @@
     </p:spTree>
     <p:extLst>
       <p:ext uri="{BB962C8B-B14F-4D97-AF65-F5344CB8AC3E}">
-        <p14:creationId xmlns:p14="http://schemas.microsoft.com/office/powerpoint/2010/main" val="739665497"/>
+        <p14:creationId xmlns:p14="http://schemas.microsoft.com/office/powerpoint/2010/main" val="3573650691"/>
       </p:ext>
     </p:extLst>
   </p:cSld>
@@ -861,15 +3486,15 @@
         </p:nvSpPr>
         <p:spPr>
           <a:xfrm>
-            <a:off x="831850" y="1709738"/>
-            <a:ext cx="10515600" cy="2852737"/>
+            <a:off x="1154956" y="2861733"/>
+            <a:ext cx="8825657" cy="1915647"/>
           </a:xfrm>
         </p:spPr>
         <p:txBody>
           <a:bodyPr anchor="b"/>
           <a:lstStyle>
-            <a:lvl1pPr>
-              <a:defRPr sz="6000"/>
+            <a:lvl1pPr algn="l">
+              <a:defRPr sz="4000" b="0" cap="none"/>
             </a:lvl1pPr>
           </a:lstStyle>
           <a:p>
@@ -877,7 +3502,7 @@
               <a:rPr lang="en-US" smtClean="0"/>
               <a:t>Click to edit Master title style</a:t>
             </a:r>
-            <a:endParaRPr lang="en-US"/>
+            <a:endParaRPr lang="en-US" dirty="0"/>
           </a:p>
         </p:txBody>
       </p:sp>
@@ -893,26 +3518,27 @@
         </p:nvSpPr>
         <p:spPr>
           <a:xfrm>
-            <a:off x="831850" y="4589463"/>
-            <a:ext cx="10515600" cy="1500187"/>
+            <a:off x="1154955" y="4777381"/>
+            <a:ext cx="8825658" cy="860400"/>
           </a:xfrm>
         </p:spPr>
         <p:txBody>
-          <a:bodyPr/>
+          <a:bodyPr anchor="t"/>
           <a:lstStyle>
-            <a:lvl1pPr marL="0" indent="0">
-              <a:buNone/>
-              <a:defRPr sz="2400">
+            <a:lvl1pPr marL="0" indent="0" algn="l">
+              <a:buNone/>
+              <a:defRPr sz="2000" cap="all">
                 <a:solidFill>
-                  <a:schemeClr val="tx1">
-                    <a:tint val="75000"/>
+                  <a:schemeClr val="bg2">
+                    <a:lumMod val="40000"/>
+                    <a:lumOff val="60000"/>
                   </a:schemeClr>
                 </a:solidFill>
               </a:defRPr>
             </a:lvl1pPr>
             <a:lvl2pPr marL="457200" indent="0">
               <a:buNone/>
-              <a:defRPr sz="2000">
+              <a:defRPr sz="1800">
                 <a:solidFill>
                   <a:schemeClr val="tx1">
                     <a:tint val="75000"/>
@@ -922,7 +3548,7 @@
             </a:lvl2pPr>
             <a:lvl3pPr marL="914400" indent="0">
               <a:buNone/>
-              <a:defRPr sz="1800">
+              <a:defRPr sz="1600">
                 <a:solidFill>
                   <a:schemeClr val="tx1">
                     <a:tint val="75000"/>
@@ -932,7 +3558,7 @@
             </a:lvl3pPr>
             <a:lvl4pPr marL="1371600" indent="0">
               <a:buNone/>
-              <a:defRPr sz="1600">
+              <a:defRPr sz="1400">
                 <a:solidFill>
                   <a:schemeClr val="tx1">
                     <a:tint val="75000"/>
@@ -942,7 +3568,7 @@
             </a:lvl4pPr>
             <a:lvl5pPr marL="1828800" indent="0">
               <a:buNone/>
-              <a:defRPr sz="1600">
+              <a:defRPr sz="1400">
                 <a:solidFill>
                   <a:schemeClr val="tx1">
                     <a:tint val="75000"/>
@@ -952,7 +3578,7 @@
             </a:lvl5pPr>
             <a:lvl6pPr marL="2286000" indent="0">
               <a:buNone/>
-              <a:defRPr sz="1600">
+              <a:defRPr sz="1400">
                 <a:solidFill>
                   <a:schemeClr val="tx1">
                     <a:tint val="75000"/>
@@ -962,7 +3588,7 @@
             </a:lvl6pPr>
             <a:lvl7pPr marL="2743200" indent="0">
               <a:buNone/>
-              <a:defRPr sz="1600">
+              <a:defRPr sz="1400">
                 <a:solidFill>
                   <a:schemeClr val="tx1">
                     <a:tint val="75000"/>
@@ -972,7 +3598,7 @@
             </a:lvl7pPr>
             <a:lvl8pPr marL="3200400" indent="0">
               <a:buNone/>
-              <a:defRPr sz="1600">
+              <a:defRPr sz="1400">
                 <a:solidFill>
                   <a:schemeClr val="tx1">
                     <a:tint val="75000"/>
@@ -982,7 +3608,7 @@
             </a:lvl8pPr>
             <a:lvl9pPr marL="3657600" indent="0">
               <a:buNone/>
-              <a:defRPr sz="1600">
+              <a:defRPr sz="1400">
                 <a:solidFill>
                   <a:schemeClr val="tx1">
                     <a:tint val="75000"/>
@@ -1017,7 +3643,7 @@
           <a:p>
             <a:fld id="{ABE413FD-3F14-41A2-B06F-64FBBBC75C69}" type="datetimeFigureOut">
               <a:rPr lang="en-US" smtClean="0"/>
-              <a:t>4/18/2023</a:t>
+              <a:t>4/24/2023</a:t>
             </a:fld>
             <a:endParaRPr lang="en-US"/>
           </a:p>
@@ -1068,7 +3694,7 @@
     </p:spTree>
     <p:extLst>
       <p:ext uri="{BB962C8B-B14F-4D97-AF65-F5344CB8AC3E}">
-        <p14:creationId xmlns:p14="http://schemas.microsoft.com/office/powerpoint/2010/main" val="2915986248"/>
+        <p14:creationId xmlns:p14="http://schemas.microsoft.com/office/powerpoint/2010/main" val="794730510"/>
       </p:ext>
     </p:extLst>
   </p:cSld>
@@ -1114,7 +3740,7 @@
               <a:rPr lang="en-US" smtClean="0"/>
               <a:t>Click to edit Master title style</a:t>
             </a:r>
-            <a:endParaRPr lang="en-US"/>
+            <a:endParaRPr lang="en-US" dirty="0"/>
           </a:p>
         </p:txBody>
       </p:sp>
@@ -1130,126 +3756,186 @@
         </p:nvSpPr>
         <p:spPr>
           <a:xfrm>
-            <a:off x="838200" y="1825625"/>
-            <a:ext cx="5181600" cy="4351338"/>
+            <a:off x="1103312" y="2060575"/>
+            <a:ext cx="4396339" cy="4195763"/>
           </a:xfrm>
         </p:spPr>
         <p:txBody>
+          <a:bodyPr>
+            <a:normAutofit/>
+          </a:bodyPr>
+          <a:lstStyle>
+            <a:lvl1pPr>
+              <a:defRPr sz="1800"/>
+            </a:lvl1pPr>
+            <a:lvl2pPr>
+              <a:defRPr sz="1600"/>
+            </a:lvl2pPr>
+            <a:lvl3pPr>
+              <a:defRPr sz="1400"/>
+            </a:lvl3pPr>
+            <a:lvl4pPr>
+              <a:defRPr sz="1200"/>
+            </a:lvl4pPr>
+            <a:lvl5pPr>
+              <a:defRPr sz="1200"/>
+            </a:lvl5pPr>
+            <a:lvl6pPr>
+              <a:defRPr sz="1200"/>
+            </a:lvl6pPr>
+            <a:lvl7pPr>
+              <a:defRPr sz="1200"/>
+            </a:lvl7pPr>
+            <a:lvl8pPr>
+              <a:defRPr sz="1200"/>
+            </a:lvl8pPr>
+            <a:lvl9pPr>
+              <a:defRPr sz="1200"/>
+            </a:lvl9pPr>
+          </a:lstStyle>
+          <a:p>
+            <a:pPr lvl="0"/>
+            <a:r>
+              <a:rPr lang="en-US" smtClean="0"/>
+              <a:t>Edit Master text styles</a:t>
+            </a:r>
+          </a:p>
+          <a:p>
+            <a:pPr lvl="1"/>
+            <a:r>
+              <a:rPr lang="en-US" smtClean="0"/>
+              <a:t>Second level</a:t>
+            </a:r>
+          </a:p>
+          <a:p>
+            <a:pPr lvl="2"/>
+            <a:r>
+              <a:rPr lang="en-US" smtClean="0"/>
+              <a:t>Third level</a:t>
+            </a:r>
+          </a:p>
+          <a:p>
+            <a:pPr lvl="3"/>
+            <a:r>
+              <a:rPr lang="en-US" smtClean="0"/>
+              <a:t>Fourth level</a:t>
+            </a:r>
+          </a:p>
+          <a:p>
+            <a:pPr lvl="4"/>
+            <a:r>
+              <a:rPr lang="en-US" smtClean="0"/>
+              <a:t>Fifth level</a:t>
+            </a:r>
+            <a:endParaRPr lang="en-US" dirty="0"/>
+          </a:p>
+        </p:txBody>
+      </p:sp>
+      <p:sp>
+        <p:nvSpPr>
+          <p:cNvPr id="4" name="Content Placeholder 3"/>
+          <p:cNvSpPr>
+            <a:spLocks noGrp="1"/>
+          </p:cNvSpPr>
+          <p:nvPr>
+            <p:ph sz="half" idx="2"/>
+          </p:nvPr>
+        </p:nvSpPr>
+        <p:spPr>
+          <a:xfrm>
+            <a:off x="5654493" y="2056092"/>
+            <a:ext cx="4396341" cy="4200245"/>
+          </a:xfrm>
+        </p:spPr>
+        <p:txBody>
+          <a:bodyPr>
+            <a:normAutofit/>
+          </a:bodyPr>
+          <a:lstStyle>
+            <a:lvl1pPr>
+              <a:defRPr sz="1800"/>
+            </a:lvl1pPr>
+            <a:lvl2pPr>
+              <a:defRPr sz="1600"/>
+            </a:lvl2pPr>
+            <a:lvl3pPr>
+              <a:defRPr sz="1400"/>
+            </a:lvl3pPr>
+            <a:lvl4pPr>
+              <a:defRPr sz="1200"/>
+            </a:lvl4pPr>
+            <a:lvl5pPr>
+              <a:defRPr sz="1200"/>
+            </a:lvl5pPr>
+            <a:lvl6pPr>
+              <a:defRPr sz="1200"/>
+            </a:lvl6pPr>
+            <a:lvl7pPr>
+              <a:defRPr sz="1200"/>
+            </a:lvl7pPr>
+            <a:lvl8pPr>
+              <a:defRPr sz="1200"/>
+            </a:lvl8pPr>
+            <a:lvl9pPr>
+              <a:defRPr sz="1200"/>
+            </a:lvl9pPr>
+          </a:lstStyle>
+          <a:p>
+            <a:pPr lvl="0"/>
+            <a:r>
+              <a:rPr lang="en-US" smtClean="0"/>
+              <a:t>Edit Master text styles</a:t>
+            </a:r>
+          </a:p>
+          <a:p>
+            <a:pPr lvl="1"/>
+            <a:r>
+              <a:rPr lang="en-US" smtClean="0"/>
+              <a:t>Second level</a:t>
+            </a:r>
+          </a:p>
+          <a:p>
+            <a:pPr lvl="2"/>
+            <a:r>
+              <a:rPr lang="en-US" smtClean="0"/>
+              <a:t>Third level</a:t>
+            </a:r>
+          </a:p>
+          <a:p>
+            <a:pPr lvl="3"/>
+            <a:r>
+              <a:rPr lang="en-US" smtClean="0"/>
+              <a:t>Fourth level</a:t>
+            </a:r>
+          </a:p>
+          <a:p>
+            <a:pPr lvl="4"/>
+            <a:r>
+              <a:rPr lang="en-US" smtClean="0"/>
+              <a:t>Fifth level</a:t>
+            </a:r>
+            <a:endParaRPr lang="en-US" dirty="0"/>
+          </a:p>
+        </p:txBody>
+      </p:sp>
+      <p:sp>
+        <p:nvSpPr>
+          <p:cNvPr id="5" name="Date Placeholder 4"/>
+          <p:cNvSpPr>
+            <a:spLocks noGrp="1"/>
+          </p:cNvSpPr>
+          <p:nvPr>
+            <p:ph type="dt" sz="half" idx="10"/>
+          </p:nvPr>
+        </p:nvSpPr>
+        <p:spPr/>
+        <p:txBody>
           <a:bodyPr/>
           <a:lstStyle/>
           <a:p>
-            <a:pPr lvl="0"/>
-            <a:r>
-              <a:rPr lang="en-US" smtClean="0"/>
-              <a:t>Edit Master text styles</a:t>
-            </a:r>
-          </a:p>
-          <a:p>
-            <a:pPr lvl="1"/>
-            <a:r>
-              <a:rPr lang="en-US" smtClean="0"/>
-              <a:t>Second level</a:t>
-            </a:r>
-          </a:p>
-          <a:p>
-            <a:pPr lvl="2"/>
-            <a:r>
-              <a:rPr lang="en-US" smtClean="0"/>
-              <a:t>Third level</a:t>
-            </a:r>
-          </a:p>
-          <a:p>
-            <a:pPr lvl="3"/>
-            <a:r>
-              <a:rPr lang="en-US" smtClean="0"/>
-              <a:t>Fourth level</a:t>
-            </a:r>
-          </a:p>
-          <a:p>
-            <a:pPr lvl="4"/>
-            <a:r>
-              <a:rPr lang="en-US" smtClean="0"/>
-              <a:t>Fifth level</a:t>
-            </a:r>
-            <a:endParaRPr lang="en-US"/>
-          </a:p>
-        </p:txBody>
-      </p:sp>
-      <p:sp>
-        <p:nvSpPr>
-          <p:cNvPr id="4" name="Content Placeholder 3"/>
-          <p:cNvSpPr>
-            <a:spLocks noGrp="1"/>
-          </p:cNvSpPr>
-          <p:nvPr>
-            <p:ph sz="half" idx="2"/>
-          </p:nvPr>
-        </p:nvSpPr>
-        <p:spPr>
-          <a:xfrm>
-            <a:off x="6172200" y="1825625"/>
-            <a:ext cx="5181600" cy="4351338"/>
-          </a:xfrm>
-        </p:spPr>
-        <p:txBody>
-          <a:bodyPr/>
-          <a:lstStyle/>
-          <a:p>
-            <a:pPr lvl="0"/>
-            <a:r>
-              <a:rPr lang="en-US" smtClean="0"/>
-              <a:t>Edit Master text styles</a:t>
-            </a:r>
-          </a:p>
-          <a:p>
-            <a:pPr lvl="1"/>
-            <a:r>
-              <a:rPr lang="en-US" smtClean="0"/>
-              <a:t>Second level</a:t>
-            </a:r>
-          </a:p>
-          <a:p>
-            <a:pPr lvl="2"/>
-            <a:r>
-              <a:rPr lang="en-US" smtClean="0"/>
-              <a:t>Third level</a:t>
-            </a:r>
-          </a:p>
-          <a:p>
-            <a:pPr lvl="3"/>
-            <a:r>
-              <a:rPr lang="en-US" smtClean="0"/>
-              <a:t>Fourth level</a:t>
-            </a:r>
-          </a:p>
-          <a:p>
-            <a:pPr lvl="4"/>
-            <a:r>
-              <a:rPr lang="en-US" smtClean="0"/>
-              <a:t>Fifth level</a:t>
-            </a:r>
-            <a:endParaRPr lang="en-US"/>
-          </a:p>
-        </p:txBody>
-      </p:sp>
-      <p:sp>
-        <p:nvSpPr>
-          <p:cNvPr id="5" name="Date Placeholder 4"/>
-          <p:cNvSpPr>
-            <a:spLocks noGrp="1"/>
-          </p:cNvSpPr>
-          <p:nvPr>
-            <p:ph type="dt" sz="half" idx="10"/>
-          </p:nvPr>
-        </p:nvSpPr>
-        <p:spPr/>
-        <p:txBody>
-          <a:bodyPr/>
-          <a:lstStyle/>
-          <a:p>
             <a:fld id="{ABE413FD-3F14-41A2-B06F-64FBBBC75C69}" type="datetimeFigureOut">
               <a:rPr lang="en-US" smtClean="0"/>
-              <a:t>4/18/2023</a:t>
+              <a:t>4/24/2023</a:t>
             </a:fld>
             <a:endParaRPr lang="en-US"/>
           </a:p>
@@ -1300,7 +3986,7 @@
     </p:spTree>
     <p:extLst>
       <p:ext uri="{BB962C8B-B14F-4D97-AF65-F5344CB8AC3E}">
-        <p14:creationId xmlns:p14="http://schemas.microsoft.com/office/powerpoint/2010/main" val="3118637224"/>
+        <p14:creationId xmlns:p14="http://schemas.microsoft.com/office/powerpoint/2010/main" val="2412118225"/>
       </p:ext>
     </p:extLst>
   </p:cSld>
@@ -1337,46 +4023,54 @@
             <p:ph type="title"/>
           </p:nvPr>
         </p:nvSpPr>
+        <p:spPr/>
+        <p:txBody>
+          <a:bodyPr/>
+          <a:lstStyle>
+            <a:lvl1pPr>
+              <a:defRPr/>
+            </a:lvl1pPr>
+          </a:lstStyle>
+          <a:p>
+            <a:r>
+              <a:rPr lang="en-US" smtClean="0"/>
+              <a:t>Click to edit Master title style</a:t>
+            </a:r>
+            <a:endParaRPr lang="en-US" dirty="0"/>
+          </a:p>
+        </p:txBody>
+      </p:sp>
+      <p:sp>
+        <p:nvSpPr>
+          <p:cNvPr id="3" name="Text Placeholder 2"/>
+          <p:cNvSpPr>
+            <a:spLocks noGrp="1"/>
+          </p:cNvSpPr>
+          <p:nvPr>
+            <p:ph type="body" idx="1"/>
+          </p:nvPr>
+        </p:nvSpPr>
         <p:spPr>
           <a:xfrm>
-            <a:off x="839788" y="365125"/>
-            <a:ext cx="10515600" cy="1325563"/>
+            <a:off x="1103313" y="1905000"/>
+            <a:ext cx="4396338" cy="576262"/>
           </a:xfrm>
         </p:spPr>
         <p:txBody>
-          <a:bodyPr/>
-          <a:lstStyle/>
-          <a:p>
-            <a:r>
-              <a:rPr lang="en-US" smtClean="0"/>
-              <a:t>Click to edit Master title style</a:t>
-            </a:r>
-            <a:endParaRPr lang="en-US"/>
-          </a:p>
-        </p:txBody>
-      </p:sp>
-      <p:sp>
-        <p:nvSpPr>
-          <p:cNvPr id="3" name="Text Placeholder 2"/>
-          <p:cNvSpPr>
-            <a:spLocks noGrp="1"/>
-          </p:cNvSpPr>
-          <p:nvPr>
-            <p:ph type="body" idx="1"/>
-          </p:nvPr>
-        </p:nvSpPr>
-        <p:spPr>
-          <a:xfrm>
-            <a:off x="839788" y="1681163"/>
-            <a:ext cx="5157787" cy="823912"/>
-          </a:xfrm>
-        </p:spPr>
-        <p:txBody>
-          <a:bodyPr anchor="b"/>
+          <a:bodyPr anchor="b">
+            <a:noAutofit/>
+          </a:bodyPr>
           <a:lstStyle>
             <a:lvl1pPr marL="0" indent="0">
               <a:buNone/>
-              <a:defRPr sz="2400" b="1"/>
+              <a:defRPr sz="2400" b="0">
+                <a:solidFill>
+                  <a:schemeClr val="bg2">
+                    <a:lumMod val="40000"/>
+                    <a:lumOff val="60000"/>
+                  </a:schemeClr>
+                </a:solidFill>
+              </a:defRPr>
             </a:lvl1pPr>
             <a:lvl2pPr marL="457200" indent="0">
               <a:buNone/>
@@ -1432,13 +4126,43 @@
         </p:nvSpPr>
         <p:spPr>
           <a:xfrm>
-            <a:off x="839788" y="2505075"/>
-            <a:ext cx="5157787" cy="3684588"/>
+            <a:off x="1103312" y="2514600"/>
+            <a:ext cx="4396339" cy="3741738"/>
           </a:xfrm>
         </p:spPr>
         <p:txBody>
-          <a:bodyPr/>
-          <a:lstStyle/>
+          <a:bodyPr>
+            <a:normAutofit/>
+          </a:bodyPr>
+          <a:lstStyle>
+            <a:lvl1pPr>
+              <a:defRPr sz="1800"/>
+            </a:lvl1pPr>
+            <a:lvl2pPr>
+              <a:defRPr sz="1600"/>
+            </a:lvl2pPr>
+            <a:lvl3pPr>
+              <a:defRPr sz="1400"/>
+            </a:lvl3pPr>
+            <a:lvl4pPr>
+              <a:defRPr sz="1200"/>
+            </a:lvl4pPr>
+            <a:lvl5pPr>
+              <a:defRPr sz="1200"/>
+            </a:lvl5pPr>
+            <a:lvl6pPr>
+              <a:defRPr sz="1200"/>
+            </a:lvl6pPr>
+            <a:lvl7pPr>
+              <a:defRPr sz="1200"/>
+            </a:lvl7pPr>
+            <a:lvl8pPr>
+              <a:defRPr sz="1200"/>
+            </a:lvl8pPr>
+            <a:lvl9pPr>
+              <a:defRPr sz="1200"/>
+            </a:lvl9pPr>
+          </a:lstStyle>
           <a:p>
             <a:pPr lvl="0"/>
             <a:r>
@@ -1473,7 +4197,7 @@
               <a:rPr lang="en-US" smtClean="0"/>
               <a:t>Fifth level</a:t>
             </a:r>
-            <a:endParaRPr lang="en-US"/>
+            <a:endParaRPr lang="en-US" dirty="0"/>
           </a:p>
         </p:txBody>
       </p:sp>
@@ -1489,16 +4213,25 @@
         </p:nvSpPr>
         <p:spPr>
           <a:xfrm>
-            <a:off x="6172200" y="1681163"/>
-            <a:ext cx="5183188" cy="823912"/>
+            <a:off x="5654495" y="1905000"/>
+            <a:ext cx="4396339" cy="576262"/>
           </a:xfrm>
         </p:spPr>
         <p:txBody>
-          <a:bodyPr anchor="b"/>
+          <a:bodyPr anchor="b">
+            <a:noAutofit/>
+          </a:bodyPr>
           <a:lstStyle>
             <a:lvl1pPr marL="0" indent="0">
               <a:buNone/>
-              <a:defRPr sz="2400" b="1"/>
+              <a:defRPr sz="2400" b="0">
+                <a:solidFill>
+                  <a:schemeClr val="bg2">
+                    <a:lumMod val="40000"/>
+                    <a:lumOff val="60000"/>
+                  </a:schemeClr>
+                </a:solidFill>
+              </a:defRPr>
             </a:lvl1pPr>
             <a:lvl2pPr marL="457200" indent="0">
               <a:buNone/>
@@ -1554,69 +4287,99 @@
         </p:nvSpPr>
         <p:spPr>
           <a:xfrm>
-            <a:off x="6172200" y="2505075"/>
-            <a:ext cx="5183188" cy="3684588"/>
+            <a:off x="5654495" y="2514600"/>
+            <a:ext cx="4396339" cy="3741738"/>
           </a:xfrm>
         </p:spPr>
         <p:txBody>
+          <a:bodyPr>
+            <a:normAutofit/>
+          </a:bodyPr>
+          <a:lstStyle>
+            <a:lvl1pPr>
+              <a:defRPr sz="1800"/>
+            </a:lvl1pPr>
+            <a:lvl2pPr>
+              <a:defRPr sz="1600"/>
+            </a:lvl2pPr>
+            <a:lvl3pPr>
+              <a:defRPr sz="1400"/>
+            </a:lvl3pPr>
+            <a:lvl4pPr>
+              <a:defRPr sz="1200"/>
+            </a:lvl4pPr>
+            <a:lvl5pPr>
+              <a:defRPr sz="1200"/>
+            </a:lvl5pPr>
+            <a:lvl6pPr>
+              <a:defRPr sz="1200"/>
+            </a:lvl6pPr>
+            <a:lvl7pPr>
+              <a:defRPr sz="1200"/>
+            </a:lvl7pPr>
+            <a:lvl8pPr>
+              <a:defRPr sz="1200"/>
+            </a:lvl8pPr>
+            <a:lvl9pPr>
+              <a:defRPr sz="1200"/>
+            </a:lvl9pPr>
+          </a:lstStyle>
+          <a:p>
+            <a:pPr lvl="0"/>
+            <a:r>
+              <a:rPr lang="en-US" smtClean="0"/>
+              <a:t>Edit Master text styles</a:t>
+            </a:r>
+          </a:p>
+          <a:p>
+            <a:pPr lvl="1"/>
+            <a:r>
+              <a:rPr lang="en-US" smtClean="0"/>
+              <a:t>Second level</a:t>
+            </a:r>
+          </a:p>
+          <a:p>
+            <a:pPr lvl="2"/>
+            <a:r>
+              <a:rPr lang="en-US" smtClean="0"/>
+              <a:t>Third level</a:t>
+            </a:r>
+          </a:p>
+          <a:p>
+            <a:pPr lvl="3"/>
+            <a:r>
+              <a:rPr lang="en-US" smtClean="0"/>
+              <a:t>Fourth level</a:t>
+            </a:r>
+          </a:p>
+          <a:p>
+            <a:pPr lvl="4"/>
+            <a:r>
+              <a:rPr lang="en-US" smtClean="0"/>
+              <a:t>Fifth level</a:t>
+            </a:r>
+            <a:endParaRPr lang="en-US" dirty="0"/>
+          </a:p>
+        </p:txBody>
+      </p:sp>
+      <p:sp>
+        <p:nvSpPr>
+          <p:cNvPr id="7" name="Date Placeholder 6"/>
+          <p:cNvSpPr>
+            <a:spLocks noGrp="1"/>
+          </p:cNvSpPr>
+          <p:nvPr>
+            <p:ph type="dt" sz="half" idx="10"/>
+          </p:nvPr>
+        </p:nvSpPr>
+        <p:spPr/>
+        <p:txBody>
           <a:bodyPr/>
           <a:lstStyle/>
           <a:p>
-            <a:pPr lvl="0"/>
-            <a:r>
-              <a:rPr lang="en-US" smtClean="0"/>
-              <a:t>Edit Master text styles</a:t>
-            </a:r>
-          </a:p>
-          <a:p>
-            <a:pPr lvl="1"/>
-            <a:r>
-              <a:rPr lang="en-US" smtClean="0"/>
-              <a:t>Second level</a:t>
-            </a:r>
-          </a:p>
-          <a:p>
-            <a:pPr lvl="2"/>
-            <a:r>
-              <a:rPr lang="en-US" smtClean="0"/>
-              <a:t>Third level</a:t>
-            </a:r>
-          </a:p>
-          <a:p>
-            <a:pPr lvl="3"/>
-            <a:r>
-              <a:rPr lang="en-US" smtClean="0"/>
-              <a:t>Fourth level</a:t>
-            </a:r>
-          </a:p>
-          <a:p>
-            <a:pPr lvl="4"/>
-            <a:r>
-              <a:rPr lang="en-US" smtClean="0"/>
-              <a:t>Fifth level</a:t>
-            </a:r>
-            <a:endParaRPr lang="en-US"/>
-          </a:p>
-        </p:txBody>
-      </p:sp>
-      <p:sp>
-        <p:nvSpPr>
-          <p:cNvPr id="7" name="Date Placeholder 6"/>
-          <p:cNvSpPr>
-            <a:spLocks noGrp="1"/>
-          </p:cNvSpPr>
-          <p:nvPr>
-            <p:ph type="dt" sz="half" idx="10"/>
-          </p:nvPr>
-        </p:nvSpPr>
-        <p:spPr/>
-        <p:txBody>
-          <a:bodyPr/>
-          <a:lstStyle/>
-          <a:p>
             <a:fld id="{ABE413FD-3F14-41A2-B06F-64FBBBC75C69}" type="datetimeFigureOut">
               <a:rPr lang="en-US" smtClean="0"/>
-              <a:t>4/18/2023</a:t>
+              <a:t>4/24/2023</a:t>
             </a:fld>
             <a:endParaRPr lang="en-US"/>
           </a:p>
@@ -1667,7 +4430,7 @@
     </p:spTree>
     <p:extLst>
       <p:ext uri="{BB962C8B-B14F-4D97-AF65-F5344CB8AC3E}">
-        <p14:creationId xmlns:p14="http://schemas.microsoft.com/office/powerpoint/2010/main" val="649970408"/>
+        <p14:creationId xmlns:p14="http://schemas.microsoft.com/office/powerpoint/2010/main" val="3261858383"/>
       </p:ext>
     </p:extLst>
   </p:cSld>
@@ -1713,13 +4476,13 @@
               <a:rPr lang="en-US" smtClean="0"/>
               <a:t>Click to edit Master title style</a:t>
             </a:r>
-            <a:endParaRPr lang="en-US"/>
-          </a:p>
-        </p:txBody>
-      </p:sp>
-      <p:sp>
-        <p:nvSpPr>
-          <p:cNvPr id="3" name="Date Placeholder 2"/>
+            <a:endParaRPr lang="en-US" dirty="0"/>
+          </a:p>
+        </p:txBody>
+      </p:sp>
+      <p:sp>
+        <p:nvSpPr>
+          <p:cNvPr id="7" name="Date Placeholder 2"/>
           <p:cNvSpPr>
             <a:spLocks noGrp="1"/>
           </p:cNvSpPr>
@@ -1734,7 +4497,7 @@
           <a:p>
             <a:fld id="{ABE413FD-3F14-41A2-B06F-64FBBBC75C69}" type="datetimeFigureOut">
               <a:rPr lang="en-US" smtClean="0"/>
-              <a:t>4/18/2023</a:t>
+              <a:t>4/24/2023</a:t>
             </a:fld>
             <a:endParaRPr lang="en-US"/>
           </a:p>
@@ -1742,7 +4505,7 @@
       </p:sp>
       <p:sp>
         <p:nvSpPr>
-          <p:cNvPr id="4" name="Footer Placeholder 3"/>
+          <p:cNvPr id="5" name="Footer Placeholder 3"/>
           <p:cNvSpPr>
             <a:spLocks noGrp="1"/>
           </p:cNvSpPr>
@@ -1761,7 +4524,7 @@
       </p:sp>
       <p:sp>
         <p:nvSpPr>
-          <p:cNvPr id="5" name="Slide Number Placeholder 4"/>
+          <p:cNvPr id="6" name="Slide Number Placeholder 4"/>
           <p:cNvSpPr>
             <a:spLocks noGrp="1"/>
           </p:cNvSpPr>
@@ -1785,7 +4548,7 @@
     </p:spTree>
     <p:extLst>
       <p:ext uri="{BB962C8B-B14F-4D97-AF65-F5344CB8AC3E}">
-        <p14:creationId xmlns:p14="http://schemas.microsoft.com/office/powerpoint/2010/main" val="492630486"/>
+        <p14:creationId xmlns:p14="http://schemas.microsoft.com/office/powerpoint/2010/main" val="3003482616"/>
       </p:ext>
     </p:extLst>
   </p:cSld>
@@ -1814,7 +4577,7 @@
       </p:grpSpPr>
       <p:sp>
         <p:nvSpPr>
-          <p:cNvPr id="2" name="Date Placeholder 1"/>
+          <p:cNvPr id="7" name="Date Placeholder 1"/>
           <p:cNvSpPr>
             <a:spLocks noGrp="1"/>
           </p:cNvSpPr>
@@ -1829,7 +4592,7 @@
           <a:p>
             <a:fld id="{ABE413FD-3F14-41A2-B06F-64FBBBC75C69}" type="datetimeFigureOut">
               <a:rPr lang="en-US" smtClean="0"/>
-              <a:t>4/18/2023</a:t>
+              <a:t>4/24/2023</a:t>
             </a:fld>
             <a:endParaRPr lang="en-US"/>
           </a:p>
@@ -1837,7 +4600,7 @@
       </p:sp>
       <p:sp>
         <p:nvSpPr>
-          <p:cNvPr id="3" name="Footer Placeholder 2"/>
+          <p:cNvPr id="5" name="Footer Placeholder 2"/>
           <p:cNvSpPr>
             <a:spLocks noGrp="1"/>
           </p:cNvSpPr>
@@ -1856,7 +4619,7 @@
       </p:sp>
       <p:sp>
         <p:nvSpPr>
-          <p:cNvPr id="4" name="Slide Number Placeholder 3"/>
+          <p:cNvPr id="6" name="Slide Number Placeholder 3"/>
           <p:cNvSpPr>
             <a:spLocks noGrp="1"/>
           </p:cNvSpPr>
@@ -1880,7 +4643,7 @@
     </p:spTree>
     <p:extLst>
       <p:ext uri="{BB962C8B-B14F-4D97-AF65-F5344CB8AC3E}">
-        <p14:creationId xmlns:p14="http://schemas.microsoft.com/office/powerpoint/2010/main" val="408461479"/>
+        <p14:creationId xmlns:p14="http://schemas.microsoft.com/office/powerpoint/2010/main" val="3385012777"/>
       </p:ext>
     </p:extLst>
   </p:cSld>
@@ -1919,15 +4682,15 @@
         </p:nvSpPr>
         <p:spPr>
           <a:xfrm>
-            <a:off x="839788" y="457200"/>
-            <a:ext cx="3932237" cy="1600200"/>
+            <a:off x="1154953" y="1447800"/>
+            <a:ext cx="3401064" cy="1447800"/>
           </a:xfrm>
         </p:spPr>
         <p:txBody>
           <a:bodyPr anchor="b"/>
           <a:lstStyle>
-            <a:lvl1pPr>
-              <a:defRPr sz="3200"/>
+            <a:lvl1pPr algn="l">
+              <a:defRPr sz="2400" b="0"/>
             </a:lvl1pPr>
           </a:lstStyle>
           <a:p>
@@ -1935,7 +4698,7 @@
               <a:rPr lang="en-US" smtClean="0"/>
               <a:t>Click to edit Master title style</a:t>
             </a:r>
-            <a:endParaRPr lang="en-US"/>
+            <a:endParaRPr lang="en-US" dirty="0"/>
           </a:p>
         </p:txBody>
       </p:sp>
@@ -1951,39 +4714,41 @@
         </p:nvSpPr>
         <p:spPr>
           <a:xfrm>
-            <a:off x="5183188" y="987425"/>
-            <a:ext cx="6172200" cy="4873625"/>
+            <a:off x="4784616" y="1447800"/>
+            <a:ext cx="5195997" cy="4572000"/>
           </a:xfrm>
         </p:spPr>
         <p:txBody>
-          <a:bodyPr/>
+          <a:bodyPr anchor="ctr">
+            <a:normAutofit/>
+          </a:bodyPr>
           <a:lstStyle>
             <a:lvl1pPr>
-              <a:defRPr sz="3200"/>
+              <a:defRPr sz="2000"/>
             </a:lvl1pPr>
             <a:lvl2pPr>
-              <a:defRPr sz="2800"/>
+              <a:defRPr sz="1800"/>
             </a:lvl2pPr>
             <a:lvl3pPr>
-              <a:defRPr sz="2400"/>
+              <a:defRPr sz="1600"/>
             </a:lvl3pPr>
             <a:lvl4pPr>
-              <a:defRPr sz="2000"/>
+              <a:defRPr sz="1400"/>
             </a:lvl4pPr>
             <a:lvl5pPr>
-              <a:defRPr sz="2000"/>
+              <a:defRPr sz="1400"/>
             </a:lvl5pPr>
             <a:lvl6pPr>
-              <a:defRPr sz="2000"/>
+              <a:defRPr sz="1400"/>
             </a:lvl6pPr>
             <a:lvl7pPr>
-              <a:defRPr sz="2000"/>
+              <a:defRPr sz="1400"/>
             </a:lvl7pPr>
             <a:lvl8pPr>
-              <a:defRPr sz="2000"/>
+              <a:defRPr sz="1400"/>
             </a:lvl8pPr>
             <a:lvl9pPr>
-              <a:defRPr sz="2000"/>
+              <a:defRPr sz="1400"/>
             </a:lvl9pPr>
           </a:lstStyle>
           <a:p>
@@ -2020,7 +4785,7 @@
               <a:rPr lang="en-US" smtClean="0"/>
               <a:t>Fifth level</a:t>
             </a:r>
-            <a:endParaRPr lang="en-US"/>
+            <a:endParaRPr lang="en-US" dirty="0"/>
           </a:p>
         </p:txBody>
       </p:sp>
@@ -2036,8 +4801,8 @@
         </p:nvSpPr>
         <p:spPr>
           <a:xfrm>
-            <a:off x="839788" y="2057400"/>
-            <a:ext cx="3932237" cy="3811588"/>
+            <a:off x="1154953" y="3129280"/>
+            <a:ext cx="3401063" cy="2895599"/>
           </a:xfrm>
         </p:spPr>
         <p:txBody>
@@ -2045,39 +4810,39 @@
           <a:lstStyle>
             <a:lvl1pPr marL="0" indent="0">
               <a:buNone/>
-              <a:defRPr sz="1600"/>
+              <a:defRPr sz="1400"/>
             </a:lvl1pPr>
             <a:lvl2pPr marL="457200" indent="0">
               <a:buNone/>
-              <a:defRPr sz="1400"/>
+              <a:defRPr sz="1200"/>
             </a:lvl2pPr>
             <a:lvl3pPr marL="914400" indent="0">
               <a:buNone/>
-              <a:defRPr sz="1200"/>
+              <a:defRPr sz="1000"/>
             </a:lvl3pPr>
             <a:lvl4pPr marL="1371600" indent="0">
               <a:buNone/>
-              <a:defRPr sz="1000"/>
+              <a:defRPr sz="900"/>
             </a:lvl4pPr>
             <a:lvl5pPr marL="1828800" indent="0">
               <a:buNone/>
-              <a:defRPr sz="1000"/>
+              <a:defRPr sz="900"/>
             </a:lvl5pPr>
             <a:lvl6pPr marL="2286000" indent="0">
               <a:buNone/>
-              <a:defRPr sz="1000"/>
+              <a:defRPr sz="900"/>
             </a:lvl6pPr>
             <a:lvl7pPr marL="2743200" indent="0">
               <a:buNone/>
-              <a:defRPr sz="1000"/>
+              <a:defRPr sz="900"/>
             </a:lvl7pPr>
             <a:lvl8pPr marL="3200400" indent="0">
               <a:buNone/>
-              <a:defRPr sz="1000"/>
+              <a:defRPr sz="900"/>
             </a:lvl8pPr>
             <a:lvl9pPr marL="3657600" indent="0">
               <a:buNone/>
-              <a:defRPr sz="1000"/>
+              <a:defRPr sz="900"/>
             </a:lvl9pPr>
           </a:lstStyle>
           <a:p>
@@ -2091,7 +4856,7 @@
       </p:sp>
       <p:sp>
         <p:nvSpPr>
-          <p:cNvPr id="5" name="Date Placeholder 4"/>
+          <p:cNvPr id="7" name="Date Placeholder 4"/>
           <p:cNvSpPr>
             <a:spLocks noGrp="1"/>
           </p:cNvSpPr>
@@ -2106,7 +4871,7 @@
           <a:p>
             <a:fld id="{ABE413FD-3F14-41A2-B06F-64FBBBC75C69}" type="datetimeFigureOut">
               <a:rPr lang="en-US" smtClean="0"/>
-              <a:t>4/18/2023</a:t>
+              <a:t>4/24/2023</a:t>
             </a:fld>
             <a:endParaRPr lang="en-US"/>
           </a:p>
@@ -2114,7 +4879,7 @@
       </p:sp>
       <p:sp>
         <p:nvSpPr>
-          <p:cNvPr id="6" name="Footer Placeholder 5"/>
+          <p:cNvPr id="5" name="Footer Placeholder 5"/>
           <p:cNvSpPr>
             <a:spLocks noGrp="1"/>
           </p:cNvSpPr>
@@ -2133,7 +4898,7 @@
       </p:sp>
       <p:sp>
         <p:nvSpPr>
-          <p:cNvPr id="7" name="Slide Number Placeholder 6"/>
+          <p:cNvPr id="6" name="Slide Number Placeholder 6"/>
           <p:cNvSpPr>
             <a:spLocks noGrp="1"/>
           </p:cNvSpPr>
@@ -2157,7 +4922,7 @@
     </p:spTree>
     <p:extLst>
       <p:ext uri="{BB962C8B-B14F-4D97-AF65-F5344CB8AC3E}">
-        <p14:creationId xmlns:p14="http://schemas.microsoft.com/office/powerpoint/2010/main" val="1076154816"/>
+        <p14:creationId xmlns:p14="http://schemas.microsoft.com/office/powerpoint/2010/main" val="407685762"/>
       </p:ext>
     </p:extLst>
   </p:cSld>
@@ -2196,15 +4961,17 @@
         </p:nvSpPr>
         <p:spPr>
           <a:xfrm>
-            <a:off x="839788" y="457200"/>
-            <a:ext cx="3932237" cy="1600200"/>
+            <a:off x="1153907" y="1854192"/>
+            <a:ext cx="5092906" cy="1574808"/>
           </a:xfrm>
         </p:spPr>
         <p:txBody>
-          <a:bodyPr anchor="b"/>
+          <a:bodyPr anchor="b">
+            <a:normAutofit/>
+          </a:bodyPr>
           <a:lstStyle>
-            <a:lvl1pPr>
-              <a:defRPr sz="3200"/>
+            <a:lvl1pPr algn="l">
+              <a:defRPr sz="3600" b="0"/>
             </a:lvl1pPr>
           </a:lstStyle>
           <a:p>
@@ -2212,7 +4979,7 @@
               <a:rPr lang="en-US" smtClean="0"/>
               <a:t>Click to edit Master title style</a:t>
             </a:r>
-            <a:endParaRPr lang="en-US"/>
+            <a:endParaRPr lang="en-US" dirty="0"/>
           </a:p>
         </p:txBody>
       </p:sp>
@@ -2220,7 +4987,7 @@
         <p:nvSpPr>
           <p:cNvPr id="3" name="Picture Placeholder 2"/>
           <p:cNvSpPr>
-            <a:spLocks noGrp="1"/>
+            <a:spLocks noGrp="1" noChangeAspect="1"/>
           </p:cNvSpPr>
           <p:nvPr>
             <p:ph type="pic" idx="1"/>
@@ -2228,112 +4995,132 @@
         </p:nvSpPr>
         <p:spPr>
           <a:xfrm>
-            <a:off x="5183188" y="987425"/>
-            <a:ext cx="6172200" cy="4873625"/>
+            <a:off x="6949546" y="1143000"/>
+            <a:ext cx="3200400" cy="4572000"/>
           </a:xfrm>
+          <a:prstGeom prst="roundRect">
+            <a:avLst>
+              <a:gd name="adj" fmla="val 1858"/>
+            </a:avLst>
+          </a:prstGeom>
+          <a:effectLst>
+            <a:outerShdw blurRad="50800" dist="50800" dir="5400000" algn="tl" rotWithShape="0">
+              <a:srgbClr val="000000">
+                <a:alpha val="43000"/>
+              </a:srgbClr>
+            </a:outerShdw>
+          </a:effectLst>
         </p:spPr>
         <p:txBody>
-          <a:bodyPr/>
+          <a:bodyPr anchor="t">
+            <a:normAutofit/>
+          </a:bodyPr>
           <a:lstStyle>
-            <a:lvl1pPr marL="0" indent="0">
-              <a:buNone/>
-              <a:defRPr sz="3200"/>
-            </a:lvl1pPr>
-            <a:lvl2pPr marL="457200" indent="0">
-              <a:buNone/>
-              <a:defRPr sz="2800"/>
-            </a:lvl2pPr>
-            <a:lvl3pPr marL="914400" indent="0">
-              <a:buNone/>
-              <a:defRPr sz="2400"/>
-            </a:lvl3pPr>
-            <a:lvl4pPr marL="1371600" indent="0">
-              <a:buNone/>
-              <a:defRPr sz="2000"/>
-            </a:lvl4pPr>
-            <a:lvl5pPr marL="1828800" indent="0">
-              <a:buNone/>
-              <a:defRPr sz="2000"/>
-            </a:lvl5pPr>
-            <a:lvl6pPr marL="2286000" indent="0">
-              <a:buNone/>
-              <a:defRPr sz="2000"/>
-            </a:lvl6pPr>
-            <a:lvl7pPr marL="2743200" indent="0">
-              <a:buNone/>
-              <a:defRPr sz="2000"/>
-            </a:lvl7pPr>
-            <a:lvl8pPr marL="3200400" indent="0">
-              <a:buNone/>
-              <a:defRPr sz="2000"/>
-            </a:lvl8pPr>
-            <a:lvl9pPr marL="3657600" indent="0">
-              <a:buNone/>
-              <a:defRPr sz="2000"/>
-            </a:lvl9pPr>
-          </a:lstStyle>
-          <a:p>
-            <a:endParaRPr lang="en-US"/>
-          </a:p>
-        </p:txBody>
-      </p:sp>
-      <p:sp>
-        <p:nvSpPr>
-          <p:cNvPr id="4" name="Text Placeholder 3"/>
-          <p:cNvSpPr>
-            <a:spLocks noGrp="1"/>
-          </p:cNvSpPr>
-          <p:nvPr>
-            <p:ph type="body" sz="half" idx="2"/>
-          </p:nvPr>
-        </p:nvSpPr>
-        <p:spPr>
-          <a:xfrm>
-            <a:off x="839788" y="2057400"/>
-            <a:ext cx="3932237" cy="3811588"/>
-          </a:xfrm>
-        </p:spPr>
-        <p:txBody>
-          <a:bodyPr/>
-          <a:lstStyle>
-            <a:lvl1pPr marL="0" indent="0">
+            <a:lvl1pPr marL="0" indent="0" algn="ctr">
               <a:buNone/>
               <a:defRPr sz="1600"/>
             </a:lvl1pPr>
             <a:lvl2pPr marL="457200" indent="0">
               <a:buNone/>
-              <a:defRPr sz="1400"/>
+              <a:defRPr sz="1600"/>
             </a:lvl2pPr>
             <a:lvl3pPr marL="914400" indent="0">
               <a:buNone/>
-              <a:defRPr sz="1200"/>
+              <a:defRPr sz="1600"/>
             </a:lvl3pPr>
             <a:lvl4pPr marL="1371600" indent="0">
               <a:buNone/>
-              <a:defRPr sz="1000"/>
+              <a:defRPr sz="1600"/>
             </a:lvl4pPr>
             <a:lvl5pPr marL="1828800" indent="0">
               <a:buNone/>
-              <a:defRPr sz="1000"/>
+              <a:defRPr sz="1600"/>
             </a:lvl5pPr>
             <a:lvl6pPr marL="2286000" indent="0">
               <a:buNone/>
-              <a:defRPr sz="1000"/>
+              <a:defRPr sz="1600"/>
             </a:lvl6pPr>
             <a:lvl7pPr marL="2743200" indent="0">
               <a:buNone/>
-              <a:defRPr sz="1000"/>
+              <a:defRPr sz="1600"/>
             </a:lvl7pPr>
             <a:lvl8pPr marL="3200400" indent="0">
               <a:buNone/>
-              <a:defRPr sz="1000"/>
+              <a:defRPr sz="1600"/>
             </a:lvl8pPr>
             <a:lvl9pPr marL="3657600" indent="0">
               <a:buNone/>
-              <a:defRPr sz="1000"/>
+              <a:defRPr sz="1600"/>
             </a:lvl9pPr>
           </a:lstStyle>
           <a:p>
+            <a:r>
+              <a:rPr lang="en-US" smtClean="0"/>
+              <a:t>Click icon to add picture</a:t>
+            </a:r>
+            <a:endParaRPr lang="en-US" dirty="0"/>
+          </a:p>
+        </p:txBody>
+      </p:sp>
+      <p:sp>
+        <p:nvSpPr>
+          <p:cNvPr id="4" name="Text Placeholder 3"/>
+          <p:cNvSpPr>
+            <a:spLocks noGrp="1"/>
+          </p:cNvSpPr>
+          <p:nvPr>
+            <p:ph type="body" sz="half" idx="2"/>
+          </p:nvPr>
+        </p:nvSpPr>
+        <p:spPr>
+          <a:xfrm>
+            <a:off x="1154954" y="3657600"/>
+            <a:ext cx="5084979" cy="1371600"/>
+          </a:xfrm>
+        </p:spPr>
+        <p:txBody>
+          <a:bodyPr>
+            <a:normAutofit/>
+          </a:bodyPr>
+          <a:lstStyle>
+            <a:lvl1pPr marL="0" indent="0">
+              <a:buNone/>
+              <a:defRPr sz="1400"/>
+            </a:lvl1pPr>
+            <a:lvl2pPr marL="457200" indent="0">
+              <a:buNone/>
+              <a:defRPr sz="1200"/>
+            </a:lvl2pPr>
+            <a:lvl3pPr marL="914400" indent="0">
+              <a:buNone/>
+              <a:defRPr sz="1000"/>
+            </a:lvl3pPr>
+            <a:lvl4pPr marL="1371600" indent="0">
+              <a:buNone/>
+              <a:defRPr sz="900"/>
+            </a:lvl4pPr>
+            <a:lvl5pPr marL="1828800" indent="0">
+              <a:buNone/>
+              <a:defRPr sz="900"/>
+            </a:lvl5pPr>
+            <a:lvl6pPr marL="2286000" indent="0">
+              <a:buNone/>
+              <a:defRPr sz="900"/>
+            </a:lvl6pPr>
+            <a:lvl7pPr marL="2743200" indent="0">
+              <a:buNone/>
+              <a:defRPr sz="900"/>
+            </a:lvl7pPr>
+            <a:lvl8pPr marL="3200400" indent="0">
+              <a:buNone/>
+              <a:defRPr sz="900"/>
+            </a:lvl8pPr>
+            <a:lvl9pPr marL="3657600" indent="0">
+              <a:buNone/>
+              <a:defRPr sz="900"/>
+            </a:lvl9pPr>
+          </a:lstStyle>
+          <a:p>
             <a:pPr lvl="0"/>
             <a:r>
               <a:rPr lang="en-US" smtClean="0"/>
@@ -2359,7 +5146,7 @@
           <a:p>
             <a:fld id="{ABE413FD-3F14-41A2-B06F-64FBBBC75C69}" type="datetimeFigureOut">
               <a:rPr lang="en-US" smtClean="0"/>
-              <a:t>4/18/2023</a:t>
+              <a:t>4/24/2023</a:t>
             </a:fld>
             <a:endParaRPr lang="en-US"/>
           </a:p>
@@ -2410,7 +5197,7 @@
     </p:spTree>
     <p:extLst>
       <p:ext uri="{BB962C8B-B14F-4D97-AF65-F5344CB8AC3E}">
-        <p14:creationId xmlns:p14="http://schemas.microsoft.com/office/powerpoint/2010/main" val="3013141257"/>
+        <p14:creationId xmlns:p14="http://schemas.microsoft.com/office/powerpoint/2010/main" val="2448573542"/>
       </p:ext>
     </p:extLst>
   </p:cSld>
@@ -2424,8 +5211,8 @@
 <p:sldMaster xmlns:a="http://schemas.openxmlformats.org/drawingml/2006/main" xmlns:r="http://schemas.openxmlformats.org/officeDocument/2006/relationships" xmlns:p="http://schemas.openxmlformats.org/presentationml/2006/main">
   <p:cSld>
     <p:bg>
-      <p:bgRef idx="1001">
-        <a:schemeClr val="bg1"/>
+      <p:bgRef idx="1003">
+        <a:schemeClr val="bg2"/>
       </p:bgRef>
     </p:bg>
     <p:spTree>
@@ -2442,125 +5229,420 @@
           <a:chExt cx="0" cy="0"/>
         </a:xfrm>
       </p:grpSpPr>
-      <p:sp>
-        <p:nvSpPr>
-          <p:cNvPr id="2" name="Title Placeholder 1"/>
-          <p:cNvSpPr>
-            <a:spLocks noGrp="1"/>
-          </p:cNvSpPr>
-          <p:nvPr>
-            <p:ph type="title"/>
-          </p:nvPr>
-        </p:nvSpPr>
+      <p:pic>
+        <p:nvPicPr>
+          <p:cNvPr id="8" name="Picture 7"/>
+          <p:cNvPicPr>
+            <a:picLocks noChangeAspect="1"/>
+          </p:cNvPicPr>
+          <p:nvPr/>
+        </p:nvPicPr>
+        <p:blipFill rotWithShape="1">
+          <a:blip r:embed="rId19">
+            <a:extLst>
+              <a:ext uri="{28A0092B-C50C-407E-A947-70E740481C1C}">
+                <a14:useLocalDpi xmlns:a14="http://schemas.microsoft.com/office/drawing/2010/main" val="0"/>
+              </a:ext>
+            </a:extLst>
+          </a:blip>
+          <a:srcRect l="3613"/>
+          <a:stretch/>
+        </p:blipFill>
         <p:spPr>
           <a:xfrm>
-            <a:off x="838200" y="365125"/>
-            <a:ext cx="10515600" cy="1325563"/>
+            <a:off x="0" y="2669685"/>
+            <a:ext cx="4037012" cy="4188315"/>
           </a:xfrm>
           <a:prstGeom prst="rect">
             <a:avLst/>
           </a:prstGeom>
         </p:spPr>
-        <p:txBody>
-          <a:bodyPr vert="horz" lIns="91440" tIns="45720" rIns="91440" bIns="45720" rtlCol="0" anchor="ctr">
-            <a:normAutofit/>
-          </a:bodyPr>
-          <a:lstStyle/>
-          <a:p>
-            <a:r>
-              <a:rPr lang="en-US" smtClean="0"/>
-              <a:t>Click to edit Master title style</a:t>
-            </a:r>
-            <a:endParaRPr lang="en-US"/>
-          </a:p>
-        </p:txBody>
-      </p:sp>
-      <p:sp>
-        <p:nvSpPr>
-          <p:cNvPr id="3" name="Text Placeholder 2"/>
-          <p:cNvSpPr>
-            <a:spLocks noGrp="1"/>
-          </p:cNvSpPr>
-          <p:nvPr>
-            <p:ph type="body" idx="1"/>
-          </p:nvPr>
-        </p:nvSpPr>
+      </p:pic>
+      <p:pic>
+        <p:nvPicPr>
+          <p:cNvPr id="7" name="Picture 6"/>
+          <p:cNvPicPr>
+            <a:picLocks noChangeAspect="1"/>
+          </p:cNvPicPr>
+          <p:nvPr/>
+        </p:nvPicPr>
+        <p:blipFill rotWithShape="1">
+          <a:blip r:embed="rId20">
+            <a:extLst>
+              <a:ext uri="{28A0092B-C50C-407E-A947-70E740481C1C}">
+                <a14:useLocalDpi xmlns:a14="http://schemas.microsoft.com/office/drawing/2010/main" val="0"/>
+              </a:ext>
+            </a:extLst>
+          </a:blip>
+          <a:srcRect l="35640"/>
+          <a:stretch/>
+        </p:blipFill>
         <p:spPr>
           <a:xfrm>
-            <a:off x="838200" y="1825625"/>
-            <a:ext cx="10515600" cy="4351338"/>
+            <a:off x="0" y="2892347"/>
+            <a:ext cx="1522412" cy="2365453"/>
           </a:xfrm>
           <a:prstGeom prst="rect">
             <a:avLst/>
           </a:prstGeom>
         </p:spPr>
-        <p:txBody>
-          <a:bodyPr vert="horz" lIns="91440" tIns="45720" rIns="91440" bIns="45720" rtlCol="0">
-            <a:normAutofit/>
-          </a:bodyPr>
-          <a:lstStyle/>
-          <a:p>
-            <a:pPr lvl="0"/>
-            <a:r>
-              <a:rPr lang="en-US" smtClean="0"/>
-              <a:t>Edit Master text styles</a:t>
-            </a:r>
-          </a:p>
-          <a:p>
-            <a:pPr lvl="1"/>
-            <a:r>
-              <a:rPr lang="en-US" smtClean="0"/>
-              <a:t>Second level</a:t>
-            </a:r>
-          </a:p>
-          <a:p>
-            <a:pPr lvl="2"/>
-            <a:r>
-              <a:rPr lang="en-US" smtClean="0"/>
-              <a:t>Third level</a:t>
-            </a:r>
-          </a:p>
-          <a:p>
-            <a:pPr lvl="3"/>
-            <a:r>
-              <a:rPr lang="en-US" smtClean="0"/>
-              <a:t>Fourth level</a:t>
-            </a:r>
-          </a:p>
-          <a:p>
-            <a:pPr lvl="4"/>
-            <a:r>
-              <a:rPr lang="en-US" smtClean="0"/>
-              <a:t>Fifth level</a:t>
-            </a:r>
-            <a:endParaRPr lang="en-US"/>
-          </a:p>
-        </p:txBody>
-      </p:sp>
-      <p:sp>
-        <p:nvSpPr>
-          <p:cNvPr id="4" name="Date Placeholder 3"/>
-          <p:cNvSpPr>
-            <a:spLocks noGrp="1"/>
-          </p:cNvSpPr>
-          <p:nvPr>
-            <p:ph type="dt" sz="half" idx="2"/>
-          </p:nvPr>
+      </p:pic>
+      <p:sp>
+        <p:nvSpPr>
+          <p:cNvPr id="16" name="Oval 15"/>
+          <p:cNvSpPr/>
+          <p:nvPr/>
         </p:nvSpPr>
         <p:spPr>
           <a:xfrm>
-            <a:off x="838200" y="6356350"/>
-            <a:ext cx="2743200" cy="365125"/>
+            <a:off x="8609012" y="1676400"/>
+            <a:ext cx="2819400" cy="2819400"/>
+          </a:xfrm>
+          <a:prstGeom prst="ellipse">
+            <a:avLst/>
+          </a:prstGeom>
+          <a:gradFill flip="none" rotWithShape="1">
+            <a:gsLst>
+              <a:gs pos="0">
+                <a:schemeClr val="bg2">
+                  <a:lumMod val="60000"/>
+                  <a:lumOff val="40000"/>
+                  <a:alpha val="7000"/>
+                </a:schemeClr>
+              </a:gs>
+              <a:gs pos="69000">
+                <a:schemeClr val="bg2">
+                  <a:lumMod val="60000"/>
+                  <a:lumOff val="40000"/>
+                  <a:alpha val="0"/>
+                </a:schemeClr>
+              </a:gs>
+              <a:gs pos="36000">
+                <a:schemeClr val="bg2">
+                  <a:lumMod val="60000"/>
+                  <a:lumOff val="40000"/>
+                  <a:alpha val="6000"/>
+                </a:schemeClr>
+              </a:gs>
+            </a:gsLst>
+            <a:path path="circle">
+              <a:fillToRect l="50000" t="50000" r="50000" b="50000"/>
+            </a:path>
+            <a:tileRect/>
+          </a:gradFill>
+          <a:ln>
+            <a:noFill/>
+          </a:ln>
+          <a:effectLst/>
+        </p:spPr>
+        <p:style>
+          <a:lnRef idx="1">
+            <a:schemeClr val="accent1"/>
+          </a:lnRef>
+          <a:fillRef idx="3">
+            <a:schemeClr val="accent1"/>
+          </a:fillRef>
+          <a:effectRef idx="2">
+            <a:schemeClr val="accent1"/>
+          </a:effectRef>
+          <a:fontRef idx="minor">
+            <a:schemeClr val="lt1"/>
+          </a:fontRef>
+        </p:style>
+      </p:sp>
+      <p:pic>
+        <p:nvPicPr>
+          <p:cNvPr id="9" name="Picture 8"/>
+          <p:cNvPicPr>
+            <a:picLocks noChangeAspect="1"/>
+          </p:cNvPicPr>
+          <p:nvPr/>
+        </p:nvPicPr>
+        <p:blipFill rotWithShape="1">
+          <a:blip r:embed="rId21">
+            <a:extLst>
+              <a:ext uri="{28A0092B-C50C-407E-A947-70E740481C1C}">
+                <a14:useLocalDpi xmlns:a14="http://schemas.microsoft.com/office/drawing/2010/main" val="0"/>
+              </a:ext>
+            </a:extLst>
+          </a:blip>
+          <a:srcRect t="28813"/>
+          <a:stretch/>
+        </p:blipFill>
+        <p:spPr>
+          <a:xfrm>
+            <a:off x="7999412" y="0"/>
+            <a:ext cx="1603387" cy="1141407"/>
           </a:xfrm>
           <a:prstGeom prst="rect">
             <a:avLst/>
           </a:prstGeom>
         </p:spPr>
-        <p:txBody>
-          <a:bodyPr vert="horz" lIns="91440" tIns="45720" rIns="91440" bIns="45720" rtlCol="0" anchor="ctr"/>
+      </p:pic>
+      <p:pic>
+        <p:nvPicPr>
+          <p:cNvPr id="10" name="Picture 9"/>
+          <p:cNvPicPr>
+            <a:picLocks noChangeAspect="1"/>
+          </p:cNvPicPr>
+          <p:nvPr/>
+        </p:nvPicPr>
+        <p:blipFill rotWithShape="1">
+          <a:blip r:embed="rId22">
+            <a:extLst>
+              <a:ext uri="{28A0092B-C50C-407E-A947-70E740481C1C}">
+                <a14:useLocalDpi xmlns:a14="http://schemas.microsoft.com/office/drawing/2010/main" val="0"/>
+              </a:ext>
+            </a:extLst>
+          </a:blip>
+          <a:srcRect b="23320"/>
+          <a:stretch/>
+        </p:blipFill>
+        <p:spPr>
+          <a:xfrm>
+            <a:off x="8605878" y="6096000"/>
+            <a:ext cx="993734" cy="762000"/>
+          </a:xfrm>
+          <a:prstGeom prst="rect">
+            <a:avLst/>
+          </a:prstGeom>
+        </p:spPr>
+      </p:pic>
+      <p:sp>
+        <p:nvSpPr>
+          <p:cNvPr id="14" name="Rectangle 13"/>
+          <p:cNvSpPr/>
+          <p:nvPr/>
+        </p:nvSpPr>
+        <p:spPr>
+          <a:xfrm>
+            <a:off x="10437812" y="0"/>
+            <a:ext cx="685800" cy="1143000"/>
+          </a:xfrm>
+          <a:prstGeom prst="rect">
+            <a:avLst/>
+          </a:prstGeom>
+          <a:solidFill>
+            <a:schemeClr val="accent1"/>
+          </a:solidFill>
+          <a:ln>
+            <a:noFill/>
+          </a:ln>
+        </p:spPr>
+        <p:style>
+          <a:lnRef idx="1">
+            <a:schemeClr val="accent1"/>
+          </a:lnRef>
+          <a:fillRef idx="3">
+            <a:schemeClr val="accent1"/>
+          </a:fillRef>
+          <a:effectRef idx="2">
+            <a:schemeClr val="accent1"/>
+          </a:effectRef>
+          <a:fontRef idx="minor">
+            <a:schemeClr val="lt1"/>
+          </a:fontRef>
+        </p:style>
+      </p:sp>
+      <p:sp>
+        <p:nvSpPr>
+          <p:cNvPr id="2" name="Title Placeholder 1"/>
+          <p:cNvSpPr>
+            <a:spLocks noGrp="1"/>
+          </p:cNvSpPr>
+          <p:nvPr>
+            <p:ph type="title"/>
+          </p:nvPr>
+        </p:nvSpPr>
+        <p:spPr>
+          <a:xfrm>
+            <a:off x="646111" y="452718"/>
+            <a:ext cx="9404723" cy="1400530"/>
+          </a:xfrm>
+          <a:prstGeom prst="rect">
+            <a:avLst/>
+          </a:prstGeom>
+        </p:spPr>
+        <p:txBody>
+          <a:bodyPr vert="horz" lIns="91440" tIns="45720" rIns="91440" bIns="45720" rtlCol="0" anchor="t">
+            <a:noAutofit/>
+          </a:bodyPr>
+          <a:lstStyle/>
+          <a:p>
+            <a:r>
+              <a:rPr lang="en-US" smtClean="0"/>
+              <a:t>Click to edit Master title style</a:t>
+            </a:r>
+            <a:endParaRPr lang="en-US" dirty="0"/>
+          </a:p>
+        </p:txBody>
+      </p:sp>
+      <p:sp>
+        <p:nvSpPr>
+          <p:cNvPr id="3" name="Text Placeholder 2"/>
+          <p:cNvSpPr>
+            <a:spLocks noGrp="1"/>
+          </p:cNvSpPr>
+          <p:nvPr>
+            <p:ph type="body" idx="1"/>
+          </p:nvPr>
+        </p:nvSpPr>
+        <p:spPr>
+          <a:xfrm>
+            <a:off x="1103312" y="2052918"/>
+            <a:ext cx="8946541" cy="4195481"/>
+          </a:xfrm>
+          <a:prstGeom prst="rect">
+            <a:avLst/>
+          </a:prstGeom>
+        </p:spPr>
+        <p:txBody>
+          <a:bodyPr vert="horz" lIns="91440" tIns="45720" rIns="91440" bIns="45720" rtlCol="0">
+            <a:normAutofit/>
+          </a:bodyPr>
+          <a:lstStyle/>
+          <a:p>
+            <a:pPr lvl="0"/>
+            <a:r>
+              <a:rPr lang="en-US" smtClean="0"/>
+              <a:t>Edit Master text styles</a:t>
+            </a:r>
+          </a:p>
+          <a:p>
+            <a:pPr lvl="1"/>
+            <a:r>
+              <a:rPr lang="en-US" smtClean="0"/>
+              <a:t>Second level</a:t>
+            </a:r>
+          </a:p>
+          <a:p>
+            <a:pPr lvl="2"/>
+            <a:r>
+              <a:rPr lang="en-US" smtClean="0"/>
+              <a:t>Third level</a:t>
+            </a:r>
+          </a:p>
+          <a:p>
+            <a:pPr lvl="3"/>
+            <a:r>
+              <a:rPr lang="en-US" smtClean="0"/>
+              <a:t>Fourth level</a:t>
+            </a:r>
+          </a:p>
+          <a:p>
+            <a:pPr lvl="4"/>
+            <a:r>
+              <a:rPr lang="en-US" smtClean="0"/>
+              <a:t>Fifth level</a:t>
+            </a:r>
+            <a:endParaRPr lang="en-US" dirty="0"/>
+          </a:p>
+        </p:txBody>
+      </p:sp>
+      <p:sp>
+        <p:nvSpPr>
+          <p:cNvPr id="4" name="Date Placeholder 3"/>
+          <p:cNvSpPr>
+            <a:spLocks noGrp="1"/>
+          </p:cNvSpPr>
+          <p:nvPr>
+            <p:ph type="dt" sz="half" idx="2"/>
+          </p:nvPr>
+        </p:nvSpPr>
+        <p:spPr>
+          <a:xfrm rot="5400000">
+            <a:off x="10155639" y="1790701"/>
+            <a:ext cx="990599" cy="304799"/>
+          </a:xfrm>
+          <a:prstGeom prst="rect">
+            <a:avLst/>
+          </a:prstGeom>
+        </p:spPr>
+        <p:txBody>
+          <a:bodyPr vert="horz" lIns="91440" tIns="45720" rIns="91440" bIns="45720" rtlCol="0" anchor="t"/>
           <a:lstStyle>
             <a:lvl1pPr algn="l">
-              <a:defRPr sz="1200">
+              <a:defRPr sz="1100" b="0" i="0">
+                <a:solidFill>
+                  <a:schemeClr val="tx1">
+                    <a:tint val="75000"/>
+                    <a:alpha val="60000"/>
+                  </a:schemeClr>
+                </a:solidFill>
+              </a:defRPr>
+            </a:lvl1pPr>
+          </a:lstStyle>
+          <a:p>
+            <a:fld id="{ABE413FD-3F14-41A2-B06F-64FBBBC75C69}" type="datetimeFigureOut">
+              <a:rPr lang="en-US" smtClean="0"/>
+              <a:t>4/24/2023</a:t>
+            </a:fld>
+            <a:endParaRPr lang="en-US"/>
+          </a:p>
+        </p:txBody>
+      </p:sp>
+      <p:sp>
+        <p:nvSpPr>
+          <p:cNvPr id="5" name="Footer Placeholder 4"/>
+          <p:cNvSpPr>
+            <a:spLocks noGrp="1"/>
+          </p:cNvSpPr>
+          <p:nvPr>
+            <p:ph type="ftr" sz="quarter" idx="3"/>
+          </p:nvPr>
+        </p:nvSpPr>
+        <p:spPr>
+          <a:xfrm rot="5400000">
+            <a:off x="8951573" y="3225297"/>
+            <a:ext cx="3859795" cy="304801"/>
+          </a:xfrm>
+          <a:prstGeom prst="rect">
+            <a:avLst/>
+          </a:prstGeom>
+        </p:spPr>
+        <p:txBody>
+          <a:bodyPr vert="horz" lIns="91440" tIns="45720" rIns="91440" bIns="45720" rtlCol="0" anchor="b"/>
+          <a:lstStyle>
+            <a:lvl1pPr algn="l">
+              <a:defRPr sz="1100" b="0" i="0">
+                <a:solidFill>
+                  <a:schemeClr val="tx1">
+                    <a:tint val="75000"/>
+                    <a:alpha val="60000"/>
+                  </a:schemeClr>
+                </a:solidFill>
+              </a:defRPr>
+            </a:lvl1pPr>
+          </a:lstStyle>
+          <a:p>
+            <a:endParaRPr lang="en-US"/>
+          </a:p>
+        </p:txBody>
+      </p:sp>
+      <p:sp>
+        <p:nvSpPr>
+          <p:cNvPr id="6" name="Slide Number Placeholder 5"/>
+          <p:cNvSpPr>
+            <a:spLocks noGrp="1"/>
+          </p:cNvSpPr>
+          <p:nvPr>
+            <p:ph type="sldNum" sz="quarter" idx="4"/>
+          </p:nvPr>
+        </p:nvSpPr>
+        <p:spPr bwMode="gray">
+          <a:xfrm>
+            <a:off x="10352540" y="295729"/>
+            <a:ext cx="838199" cy="767687"/>
+          </a:xfrm>
+          <a:prstGeom prst="rect">
+            <a:avLst/>
+          </a:prstGeom>
+        </p:spPr>
+        <p:txBody>
+          <a:bodyPr vert="horz" lIns="91440" tIns="45720" rIns="91440" bIns="45720" rtlCol="0" anchor="b"/>
+          <a:lstStyle>
+            <a:lvl1pPr algn="ctr">
+              <a:defRPr sz="2800" b="0" i="0">
                 <a:solidFill>
                   <a:schemeClr val="tx1">
                     <a:tint val="75000"/>
@@ -2570,84 +5652,6 @@
             </a:lvl1pPr>
           </a:lstStyle>
           <a:p>
-            <a:fld id="{ABE413FD-3F14-41A2-B06F-64FBBBC75C69}" type="datetimeFigureOut">
-              <a:rPr lang="en-US" smtClean="0"/>
-              <a:t>4/18/2023</a:t>
-            </a:fld>
-            <a:endParaRPr lang="en-US"/>
-          </a:p>
-        </p:txBody>
-      </p:sp>
-      <p:sp>
-        <p:nvSpPr>
-          <p:cNvPr id="5" name="Footer Placeholder 4"/>
-          <p:cNvSpPr>
-            <a:spLocks noGrp="1"/>
-          </p:cNvSpPr>
-          <p:nvPr>
-            <p:ph type="ftr" sz="quarter" idx="3"/>
-          </p:nvPr>
-        </p:nvSpPr>
-        <p:spPr>
-          <a:xfrm>
-            <a:off x="4038600" y="6356350"/>
-            <a:ext cx="4114800" cy="365125"/>
-          </a:xfrm>
-          <a:prstGeom prst="rect">
-            <a:avLst/>
-          </a:prstGeom>
-        </p:spPr>
-        <p:txBody>
-          <a:bodyPr vert="horz" lIns="91440" tIns="45720" rIns="91440" bIns="45720" rtlCol="0" anchor="ctr"/>
-          <a:lstStyle>
-            <a:lvl1pPr algn="ctr">
-              <a:defRPr sz="1200">
-                <a:solidFill>
-                  <a:schemeClr val="tx1">
-                    <a:tint val="75000"/>
-                  </a:schemeClr>
-                </a:solidFill>
-              </a:defRPr>
-            </a:lvl1pPr>
-          </a:lstStyle>
-          <a:p>
-            <a:endParaRPr lang="en-US"/>
-          </a:p>
-        </p:txBody>
-      </p:sp>
-      <p:sp>
-        <p:nvSpPr>
-          <p:cNvPr id="6" name="Slide Number Placeholder 5"/>
-          <p:cNvSpPr>
-            <a:spLocks noGrp="1"/>
-          </p:cNvSpPr>
-          <p:nvPr>
-            <p:ph type="sldNum" sz="quarter" idx="4"/>
-          </p:nvPr>
-        </p:nvSpPr>
-        <p:spPr>
-          <a:xfrm>
-            <a:off x="8610600" y="6356350"/>
-            <a:ext cx="2743200" cy="365125"/>
-          </a:xfrm>
-          <a:prstGeom prst="rect">
-            <a:avLst/>
-          </a:prstGeom>
-        </p:spPr>
-        <p:txBody>
-          <a:bodyPr vert="horz" lIns="91440" tIns="45720" rIns="91440" bIns="45720" rtlCol="0" anchor="ctr"/>
-          <a:lstStyle>
-            <a:lvl1pPr algn="r">
-              <a:defRPr sz="1200">
-                <a:solidFill>
-                  <a:schemeClr val="tx1">
-                    <a:tint val="75000"/>
-                  </a:schemeClr>
-                </a:solidFill>
-              </a:defRPr>
-            </a:lvl1pPr>
-          </a:lstStyle>
-          <a:p>
             <a:fld id="{254B7792-BDE8-4C80-BA2C-C05D22893D50}" type="slidenum">
               <a:rPr lang="en-US" smtClean="0"/>
               <a:t>‹#›</a:t>
@@ -2659,35 +5663,121 @@
     </p:spTree>
     <p:extLst>
       <p:ext uri="{BB962C8B-B14F-4D97-AF65-F5344CB8AC3E}">
-        <p14:creationId xmlns:p14="http://schemas.microsoft.com/office/powerpoint/2010/main" val="1500001718"/>
+        <p14:creationId xmlns:p14="http://schemas.microsoft.com/office/powerpoint/2010/main" val="786618723"/>
       </p:ext>
     </p:extLst>
   </p:cSld>
-  <p:clrMap bg1="lt1" tx1="dk1" bg2="lt2" tx2="dk2" accent1="accent1" accent2="accent2" accent3="accent3" accent4="accent4" accent5="accent5" accent6="accent6" hlink="hlink" folHlink="folHlink"/>
+  <p:clrMap bg1="dk1" tx1="lt1" bg2="dk2" tx2="lt2" accent1="accent1" accent2="accent2" accent3="accent3" accent4="accent4" accent5="accent5" accent6="accent6" hlink="hlink" folHlink="folHlink"/>
   <p:sldLayoutIdLst>
-    <p:sldLayoutId id="2147483649" r:id="rId1"/>
-    <p:sldLayoutId id="2147483650" r:id="rId2"/>
-    <p:sldLayoutId id="2147483651" r:id="rId3"/>
-    <p:sldLayoutId id="2147483652" r:id="rId4"/>
-    <p:sldLayoutId id="2147483653" r:id="rId5"/>
-    <p:sldLayoutId id="2147483654" r:id="rId6"/>
-    <p:sldLayoutId id="2147483655" r:id="rId7"/>
-    <p:sldLayoutId id="2147483656" r:id="rId8"/>
-    <p:sldLayoutId id="2147483657" r:id="rId9"/>
-    <p:sldLayoutId id="2147483658" r:id="rId10"/>
-    <p:sldLayoutId id="2147483659" r:id="rId11"/>
+    <p:sldLayoutId id="2147483661" r:id="rId1"/>
+    <p:sldLayoutId id="2147483662" r:id="rId2"/>
+    <p:sldLayoutId id="2147483663" r:id="rId3"/>
+    <p:sldLayoutId id="2147483664" r:id="rId4"/>
+    <p:sldLayoutId id="2147483665" r:id="rId5"/>
+    <p:sldLayoutId id="2147483666" r:id="rId6"/>
+    <p:sldLayoutId id="2147483667" r:id="rId7"/>
+    <p:sldLayoutId id="2147483668" r:id="rId8"/>
+    <p:sldLayoutId id="2147483669" r:id="rId9"/>
+    <p:sldLayoutId id="2147483670" r:id="rId10"/>
+    <p:sldLayoutId id="2147483671" r:id="rId11"/>
+    <p:sldLayoutId id="2147483672" r:id="rId12"/>
+    <p:sldLayoutId id="2147483673" r:id="rId13"/>
+    <p:sldLayoutId id="2147483674" r:id="rId14"/>
+    <p:sldLayoutId id="2147483675" r:id="rId15"/>
+    <p:sldLayoutId id="2147483676" r:id="rId16"/>
+    <p:sldLayoutId id="2147483677" r:id="rId17"/>
   </p:sldLayoutIdLst>
   <p:txStyles>
     <p:titleStyle>
-      <a:lvl1pPr algn="l" defTabSz="914400" rtl="0" eaLnBrk="1" latinLnBrk="0" hangingPunct="1">
-        <a:lnSpc>
-          <a:spcPct val="90000"/>
-        </a:lnSpc>
+      <a:lvl1pPr algn="l" defTabSz="457200" rtl="0" eaLnBrk="1" latinLnBrk="0" hangingPunct="1">
         <a:spcBef>
           <a:spcPct val="0"/>
         </a:spcBef>
         <a:buNone/>
-        <a:defRPr sz="4400" kern="1200">
+        <a:defRPr sz="4200" b="0" i="0" kern="1200">
+          <a:solidFill>
+            <a:schemeClr val="tx2"/>
+          </a:solidFill>
+          <a:latin typeface="+mj-lt"/>
+          <a:ea typeface="+mj-ea"/>
+          <a:cs typeface="+mj-cs"/>
+        </a:defRPr>
+      </a:lvl1pPr>
+      <a:lvl2pPr eaLnBrk="1" hangingPunct="1">
+        <a:defRPr>
+          <a:solidFill>
+            <a:schemeClr val="tx2"/>
+          </a:solidFill>
+        </a:defRPr>
+      </a:lvl2pPr>
+      <a:lvl3pPr eaLnBrk="1" hangingPunct="1">
+        <a:defRPr>
+          <a:solidFill>
+            <a:schemeClr val="tx2"/>
+          </a:solidFill>
+        </a:defRPr>
+      </a:lvl3pPr>
+      <a:lvl4pPr eaLnBrk="1" hangingPunct="1">
+        <a:defRPr>
+          <a:solidFill>
+            <a:schemeClr val="tx2"/>
+          </a:solidFill>
+        </a:defRPr>
+      </a:lvl4pPr>
+      <a:lvl5pPr eaLnBrk="1" hangingPunct="1">
+        <a:defRPr>
+          <a:solidFill>
+            <a:schemeClr val="tx2"/>
+          </a:solidFill>
+        </a:defRPr>
+      </a:lvl5pPr>
+      <a:lvl6pPr eaLnBrk="1" hangingPunct="1">
+        <a:defRPr>
+          <a:solidFill>
+            <a:schemeClr val="tx2"/>
+          </a:solidFill>
+        </a:defRPr>
+      </a:lvl6pPr>
+      <a:lvl7pPr eaLnBrk="1" hangingPunct="1">
+        <a:defRPr>
+          <a:solidFill>
+            <a:schemeClr val="tx2"/>
+          </a:solidFill>
+        </a:defRPr>
+      </a:lvl7pPr>
+      <a:lvl8pPr eaLnBrk="1" hangingPunct="1">
+        <a:defRPr>
+          <a:solidFill>
+            <a:schemeClr val="tx2"/>
+          </a:solidFill>
+        </a:defRPr>
+      </a:lvl8pPr>
+      <a:lvl9pPr eaLnBrk="1" hangingPunct="1">
+        <a:defRPr>
+          <a:solidFill>
+            <a:schemeClr val="tx2"/>
+          </a:solidFill>
+        </a:defRPr>
+      </a:lvl9pPr>
+    </p:titleStyle>
+    <p:bodyStyle>
+      <a:lvl1pPr marL="342900" indent="-342900" algn="l" defTabSz="457200" rtl="0" eaLnBrk="1" latinLnBrk="0" hangingPunct="1">
+        <a:spcBef>
+          <a:spcPts val="1000"/>
+        </a:spcBef>
+        <a:spcAft>
+          <a:spcPts val="0"/>
+        </a:spcAft>
+        <a:buClr>
+          <a:schemeClr val="bg2">
+            <a:lumMod val="40000"/>
+            <a:lumOff val="60000"/>
+          </a:schemeClr>
+        </a:buClr>
+        <a:buSzPct val="80000"/>
+        <a:buFont typeface="Wingdings 3" charset="2"/>
+        <a:buChar char=""/>
+        <a:defRPr sz="2000" b="0" i="0" kern="1200">
           <a:solidFill>
             <a:schemeClr val="tx1"/>
           </a:solidFill>
@@ -2696,18 +5786,213 @@
           <a:cs typeface="+mj-cs"/>
         </a:defRPr>
       </a:lvl1pPr>
-    </p:titleStyle>
-    <p:bodyStyle>
-      <a:lvl1pPr marL="228600" indent="-228600" algn="l" defTabSz="914400" rtl="0" eaLnBrk="1" latinLnBrk="0" hangingPunct="1">
-        <a:lnSpc>
-          <a:spcPct val="90000"/>
-        </a:lnSpc>
+      <a:lvl2pPr marL="742950" indent="-285750" algn="l" defTabSz="457200" rtl="0" eaLnBrk="1" latinLnBrk="0" hangingPunct="1">
         <a:spcBef>
           <a:spcPts val="1000"/>
         </a:spcBef>
-        <a:buFont typeface="Arial" panose="020B0604020202020204" pitchFamily="34" charset="0"/>
-        <a:buChar char="•"/>
-        <a:defRPr sz="2800" kern="1200">
+        <a:spcAft>
+          <a:spcPts val="0"/>
+        </a:spcAft>
+        <a:buClr>
+          <a:schemeClr val="bg2">
+            <a:lumMod val="40000"/>
+            <a:lumOff val="60000"/>
+          </a:schemeClr>
+        </a:buClr>
+        <a:buSzPct val="80000"/>
+        <a:buFont typeface="Wingdings 3" charset="2"/>
+        <a:buChar char=""/>
+        <a:defRPr sz="1800" b="0" i="0" kern="1200">
+          <a:solidFill>
+            <a:schemeClr val="tx1"/>
+          </a:solidFill>
+          <a:latin typeface="+mj-lt"/>
+          <a:ea typeface="+mj-ea"/>
+          <a:cs typeface="+mj-cs"/>
+        </a:defRPr>
+      </a:lvl2pPr>
+      <a:lvl3pPr marL="1143000" indent="-228600" algn="l" defTabSz="457200" rtl="0" eaLnBrk="1" latinLnBrk="0" hangingPunct="1">
+        <a:spcBef>
+          <a:spcPts val="1000"/>
+        </a:spcBef>
+        <a:spcAft>
+          <a:spcPts val="0"/>
+        </a:spcAft>
+        <a:buClr>
+          <a:schemeClr val="bg2">
+            <a:lumMod val="40000"/>
+            <a:lumOff val="60000"/>
+          </a:schemeClr>
+        </a:buClr>
+        <a:buSzPct val="80000"/>
+        <a:buFont typeface="Wingdings 3" charset="2"/>
+        <a:buChar char=""/>
+        <a:defRPr sz="1600" b="0" i="0" kern="1200">
+          <a:solidFill>
+            <a:schemeClr val="tx1"/>
+          </a:solidFill>
+          <a:latin typeface="+mj-lt"/>
+          <a:ea typeface="+mj-ea"/>
+          <a:cs typeface="+mj-cs"/>
+        </a:defRPr>
+      </a:lvl3pPr>
+      <a:lvl4pPr marL="1600200" indent="-228600" algn="l" defTabSz="457200" rtl="0" eaLnBrk="1" latinLnBrk="0" hangingPunct="1">
+        <a:spcBef>
+          <a:spcPts val="1000"/>
+        </a:spcBef>
+        <a:spcAft>
+          <a:spcPts val="0"/>
+        </a:spcAft>
+        <a:buClr>
+          <a:schemeClr val="bg2">
+            <a:lumMod val="40000"/>
+            <a:lumOff val="60000"/>
+          </a:schemeClr>
+        </a:buClr>
+        <a:buSzPct val="80000"/>
+        <a:buFont typeface="Wingdings 3" charset="2"/>
+        <a:buChar char=""/>
+        <a:defRPr sz="1400" b="0" i="0" kern="1200">
+          <a:solidFill>
+            <a:schemeClr val="tx1"/>
+          </a:solidFill>
+          <a:latin typeface="+mj-lt"/>
+          <a:ea typeface="+mj-ea"/>
+          <a:cs typeface="+mj-cs"/>
+        </a:defRPr>
+      </a:lvl4pPr>
+      <a:lvl5pPr marL="2057400" indent="-228600" algn="l" defTabSz="457200" rtl="0" eaLnBrk="1" latinLnBrk="0" hangingPunct="1">
+        <a:spcBef>
+          <a:spcPts val="1000"/>
+        </a:spcBef>
+        <a:spcAft>
+          <a:spcPts val="0"/>
+        </a:spcAft>
+        <a:buClr>
+          <a:schemeClr val="bg2">
+            <a:lumMod val="40000"/>
+            <a:lumOff val="60000"/>
+          </a:schemeClr>
+        </a:buClr>
+        <a:buSzPct val="80000"/>
+        <a:buFont typeface="Wingdings 3" charset="2"/>
+        <a:buChar char=""/>
+        <a:defRPr sz="1400" b="0" i="0" kern="1200">
+          <a:solidFill>
+            <a:schemeClr val="tx1"/>
+          </a:solidFill>
+          <a:latin typeface="+mj-lt"/>
+          <a:ea typeface="+mj-ea"/>
+          <a:cs typeface="+mj-cs"/>
+        </a:defRPr>
+      </a:lvl5pPr>
+      <a:lvl6pPr marL="2506000" indent="-228600" algn="l" defTabSz="457200" rtl="0" eaLnBrk="1" latinLnBrk="0" hangingPunct="1">
+        <a:spcBef>
+          <a:spcPts val="1000"/>
+        </a:spcBef>
+        <a:spcAft>
+          <a:spcPts val="0"/>
+        </a:spcAft>
+        <a:buClr>
+          <a:schemeClr val="bg2">
+            <a:lumMod val="40000"/>
+            <a:lumOff val="60000"/>
+          </a:schemeClr>
+        </a:buClr>
+        <a:buSzPct val="80000"/>
+        <a:buFont typeface="Wingdings 3" charset="2"/>
+        <a:buChar char=""/>
+        <a:defRPr sz="1400" b="0" i="0" kern="1200">
+          <a:solidFill>
+            <a:schemeClr val="tx1"/>
+          </a:solidFill>
+          <a:latin typeface="+mj-lt"/>
+          <a:ea typeface="+mj-ea"/>
+          <a:cs typeface="+mj-cs"/>
+        </a:defRPr>
+      </a:lvl6pPr>
+      <a:lvl7pPr marL="2971800" indent="-228600" algn="l" defTabSz="457200" rtl="0" eaLnBrk="1" latinLnBrk="0" hangingPunct="1">
+        <a:spcBef>
+          <a:spcPts val="1000"/>
+        </a:spcBef>
+        <a:spcAft>
+          <a:spcPts val="0"/>
+        </a:spcAft>
+        <a:buClr>
+          <a:schemeClr val="bg2">
+            <a:lumMod val="40000"/>
+            <a:lumOff val="60000"/>
+          </a:schemeClr>
+        </a:buClr>
+        <a:buSzPct val="80000"/>
+        <a:buFont typeface="Wingdings 3" charset="2"/>
+        <a:buChar char=""/>
+        <a:defRPr sz="1400" b="0" i="0" kern="1200">
+          <a:solidFill>
+            <a:schemeClr val="tx1"/>
+          </a:solidFill>
+          <a:latin typeface="+mj-lt"/>
+          <a:ea typeface="+mj-ea"/>
+          <a:cs typeface="+mj-cs"/>
+        </a:defRPr>
+      </a:lvl7pPr>
+      <a:lvl8pPr marL="3429000" indent="-228600" algn="l" defTabSz="457200" rtl="0" eaLnBrk="1" latinLnBrk="0" hangingPunct="1">
+        <a:spcBef>
+          <a:spcPts val="1000"/>
+        </a:spcBef>
+        <a:spcAft>
+          <a:spcPts val="0"/>
+        </a:spcAft>
+        <a:buClr>
+          <a:schemeClr val="bg2">
+            <a:lumMod val="40000"/>
+            <a:lumOff val="60000"/>
+          </a:schemeClr>
+        </a:buClr>
+        <a:buSzPct val="80000"/>
+        <a:buFont typeface="Wingdings 3" charset="2"/>
+        <a:buChar char=""/>
+        <a:defRPr sz="1400" b="0" i="0" kern="1200">
+          <a:solidFill>
+            <a:schemeClr val="tx1"/>
+          </a:solidFill>
+          <a:latin typeface="+mj-lt"/>
+          <a:ea typeface="+mj-ea"/>
+          <a:cs typeface="+mj-cs"/>
+        </a:defRPr>
+      </a:lvl8pPr>
+      <a:lvl9pPr marL="3886200" indent="-228600" algn="l" defTabSz="457200" rtl="0" eaLnBrk="1" latinLnBrk="0" hangingPunct="1">
+        <a:spcBef>
+          <a:spcPts val="1000"/>
+        </a:spcBef>
+        <a:spcAft>
+          <a:spcPts val="0"/>
+        </a:spcAft>
+        <a:buClr>
+          <a:schemeClr val="bg2">
+            <a:lumMod val="40000"/>
+            <a:lumOff val="60000"/>
+          </a:schemeClr>
+        </a:buClr>
+        <a:buSzPct val="80000"/>
+        <a:buFont typeface="Wingdings 3" charset="2"/>
+        <a:buChar char=""/>
+        <a:defRPr sz="1400" b="0" i="0" kern="1200">
+          <a:solidFill>
+            <a:schemeClr val="tx1"/>
+          </a:solidFill>
+          <a:latin typeface="+mj-lt"/>
+          <a:ea typeface="+mj-ea"/>
+          <a:cs typeface="+mj-cs"/>
+        </a:defRPr>
+      </a:lvl9pPr>
+    </p:bodyStyle>
+    <p:otherStyle>
+      <a:defPPr>
+        <a:defRPr lang="en-US"/>
+      </a:defPPr>
+      <a:lvl1pPr marL="0" algn="l" defTabSz="457200" rtl="0" eaLnBrk="1" latinLnBrk="0" hangingPunct="1">
+        <a:defRPr sz="1800" kern="1200">
           <a:solidFill>
             <a:schemeClr val="tx1"/>
           </a:solidFill>
@@ -2716,16 +6001,8 @@
           <a:cs typeface="+mn-cs"/>
         </a:defRPr>
       </a:lvl1pPr>
-      <a:lvl2pPr marL="685800" indent="-228600" algn="l" defTabSz="914400" rtl="0" eaLnBrk="1" latinLnBrk="0" hangingPunct="1">
-        <a:lnSpc>
-          <a:spcPct val="90000"/>
-        </a:lnSpc>
-        <a:spcBef>
-          <a:spcPts val="500"/>
-        </a:spcBef>
-        <a:buFont typeface="Arial" panose="020B0604020202020204" pitchFamily="34" charset="0"/>
-        <a:buChar char="•"/>
-        <a:defRPr sz="2400" kern="1200">
+      <a:lvl2pPr marL="457200" algn="l" defTabSz="457200" rtl="0" eaLnBrk="1" latinLnBrk="0" hangingPunct="1">
+        <a:defRPr sz="1800" kern="1200">
           <a:solidFill>
             <a:schemeClr val="tx1"/>
           </a:solidFill>
@@ -2734,16 +6011,8 @@
           <a:cs typeface="+mn-cs"/>
         </a:defRPr>
       </a:lvl2pPr>
-      <a:lvl3pPr marL="1143000" indent="-228600" algn="l" defTabSz="914400" rtl="0" eaLnBrk="1" latinLnBrk="0" hangingPunct="1">
-        <a:lnSpc>
-          <a:spcPct val="90000"/>
-        </a:lnSpc>
-        <a:spcBef>
-          <a:spcPts val="500"/>
-        </a:spcBef>
-        <a:buFont typeface="Arial" panose="020B0604020202020204" pitchFamily="34" charset="0"/>
-        <a:buChar char="•"/>
-        <a:defRPr sz="2000" kern="1200">
+      <a:lvl3pPr marL="914400" algn="l" defTabSz="457200" rtl="0" eaLnBrk="1" latinLnBrk="0" hangingPunct="1">
+        <a:defRPr sz="1800" kern="1200">
           <a:solidFill>
             <a:schemeClr val="tx1"/>
           </a:solidFill>
@@ -2752,15 +6021,7 @@
           <a:cs typeface="+mn-cs"/>
         </a:defRPr>
       </a:lvl3pPr>
-      <a:lvl4pPr marL="1600200" indent="-228600" algn="l" defTabSz="914400" rtl="0" eaLnBrk="1" latinLnBrk="0" hangingPunct="1">
-        <a:lnSpc>
-          <a:spcPct val="90000"/>
-        </a:lnSpc>
-        <a:spcBef>
-          <a:spcPts val="500"/>
-        </a:spcBef>
-        <a:buFont typeface="Arial" panose="020B0604020202020204" pitchFamily="34" charset="0"/>
-        <a:buChar char="•"/>
+      <a:lvl4pPr marL="1371600" algn="l" defTabSz="457200" rtl="0" eaLnBrk="1" latinLnBrk="0" hangingPunct="1">
         <a:defRPr sz="1800" kern="1200">
           <a:solidFill>
             <a:schemeClr val="tx1"/>
@@ -2770,15 +6031,7 @@
           <a:cs typeface="+mn-cs"/>
         </a:defRPr>
       </a:lvl4pPr>
-      <a:lvl5pPr marL="2057400" indent="-228600" algn="l" defTabSz="914400" rtl="0" eaLnBrk="1" latinLnBrk="0" hangingPunct="1">
-        <a:lnSpc>
-          <a:spcPct val="90000"/>
-        </a:lnSpc>
-        <a:spcBef>
-          <a:spcPts val="500"/>
-        </a:spcBef>
-        <a:buFont typeface="Arial" panose="020B0604020202020204" pitchFamily="34" charset="0"/>
-        <a:buChar char="•"/>
+      <a:lvl5pPr marL="1828800" algn="l" defTabSz="457200" rtl="0" eaLnBrk="1" latinLnBrk="0" hangingPunct="1">
         <a:defRPr sz="1800" kern="1200">
           <a:solidFill>
             <a:schemeClr val="tx1"/>
@@ -2788,15 +6041,7 @@
           <a:cs typeface="+mn-cs"/>
         </a:defRPr>
       </a:lvl5pPr>
-      <a:lvl6pPr marL="2514600" indent="-228600" algn="l" defTabSz="914400" rtl="0" eaLnBrk="1" latinLnBrk="0" hangingPunct="1">
-        <a:lnSpc>
-          <a:spcPct val="90000"/>
-        </a:lnSpc>
-        <a:spcBef>
-          <a:spcPts val="500"/>
-        </a:spcBef>
-        <a:buFont typeface="Arial" panose="020B0604020202020204" pitchFamily="34" charset="0"/>
-        <a:buChar char="•"/>
+      <a:lvl6pPr marL="2286000" algn="l" defTabSz="457200" rtl="0" eaLnBrk="1" latinLnBrk="0" hangingPunct="1">
         <a:defRPr sz="1800" kern="1200">
           <a:solidFill>
             <a:schemeClr val="tx1"/>
@@ -2806,15 +6051,7 @@
           <a:cs typeface="+mn-cs"/>
         </a:defRPr>
       </a:lvl6pPr>
-      <a:lvl7pPr marL="2971800" indent="-228600" algn="l" defTabSz="914400" rtl="0" eaLnBrk="1" latinLnBrk="0" hangingPunct="1">
-        <a:lnSpc>
-          <a:spcPct val="90000"/>
-        </a:lnSpc>
-        <a:spcBef>
-          <a:spcPts val="500"/>
-        </a:spcBef>
-        <a:buFont typeface="Arial" panose="020B0604020202020204" pitchFamily="34" charset="0"/>
-        <a:buChar char="•"/>
+      <a:lvl7pPr marL="2743200" algn="l" defTabSz="457200" rtl="0" eaLnBrk="1" latinLnBrk="0" hangingPunct="1">
         <a:defRPr sz="1800" kern="1200">
           <a:solidFill>
             <a:schemeClr val="tx1"/>
@@ -2824,15 +6061,7 @@
           <a:cs typeface="+mn-cs"/>
         </a:defRPr>
       </a:lvl7pPr>
-      <a:lvl8pPr marL="3429000" indent="-228600" algn="l" defTabSz="914400" rtl="0" eaLnBrk="1" latinLnBrk="0" hangingPunct="1">
-        <a:lnSpc>
-          <a:spcPct val="90000"/>
-        </a:lnSpc>
-        <a:spcBef>
-          <a:spcPts val="500"/>
-        </a:spcBef>
-        <a:buFont typeface="Arial" panose="020B0604020202020204" pitchFamily="34" charset="0"/>
-        <a:buChar char="•"/>
+      <a:lvl8pPr marL="3200400" algn="l" defTabSz="457200" rtl="0" eaLnBrk="1" latinLnBrk="0" hangingPunct="1">
         <a:defRPr sz="1800" kern="1200">
           <a:solidFill>
             <a:schemeClr val="tx1"/>
@@ -2842,110 +6071,7 @@
           <a:cs typeface="+mn-cs"/>
         </a:defRPr>
       </a:lvl8pPr>
-      <a:lvl9pPr marL="3886200" indent="-228600" algn="l" defTabSz="914400" rtl="0" eaLnBrk="1" latinLnBrk="0" hangingPunct="1">
-        <a:lnSpc>
-          <a:spcPct val="90000"/>
-        </a:lnSpc>
-        <a:spcBef>
-          <a:spcPts val="500"/>
-        </a:spcBef>
-        <a:buFont typeface="Arial" panose="020B0604020202020204" pitchFamily="34" charset="0"/>
-        <a:buChar char="•"/>
-        <a:defRPr sz="1800" kern="1200">
-          <a:solidFill>
-            <a:schemeClr val="tx1"/>
-          </a:solidFill>
-          <a:latin typeface="+mn-lt"/>
-          <a:ea typeface="+mn-ea"/>
-          <a:cs typeface="+mn-cs"/>
-        </a:defRPr>
-      </a:lvl9pPr>
-    </p:bodyStyle>
-    <p:otherStyle>
-      <a:defPPr>
-        <a:defRPr lang="en-US"/>
-      </a:defPPr>
-      <a:lvl1pPr marL="0" algn="l" defTabSz="914400" rtl="0" eaLnBrk="1" latinLnBrk="0" hangingPunct="1">
-        <a:defRPr sz="1800" kern="1200">
-          <a:solidFill>
-            <a:schemeClr val="tx1"/>
-          </a:solidFill>
-          <a:latin typeface="+mn-lt"/>
-          <a:ea typeface="+mn-ea"/>
-          <a:cs typeface="+mn-cs"/>
-        </a:defRPr>
-      </a:lvl1pPr>
-      <a:lvl2pPr marL="457200" algn="l" defTabSz="914400" rtl="0" eaLnBrk="1" latinLnBrk="0" hangingPunct="1">
-        <a:defRPr sz="1800" kern="1200">
-          <a:solidFill>
-            <a:schemeClr val="tx1"/>
-          </a:solidFill>
-          <a:latin typeface="+mn-lt"/>
-          <a:ea typeface="+mn-ea"/>
-          <a:cs typeface="+mn-cs"/>
-        </a:defRPr>
-      </a:lvl2pPr>
-      <a:lvl3pPr marL="914400" algn="l" defTabSz="914400" rtl="0" eaLnBrk="1" latinLnBrk="0" hangingPunct="1">
-        <a:defRPr sz="1800" kern="1200">
-          <a:solidFill>
-            <a:schemeClr val="tx1"/>
-          </a:solidFill>
-          <a:latin typeface="+mn-lt"/>
-          <a:ea typeface="+mn-ea"/>
-          <a:cs typeface="+mn-cs"/>
-        </a:defRPr>
-      </a:lvl3pPr>
-      <a:lvl4pPr marL="1371600" algn="l" defTabSz="914400" rtl="0" eaLnBrk="1" latinLnBrk="0" hangingPunct="1">
-        <a:defRPr sz="1800" kern="1200">
-          <a:solidFill>
-            <a:schemeClr val="tx1"/>
-          </a:solidFill>
-          <a:latin typeface="+mn-lt"/>
-          <a:ea typeface="+mn-ea"/>
-          <a:cs typeface="+mn-cs"/>
-        </a:defRPr>
-      </a:lvl4pPr>
-      <a:lvl5pPr marL="1828800" algn="l" defTabSz="914400" rtl="0" eaLnBrk="1" latinLnBrk="0" hangingPunct="1">
-        <a:defRPr sz="1800" kern="1200">
-          <a:solidFill>
-            <a:schemeClr val="tx1"/>
-          </a:solidFill>
-          <a:latin typeface="+mn-lt"/>
-          <a:ea typeface="+mn-ea"/>
-          <a:cs typeface="+mn-cs"/>
-        </a:defRPr>
-      </a:lvl5pPr>
-      <a:lvl6pPr marL="2286000" algn="l" defTabSz="914400" rtl="0" eaLnBrk="1" latinLnBrk="0" hangingPunct="1">
-        <a:defRPr sz="1800" kern="1200">
-          <a:solidFill>
-            <a:schemeClr val="tx1"/>
-          </a:solidFill>
-          <a:latin typeface="+mn-lt"/>
-          <a:ea typeface="+mn-ea"/>
-          <a:cs typeface="+mn-cs"/>
-        </a:defRPr>
-      </a:lvl6pPr>
-      <a:lvl7pPr marL="2743200" algn="l" defTabSz="914400" rtl="0" eaLnBrk="1" latinLnBrk="0" hangingPunct="1">
-        <a:defRPr sz="1800" kern="1200">
-          <a:solidFill>
-            <a:schemeClr val="tx1"/>
-          </a:solidFill>
-          <a:latin typeface="+mn-lt"/>
-          <a:ea typeface="+mn-ea"/>
-          <a:cs typeface="+mn-cs"/>
-        </a:defRPr>
-      </a:lvl7pPr>
-      <a:lvl8pPr marL="3200400" algn="l" defTabSz="914400" rtl="0" eaLnBrk="1" latinLnBrk="0" hangingPunct="1">
-        <a:defRPr sz="1800" kern="1200">
-          <a:solidFill>
-            <a:schemeClr val="tx1"/>
-          </a:solidFill>
-          <a:latin typeface="+mn-lt"/>
-          <a:ea typeface="+mn-ea"/>
-          <a:cs typeface="+mn-cs"/>
-        </a:defRPr>
-      </a:lvl8pPr>
-      <a:lvl9pPr marL="3657600" algn="l" defTabSz="914400" rtl="0" eaLnBrk="1" latinLnBrk="0" hangingPunct="1">
+      <a:lvl9pPr marL="3657600" algn="l" defTabSz="457200" rtl="0" eaLnBrk="1" latinLnBrk="0" hangingPunct="1">
         <a:defRPr sz="1800" kern="1200">
           <a:solidFill>
             <a:schemeClr val="tx1"/>
@@ -2979,18 +6105,167 @@
       </p:grpSpPr>
       <p:sp>
         <p:nvSpPr>
-          <p:cNvPr id="2" name="Title 1"/>
-          <p:cNvSpPr>
-            <a:spLocks noGrp="1"/>
-          </p:cNvSpPr>
-          <p:nvPr>
-            <p:ph type="ctrTitle"/>
+          <p:cNvPr id="3" name="Content Placeholder 2"/>
+          <p:cNvSpPr>
+            <a:spLocks noGrp="1"/>
+          </p:cNvSpPr>
+          <p:nvPr>
+            <p:ph idx="1"/>
           </p:nvPr>
         </p:nvSpPr>
         <p:spPr>
           <a:xfrm>
-            <a:off x="1524000" y="618978"/>
-            <a:ext cx="9144000" cy="1364567"/>
+            <a:off x="506438" y="1447800"/>
+            <a:ext cx="11169748" cy="4334022"/>
+          </a:xfrm>
+        </p:spPr>
+        <p:txBody>
+          <a:bodyPr>
+            <a:normAutofit/>
+          </a:bodyPr>
+          <a:lstStyle/>
+          <a:p>
+            <a:pPr marL="0" indent="0" algn="just">
+              <a:buNone/>
+            </a:pPr>
+            <a:r>
+              <a:rPr lang="en-GB" sz="2400" dirty="0">
+                <a:latin typeface="Calibri" panose="020F0502020204030204" pitchFamily="34" charset="0"/>
+                <a:cs typeface="Calibri" panose="020F0502020204030204" pitchFamily="34" charset="0"/>
+              </a:rPr>
+              <a:t>This data studies whether </a:t>
+            </a:r>
+            <a:r>
+              <a:rPr lang="en-GB" sz="2400" dirty="0" smtClean="0">
+                <a:latin typeface="Calibri" panose="020F0502020204030204" pitchFamily="34" charset="0"/>
+                <a:cs typeface="Calibri" panose="020F0502020204030204" pitchFamily="34" charset="0"/>
+              </a:rPr>
+              <a:t>or not a driver </a:t>
+            </a:r>
+            <a:r>
+              <a:rPr lang="en-GB" sz="2400" dirty="0">
+                <a:latin typeface="Calibri" panose="020F0502020204030204" pitchFamily="34" charset="0"/>
+                <a:cs typeface="Calibri" panose="020F0502020204030204" pitchFamily="34" charset="0"/>
+              </a:rPr>
+              <a:t>will accept a</a:t>
+            </a:r>
+            <a:r>
+              <a:rPr lang="en-GB" sz="2400" dirty="0" smtClean="0">
+                <a:latin typeface="Calibri" panose="020F0502020204030204" pitchFamily="34" charset="0"/>
+                <a:cs typeface="Calibri" panose="020F0502020204030204" pitchFamily="34" charset="0"/>
+              </a:rPr>
+              <a:t> </a:t>
+            </a:r>
+            <a:r>
+              <a:rPr lang="en-GB" sz="2400" dirty="0">
+                <a:latin typeface="Calibri" panose="020F0502020204030204" pitchFamily="34" charset="0"/>
+                <a:cs typeface="Calibri" panose="020F0502020204030204" pitchFamily="34" charset="0"/>
+              </a:rPr>
+              <a:t>coupon recommended to him in different driving scenarios. </a:t>
+            </a:r>
+          </a:p>
+          <a:p>
+            <a:pPr marL="0" indent="0" algn="just">
+              <a:buNone/>
+            </a:pPr>
+            <a:r>
+              <a:rPr lang="en-GB" sz="2400" dirty="0" smtClean="0">
+                <a:latin typeface="Calibri" panose="020F0502020204030204" pitchFamily="34" charset="0"/>
+                <a:cs typeface="Calibri" panose="020F0502020204030204" pitchFamily="34" charset="0"/>
+              </a:rPr>
+              <a:t>The </a:t>
+            </a:r>
+            <a:r>
+              <a:rPr lang="en-GB" sz="2400" dirty="0">
+                <a:latin typeface="Calibri" panose="020F0502020204030204" pitchFamily="34" charset="0"/>
+                <a:cs typeface="Calibri" panose="020F0502020204030204" pitchFamily="34" charset="0"/>
+              </a:rPr>
+              <a:t>different driving scenarios </a:t>
+            </a:r>
+            <a:r>
+              <a:rPr lang="en-GB" sz="2400" dirty="0" smtClean="0">
+                <a:latin typeface="Calibri" panose="020F0502020204030204" pitchFamily="34" charset="0"/>
+                <a:cs typeface="Calibri" panose="020F0502020204030204" pitchFamily="34" charset="0"/>
+              </a:rPr>
+              <a:t>include </a:t>
+            </a:r>
+            <a:r>
+              <a:rPr lang="en-GB" sz="2400" dirty="0">
+                <a:latin typeface="Calibri" panose="020F0502020204030204" pitchFamily="34" charset="0"/>
+                <a:cs typeface="Calibri" panose="020F0502020204030204" pitchFamily="34" charset="0"/>
+              </a:rPr>
+              <a:t>the </a:t>
+            </a:r>
+            <a:r>
+              <a:rPr lang="en-GB" sz="2400" dirty="0" smtClean="0">
+                <a:latin typeface="Calibri" panose="020F0502020204030204" pitchFamily="34" charset="0"/>
+                <a:cs typeface="Calibri" panose="020F0502020204030204" pitchFamily="34" charset="0"/>
+              </a:rPr>
+              <a:t>destination of the driver, </a:t>
+            </a:r>
+            <a:r>
+              <a:rPr lang="en-GB" sz="2400" dirty="0">
+                <a:latin typeface="Calibri" panose="020F0502020204030204" pitchFamily="34" charset="0"/>
+                <a:cs typeface="Calibri" panose="020F0502020204030204" pitchFamily="34" charset="0"/>
+              </a:rPr>
+              <a:t>current </a:t>
+            </a:r>
+            <a:r>
+              <a:rPr lang="en-GB" sz="2400" dirty="0" smtClean="0">
+                <a:latin typeface="Calibri" panose="020F0502020204030204" pitchFamily="34" charset="0"/>
+                <a:cs typeface="Calibri" panose="020F0502020204030204" pitchFamily="34" charset="0"/>
+              </a:rPr>
+              <a:t>time of the drive, the weather</a:t>
+            </a:r>
+            <a:r>
+              <a:rPr lang="en-GB" sz="2400" dirty="0">
+                <a:latin typeface="Calibri" panose="020F0502020204030204" pitchFamily="34" charset="0"/>
+                <a:cs typeface="Calibri" panose="020F0502020204030204" pitchFamily="34" charset="0"/>
+              </a:rPr>
+              <a:t>, </a:t>
+            </a:r>
+            <a:r>
+              <a:rPr lang="en-GB" sz="2400" dirty="0" smtClean="0">
+                <a:latin typeface="Calibri" panose="020F0502020204030204" pitchFamily="34" charset="0"/>
+                <a:cs typeface="Calibri" panose="020F0502020204030204" pitchFamily="34" charset="0"/>
+              </a:rPr>
+              <a:t>whether the driver has a passenger with them or not, etc., </a:t>
+            </a:r>
+            <a:r>
+              <a:rPr lang="en-GB" sz="2400" dirty="0">
+                <a:latin typeface="Calibri" panose="020F0502020204030204" pitchFamily="34" charset="0"/>
+                <a:cs typeface="Calibri" panose="020F0502020204030204" pitchFamily="34" charset="0"/>
+              </a:rPr>
+              <a:t>and then the person is asked whether or not they will accept the </a:t>
+            </a:r>
+            <a:r>
+              <a:rPr lang="en-GB" sz="2400" dirty="0" smtClean="0">
+                <a:latin typeface="Calibri" panose="020F0502020204030204" pitchFamily="34" charset="0"/>
+                <a:cs typeface="Calibri" panose="020F0502020204030204" pitchFamily="34" charset="0"/>
+              </a:rPr>
+              <a:t>coupon.</a:t>
+            </a:r>
+            <a:endParaRPr lang="en-US" sz="2400" dirty="0">
+              <a:latin typeface="Calibri" panose="020F0502020204030204" pitchFamily="34" charset="0"/>
+              <a:cs typeface="Calibri" panose="020F0502020204030204" pitchFamily="34" charset="0"/>
+            </a:endParaRPr>
+          </a:p>
+        </p:txBody>
+      </p:sp>
+      <p:sp>
+        <p:nvSpPr>
+          <p:cNvPr id="4" name="Text Placeholder 3"/>
+          <p:cNvSpPr>
+            <a:spLocks noGrp="1"/>
+          </p:cNvSpPr>
+          <p:nvPr>
+            <p:ph type="body" sz="half" idx="2"/>
+          </p:nvPr>
+        </p:nvSpPr>
+        <p:spPr>
+          <a:xfrm>
+            <a:off x="281354" y="1280161"/>
+            <a:ext cx="3629463" cy="478302"/>
           </a:xfrm>
         </p:spPr>
         <p:txBody>
@@ -3000,93 +6275,36 @@
           <a:lstStyle/>
           <a:p>
             <a:r>
-              <a:rPr lang="en-GB" sz="4400" b="1" dirty="0" smtClean="0"/>
-              <a:t>COUPON RECOMMENDATION PREDICTIONS</a:t>
-            </a:r>
-            <a:endParaRPr lang="en-US" sz="4400" b="1" dirty="0"/>
-          </a:p>
-        </p:txBody>
-      </p:sp>
-      <p:sp>
-        <p:nvSpPr>
-          <p:cNvPr id="3" name="Subtitle 2"/>
-          <p:cNvSpPr>
-            <a:spLocks noGrp="1"/>
-          </p:cNvSpPr>
-          <p:nvPr>
-            <p:ph type="subTitle" idx="1"/>
-          </p:nvPr>
-        </p:nvSpPr>
-        <p:spPr>
-          <a:xfrm>
-            <a:off x="1524000" y="2293035"/>
-            <a:ext cx="9144000" cy="4564965"/>
-          </a:xfrm>
-        </p:spPr>
-        <p:txBody>
-          <a:bodyPr>
-            <a:normAutofit/>
-          </a:bodyPr>
-          <a:lstStyle/>
-          <a:p>
-            <a:pPr algn="l"/>
-            <a:r>
-              <a:rPr lang="en-GB" b="1" dirty="0" smtClean="0"/>
-              <a:t>Background information about the stakeholder and their problem</a:t>
-            </a:r>
-          </a:p>
-          <a:p>
-            <a:endParaRPr lang="en-GB" dirty="0" smtClean="0"/>
-          </a:p>
-          <a:p>
-            <a:pPr algn="just"/>
-            <a:r>
-              <a:rPr lang="en-GB" dirty="0"/>
-              <a:t>Business Owners: The business owners who provide the in-vehicle coupon recommendation would be interested in the success of the model as it would help them to understand which coupons are most likely to be accepted by drivers. This can help them to optimize their marketing strategies and increase their sales</a:t>
-            </a:r>
-            <a:r>
-              <a:rPr lang="en-GB" dirty="0" smtClean="0"/>
-              <a:t>.</a:t>
-            </a:r>
-          </a:p>
-          <a:p>
-            <a:pPr algn="just"/>
-            <a:endParaRPr lang="en-GB" dirty="0"/>
-          </a:p>
-          <a:p>
-            <a:pPr algn="just"/>
-            <a:r>
-              <a:rPr lang="en-GB" dirty="0"/>
-              <a:t>Drivers: The drivers who receive the coupon recommendations would benefit from the model as it would provide them with personalized recommendations based on their preferences. This can help them to save money on products or services they are interested in.</a:t>
-            </a:r>
-          </a:p>
-          <a:p>
-            <a:endParaRPr lang="en-GB" dirty="0" smtClean="0"/>
-          </a:p>
-          <a:p>
-            <a:endParaRPr lang="en-GB" dirty="0"/>
-          </a:p>
-          <a:p>
-            <a:endParaRPr lang="en-GB" dirty="0"/>
-          </a:p>
-          <a:p>
-            <a:endParaRPr lang="en-GB" dirty="0" smtClean="0"/>
-          </a:p>
-          <a:p>
-            <a:endParaRPr lang="en-US" dirty="0"/>
+              <a:rPr lang="en-GB" sz="2400" b="1" dirty="0" smtClean="0">
+                <a:latin typeface="Calibri" panose="020F0502020204030204" pitchFamily="34" charset="0"/>
+                <a:cs typeface="Calibri" panose="020F0502020204030204" pitchFamily="34" charset="0"/>
+              </a:rPr>
+              <a:t>Background</a:t>
+            </a:r>
+            <a:endParaRPr lang="en-US" sz="2400" b="1" dirty="0">
+              <a:latin typeface="Calibri" panose="020F0502020204030204" pitchFamily="34" charset="0"/>
+              <a:cs typeface="Calibri" panose="020F0502020204030204" pitchFamily="34" charset="0"/>
+            </a:endParaRPr>
           </a:p>
         </p:txBody>
       </p:sp>
     </p:spTree>
     <p:extLst>
       <p:ext uri="{BB962C8B-B14F-4D97-AF65-F5344CB8AC3E}">
-        <p14:creationId xmlns:p14="http://schemas.microsoft.com/office/powerpoint/2010/main" val="1018175491"/>
+        <p14:creationId xmlns:p14="http://schemas.microsoft.com/office/powerpoint/2010/main" val="1954471235"/>
       </p:ext>
     </p:extLst>
   </p:cSld>
   <p:clrMapOvr>
     <a:masterClrMapping/>
   </p:clrMapOvr>
+  <p:timing>
+    <p:tnLst>
+      <p:par>
+        <p:cTn id="1" dur="indefinite" restart="never" nodeType="tmRoot"/>
+      </p:par>
+    </p:tnLst>
+  </p:timing>
 </p:sld>
 </file>
 
@@ -3109,98 +6327,42 @@
       </p:grpSpPr>
       <p:sp>
         <p:nvSpPr>
-          <p:cNvPr id="3" name="Content Placeholder 2"/>
-          <p:cNvSpPr>
-            <a:spLocks noGrp="1"/>
-          </p:cNvSpPr>
-          <p:nvPr>
-            <p:ph idx="1"/>
-          </p:nvPr>
-        </p:nvSpPr>
-        <p:spPr/>
+          <p:cNvPr id="5" name="Title 4"/>
+          <p:cNvSpPr>
+            <a:spLocks noGrp="1"/>
+          </p:cNvSpPr>
+          <p:nvPr>
+            <p:ph type="title"/>
+          </p:nvPr>
+        </p:nvSpPr>
+        <p:spPr>
+          <a:xfrm>
+            <a:off x="112543" y="1955409"/>
+            <a:ext cx="3446584" cy="1336430"/>
+          </a:xfrm>
+        </p:spPr>
         <p:txBody>
           <a:bodyPr/>
           <a:lstStyle/>
           <a:p>
             <a:r>
-              <a:rPr lang="en-GB" dirty="0"/>
-              <a:t>Computationally Expensive: Random Forest Classifier can be computationally expensive, particularly when there are many features or a large number of trees in the forest. This can make training and </a:t>
-            </a:r>
-            <a:r>
-              <a:rPr lang="en-GB" dirty="0" smtClean="0"/>
-              <a:t>prediction </a:t>
-            </a:r>
-            <a:r>
-              <a:rPr lang="en-GB" dirty="0"/>
-              <a:t>time-consuming</a:t>
-            </a:r>
-            <a:r>
-              <a:rPr lang="en-GB" dirty="0" smtClean="0"/>
-              <a:t>.</a:t>
-            </a:r>
-          </a:p>
-          <a:p>
-            <a:endParaRPr lang="en-GB" dirty="0"/>
-          </a:p>
-          <a:p>
-            <a:r>
-              <a:rPr lang="en-GB" dirty="0"/>
-              <a:t>Interpretability: Random Forest Classifier is a complex algorithm, and it can be difficult to interpret the results. It can be hard to understand how the model arrived at a particular prediction, which can be a challenge for some applications.</a:t>
-            </a:r>
-            <a:endParaRPr lang="en-US" dirty="0"/>
-          </a:p>
-        </p:txBody>
-      </p:sp>
-    </p:spTree>
-    <p:extLst>
-      <p:ext uri="{BB962C8B-B14F-4D97-AF65-F5344CB8AC3E}">
-        <p14:creationId xmlns:p14="http://schemas.microsoft.com/office/powerpoint/2010/main" val="2967518996"/>
-      </p:ext>
-    </p:extLst>
-  </p:cSld>
-  <p:clrMapOvr>
-    <a:masterClrMapping/>
-  </p:clrMapOvr>
-</p:sld>
-</file>
-
-<file path=ppt/slides/slide11.xml><?xml version="1.0" encoding="utf-8"?>
-<p:sld xmlns:a="http://schemas.openxmlformats.org/drawingml/2006/main" xmlns:r="http://schemas.openxmlformats.org/officeDocument/2006/relationships" xmlns:p="http://schemas.openxmlformats.org/presentationml/2006/main">
-  <p:cSld>
-    <p:spTree>
-      <p:nvGrpSpPr>
-        <p:cNvPr id="1" name=""/>
-        <p:cNvGrpSpPr/>
-        <p:nvPr/>
-      </p:nvGrpSpPr>
-      <p:grpSpPr>
-        <a:xfrm>
-          <a:off x="0" y="0"/>
-          <a:ext cx="0" cy="0"/>
-          <a:chOff x="0" y="0"/>
-          <a:chExt cx="0" cy="0"/>
-        </a:xfrm>
-      </p:grpSpPr>
-      <p:sp>
-        <p:nvSpPr>
-          <p:cNvPr id="5" name="Title 4"/>
-          <p:cNvSpPr>
-            <a:spLocks noGrp="1"/>
-          </p:cNvSpPr>
-          <p:nvPr>
-            <p:ph type="title"/>
-          </p:nvPr>
-        </p:nvSpPr>
-        <p:spPr/>
-        <p:txBody>
-          <a:bodyPr/>
-          <a:lstStyle/>
-          <a:p>
-            <a:r>
-              <a:rPr lang="en-GB" dirty="0" smtClean="0"/>
-              <a:t>Models confusion matrix</a:t>
-            </a:r>
-            <a:endParaRPr lang="en-US" dirty="0"/>
+              <a:rPr lang="en-GB" sz="2100" b="1" dirty="0" smtClean="0">
+                <a:latin typeface="Calibri" panose="020F0502020204030204" pitchFamily="34" charset="0"/>
+                <a:cs typeface="Calibri" panose="020F0502020204030204" pitchFamily="34" charset="0"/>
+              </a:rPr>
+              <a:t>Models confusion matrix </a:t>
+            </a:r>
+            <a:r>
+              <a:rPr lang="en-GB" sz="2100" b="1" dirty="0">
+                <a:latin typeface="Calibri" panose="020F0502020204030204" pitchFamily="34" charset="0"/>
+                <a:cs typeface="Calibri" panose="020F0502020204030204" pitchFamily="34" charset="0"/>
+              </a:rPr>
+              <a:t>the model's false positive and false negative rates</a:t>
+            </a:r>
+            <a:endParaRPr lang="en-US" sz="2100" b="1" dirty="0">
+              <a:latin typeface="Calibri" panose="020F0502020204030204" pitchFamily="34" charset="0"/>
+              <a:cs typeface="Calibri" panose="020F0502020204030204" pitchFamily="34" charset="0"/>
+            </a:endParaRPr>
           </a:p>
         </p:txBody>
       </p:sp>
@@ -3222,8 +6384,8 @@
         </p:blipFill>
         <p:spPr>
           <a:xfrm>
-            <a:off x="2180492" y="1817297"/>
-            <a:ext cx="6696222" cy="4907060"/>
+            <a:off x="3882683" y="1266092"/>
+            <a:ext cx="8088923" cy="5303520"/>
           </a:xfrm>
           <a:prstGeom prst="rect">
             <a:avLst/>
@@ -3245,6 +6407,122 @@
   <p:clrMapOvr>
     <a:masterClrMapping/>
   </p:clrMapOvr>
+  <p:timing>
+    <p:tnLst>
+      <p:par>
+        <p:cTn id="1" dur="indefinite" restart="never" nodeType="tmRoot"/>
+      </p:par>
+    </p:tnLst>
+  </p:timing>
+</p:sld>
+</file>
+
+<file path=ppt/slides/slide11.xml><?xml version="1.0" encoding="utf-8"?>
+<p:sld xmlns:a="http://schemas.openxmlformats.org/drawingml/2006/main" xmlns:r="http://schemas.openxmlformats.org/officeDocument/2006/relationships" xmlns:p="http://schemas.openxmlformats.org/presentationml/2006/main">
+  <p:cSld>
+    <p:spTree>
+      <p:nvGrpSpPr>
+        <p:cNvPr id="1" name=""/>
+        <p:cNvGrpSpPr/>
+        <p:nvPr/>
+      </p:nvGrpSpPr>
+      <p:grpSpPr>
+        <a:xfrm>
+          <a:off x="0" y="0"/>
+          <a:ext cx="0" cy="0"/>
+          <a:chOff x="0" y="0"/>
+          <a:chExt cx="0" cy="0"/>
+        </a:xfrm>
+      </p:grpSpPr>
+      <p:sp>
+        <p:nvSpPr>
+          <p:cNvPr id="2" name="Title 1"/>
+          <p:cNvSpPr>
+            <a:spLocks noGrp="1"/>
+          </p:cNvSpPr>
+          <p:nvPr>
+            <p:ph type="title"/>
+          </p:nvPr>
+        </p:nvSpPr>
+        <p:spPr>
+          <a:xfrm>
+            <a:off x="838200" y="140677"/>
+            <a:ext cx="10515600" cy="1550011"/>
+          </a:xfrm>
+        </p:spPr>
+        <p:txBody>
+          <a:bodyPr>
+            <a:normAutofit fontScale="90000"/>
+          </a:bodyPr>
+          <a:lstStyle/>
+          <a:p>
+            <a:r>
+              <a:rPr lang="en-GB" sz="3200" b="1" dirty="0"/>
+              <a:t>Explaining how the model's false positive and false negative rates will affect your stakeholder. Be sure to consider class balance in your evaluation.</a:t>
+            </a:r>
+            <a:endParaRPr lang="en-US" sz="3200" b="1" dirty="0"/>
+          </a:p>
+        </p:txBody>
+      </p:sp>
+      <p:sp>
+        <p:nvSpPr>
+          <p:cNvPr id="3" name="Content Placeholder 2"/>
+          <p:cNvSpPr>
+            <a:spLocks noGrp="1"/>
+          </p:cNvSpPr>
+          <p:nvPr>
+            <p:ph idx="1"/>
+          </p:nvPr>
+        </p:nvSpPr>
+        <p:spPr>
+          <a:xfrm>
+            <a:off x="838200" y="1825625"/>
+            <a:ext cx="10515600" cy="2235387"/>
+          </a:xfrm>
+        </p:spPr>
+        <p:txBody>
+          <a:bodyPr>
+            <a:normAutofit/>
+          </a:bodyPr>
+          <a:lstStyle/>
+          <a:p>
+            <a:r>
+              <a:rPr lang="en-GB" dirty="0"/>
+              <a:t>A false positive is when the model predicts that a driver will accept a coupon recommendation when in fact they will not. A false negative, on the other hand, is when the model predicts that a driver will not accept a coupon recommendation when in fact they will.</a:t>
+            </a:r>
+          </a:p>
+          <a:p>
+            <a:r>
+              <a:rPr lang="en-GB" dirty="0"/>
+              <a:t>The false positive rate (FPR) and false negative rate (FNR) of the model will affect different stakeholders in different ways. For example:</a:t>
+            </a:r>
+          </a:p>
+          <a:p>
+            <a:pPr marL="457200" indent="-457200">
+              <a:buFont typeface="+mj-lt"/>
+              <a:buAutoNum type="arabicPeriod"/>
+            </a:pPr>
+            <a:endParaRPr lang="en-US" dirty="0"/>
+          </a:p>
+        </p:txBody>
+      </p:sp>
+    </p:spTree>
+    <p:extLst>
+      <p:ext uri="{BB962C8B-B14F-4D97-AF65-F5344CB8AC3E}">
+        <p14:creationId xmlns:p14="http://schemas.microsoft.com/office/powerpoint/2010/main" val="3921155998"/>
+      </p:ext>
+    </p:extLst>
+  </p:cSld>
+  <p:clrMapOvr>
+    <a:masterClrMapping/>
+  </p:clrMapOvr>
+  <p:timing>
+    <p:tnLst>
+      <p:par>
+        <p:cTn id="1" dur="indefinite" restart="never" nodeType="tmRoot"/>
+      </p:par>
+    </p:tnLst>
+  </p:timing>
 </p:sld>
 </file>
 
@@ -3267,77 +6545,97 @@
       </p:grpSpPr>
       <p:sp>
         <p:nvSpPr>
-          <p:cNvPr id="2" name="Title 1"/>
-          <p:cNvSpPr>
-            <a:spLocks noGrp="1"/>
-          </p:cNvSpPr>
-          <p:nvPr>
-            <p:ph type="title"/>
-          </p:nvPr>
-        </p:nvSpPr>
-        <p:spPr>
-          <a:xfrm>
-            <a:off x="838200" y="140677"/>
-            <a:ext cx="10515600" cy="1550011"/>
-          </a:xfrm>
-        </p:spPr>
+          <p:cNvPr id="3" name="Content Placeholder 2"/>
+          <p:cNvSpPr>
+            <a:spLocks noGrp="1"/>
+          </p:cNvSpPr>
+          <p:nvPr>
+            <p:ph idx="1"/>
+          </p:nvPr>
+        </p:nvSpPr>
+        <p:spPr/>
         <p:txBody>
           <a:bodyPr>
-            <a:normAutofit/>
+            <a:normAutofit fontScale="92500" lnSpcReduction="20000"/>
           </a:bodyPr>
           <a:lstStyle/>
           <a:p>
-            <a:r>
-              <a:rPr lang="en-GB" sz="3200" b="1" dirty="0"/>
-              <a:t>Explaining how the model's false positive and false negative rates will affect your stakeholder. Be sure to consider class balance in your evaluation.</a:t>
-            </a:r>
-            <a:endParaRPr lang="en-US" sz="3200" b="1" dirty="0"/>
-          </a:p>
-        </p:txBody>
-      </p:sp>
-      <p:sp>
-        <p:nvSpPr>
-          <p:cNvPr id="3" name="Content Placeholder 2"/>
-          <p:cNvSpPr>
-            <a:spLocks noGrp="1"/>
-          </p:cNvSpPr>
-          <p:nvPr>
-            <p:ph idx="1"/>
-          </p:nvPr>
-        </p:nvSpPr>
-        <p:spPr>
-          <a:xfrm>
-            <a:off x="838200" y="1825625"/>
-            <a:ext cx="10515600" cy="4631446"/>
-          </a:xfrm>
-        </p:spPr>
-        <p:txBody>
-          <a:bodyPr>
-            <a:normAutofit fontScale="92500" lnSpcReduction="10000"/>
-          </a:bodyPr>
-          <a:lstStyle/>
-          <a:p>
+            <a:pPr marL="457200" indent="-457200">
+              <a:buFont typeface="+mj-lt"/>
+              <a:buAutoNum type="arabicPeriod"/>
+            </a:pPr>
+            <a:endParaRPr lang="en-GB" dirty="0" smtClean="0"/>
+          </a:p>
+          <a:p>
+            <a:pPr marL="457200" indent="-457200">
+              <a:buFont typeface="+mj-lt"/>
+              <a:buAutoNum type="arabicPeriod"/>
+            </a:pPr>
+            <a:endParaRPr lang="en-GB" dirty="0"/>
+          </a:p>
+          <a:p>
+            <a:pPr marL="457200" indent="-457200">
+              <a:buFont typeface="+mj-lt"/>
+              <a:buAutoNum type="arabicPeriod"/>
+            </a:pPr>
             <a:r>
               <a:rPr lang="en-GB" dirty="0"/>
-              <a:t>A false positive is when the model predicts that a driver will accept a coupon recommendation when in fact they will not. A false negative, on the other hand, is when the model predicts that a driver will not accept a coupon recommendation when in fact they will.</a:t>
-            </a:r>
-          </a:p>
-          <a:p>
-            <a:r>
-              <a:rPr lang="en-GB" dirty="0"/>
-              <a:t>The false positive rate (FPR) and false negative rate (FNR) of the model will affect different stakeholders in different ways. For example:</a:t>
-            </a:r>
-          </a:p>
-          <a:p>
-            <a:r>
-              <a:rPr lang="en-GB" dirty="0"/>
-              <a:t>The company offering the coupon: If the FPR is high, the company will be wasting resources on offering coupons to drivers who are unlikely to accept them. This could lead to a reduction in profits. On the other hand, if the FNR is high, the company will be missing out on potential sales, which could also lead to a reduction in profits</a:t>
-            </a:r>
+              <a:t>The company offering the coupon: The model’s false positive rate is low compared to the true negatives meaning maximum sales which leads to increased profits for the company. This can be referred to the confusion matrix above</a:t>
+            </a:r>
+          </a:p>
+          <a:p>
+            <a:pPr marL="457200" indent="-457200">
+              <a:buFont typeface="+mj-lt"/>
+              <a:buAutoNum type="arabicPeriod"/>
+            </a:pPr>
+            <a:endParaRPr lang="en-GB" dirty="0" smtClean="0"/>
+          </a:p>
+          <a:p>
+            <a:pPr marL="457200" indent="-457200">
+              <a:buFont typeface="+mj-lt"/>
+              <a:buAutoNum type="arabicPeriod"/>
+            </a:pPr>
             <a:r>
               <a:rPr lang="en-GB" dirty="0" smtClean="0"/>
-              <a:t>. Fortunately the model’s false positive rate is low compared to the true negatives meaning maximum sales which leads to increased profits for the company.</a:t>
-            </a:r>
-            <a:endParaRPr lang="en-GB" dirty="0"/>
+              <a:t>The </a:t>
+            </a:r>
+            <a:r>
+              <a:rPr lang="en-GB" dirty="0" smtClean="0"/>
+              <a:t>driver: </a:t>
+            </a:r>
+            <a:r>
+              <a:rPr lang="en-GB" dirty="0" smtClean="0"/>
+              <a:t>In </a:t>
+            </a:r>
+            <a:r>
+              <a:rPr lang="en-GB" dirty="0" smtClean="0"/>
+              <a:t>this case the model is able to predict that drivers are able to receive coupons they are actually interested in which enables them to save.</a:t>
+            </a:r>
+          </a:p>
+          <a:p>
+            <a:pPr marL="457200" indent="-457200">
+              <a:buFont typeface="+mj-lt"/>
+              <a:buAutoNum type="arabicPeriod"/>
+            </a:pPr>
+            <a:endParaRPr lang="en-GB" dirty="0" smtClean="0"/>
+          </a:p>
+          <a:p>
+            <a:pPr marL="457200" indent="-457200">
+              <a:buFont typeface="+mj-lt"/>
+              <a:buAutoNum type="arabicPeriod"/>
+            </a:pPr>
+            <a:r>
+              <a:rPr lang="en-GB" dirty="0" smtClean="0"/>
+              <a:t>The model developer: </a:t>
+            </a:r>
+            <a:r>
+              <a:rPr lang="en-GB" dirty="0" smtClean="0"/>
+              <a:t>This </a:t>
+            </a:r>
+            <a:r>
+              <a:rPr lang="en-GB" dirty="0" smtClean="0"/>
+              <a:t>model has been able to be effective and reliable, thus increasing the reputation.</a:t>
+            </a:r>
           </a:p>
           <a:p>
             <a:endParaRPr lang="en-US" dirty="0"/>
@@ -3347,7 +6645,7 @@
     </p:spTree>
     <p:extLst>
       <p:ext uri="{BB962C8B-B14F-4D97-AF65-F5344CB8AC3E}">
-        <p14:creationId xmlns:p14="http://schemas.microsoft.com/office/powerpoint/2010/main" val="3921155998"/>
+        <p14:creationId xmlns:p14="http://schemas.microsoft.com/office/powerpoint/2010/main" val="3065200614"/>
       </p:ext>
     </p:extLst>
   </p:cSld>
@@ -3384,72 +6682,6 @@
             <p:ph idx="1"/>
           </p:nvPr>
         </p:nvSpPr>
-        <p:spPr/>
-        <p:txBody>
-          <a:bodyPr>
-            <a:normAutofit fontScale="92500" lnSpcReduction="10000"/>
-          </a:bodyPr>
-          <a:lstStyle/>
-          <a:p>
-            <a:r>
-              <a:rPr lang="en-GB" dirty="0" smtClean="0"/>
-              <a:t>The driver: If the FPR is high, the driver may become frustrated with receiving coupons that they have no interest in. This could lead to a negative perception of the company offering the coupons. If the FNR is high, the driver may miss out on coupons that they would have accepted, leading to a missed opportunity to save money. In this case the model is able to predict that drivers are able to receive coupons they are actually interested in which enables them to save.</a:t>
-            </a:r>
-          </a:p>
-          <a:p>
-            <a:endParaRPr lang="en-GB" dirty="0" smtClean="0"/>
-          </a:p>
-          <a:p>
-            <a:r>
-              <a:rPr lang="en-GB" dirty="0" smtClean="0"/>
-              <a:t>The model developer: If the FPR or FNR is high, the model may be seen as ineffective or unreliable, which could damage the reputation of the developer. However this model has been able to be effective and reliable, thus increasing the reputation.</a:t>
-            </a:r>
-          </a:p>
-          <a:p>
-            <a:endParaRPr lang="en-US" dirty="0"/>
-          </a:p>
-        </p:txBody>
-      </p:sp>
-    </p:spTree>
-    <p:extLst>
-      <p:ext uri="{BB962C8B-B14F-4D97-AF65-F5344CB8AC3E}">
-        <p14:creationId xmlns:p14="http://schemas.microsoft.com/office/powerpoint/2010/main" val="3065200614"/>
-      </p:ext>
-    </p:extLst>
-  </p:cSld>
-  <p:clrMapOvr>
-    <a:masterClrMapping/>
-  </p:clrMapOvr>
-</p:sld>
-</file>
-
-<file path=ppt/slides/slide14.xml><?xml version="1.0" encoding="utf-8"?>
-<p:sld xmlns:a="http://schemas.openxmlformats.org/drawingml/2006/main" xmlns:r="http://schemas.openxmlformats.org/officeDocument/2006/relationships" xmlns:p="http://schemas.openxmlformats.org/presentationml/2006/main">
-  <p:cSld>
-    <p:spTree>
-      <p:nvGrpSpPr>
-        <p:cNvPr id="1" name=""/>
-        <p:cNvGrpSpPr/>
-        <p:nvPr/>
-      </p:nvGrpSpPr>
-      <p:grpSpPr>
-        <a:xfrm>
-          <a:off x="0" y="0"/>
-          <a:ext cx="0" cy="0"/>
-          <a:chOff x="0" y="0"/>
-          <a:chExt cx="0" cy="0"/>
-        </a:xfrm>
-      </p:grpSpPr>
-      <p:sp>
-        <p:nvSpPr>
-          <p:cNvPr id="3" name="Content Placeholder 2"/>
-          <p:cNvSpPr>
-            <a:spLocks noGrp="1"/>
-          </p:cNvSpPr>
-          <p:nvPr>
-            <p:ph idx="1"/>
-          </p:nvPr>
-        </p:nvSpPr>
         <p:spPr>
           <a:xfrm>
             <a:off x="838200" y="633047"/>
@@ -3458,7 +6690,7 @@
         </p:spPr>
         <p:txBody>
           <a:bodyPr>
-            <a:normAutofit fontScale="85000" lnSpcReduction="10000"/>
+            <a:normAutofit lnSpcReduction="10000"/>
           </a:bodyPr>
           <a:lstStyle/>
           <a:p>
@@ -3591,7 +6823,12 @@
             <p:ph type="title"/>
           </p:nvPr>
         </p:nvSpPr>
-        <p:spPr/>
+        <p:spPr>
+          <a:xfrm>
+            <a:off x="295422" y="520506"/>
+            <a:ext cx="7976381" cy="1434904"/>
+          </a:xfrm>
+        </p:spPr>
         <p:txBody>
           <a:bodyPr>
             <a:normAutofit/>
@@ -3599,10 +6836,17 @@
           <a:lstStyle/>
           <a:p>
             <a:r>
-              <a:rPr lang="en-GB" sz="2800" b="1" dirty="0" smtClean="0"/>
-              <a:t>Conti……</a:t>
-            </a:r>
-            <a:endParaRPr lang="en-US" sz="2800" dirty="0"/>
+              <a:rPr lang="en-GB" b="1" dirty="0"/>
+              <a:t>T</a:t>
+            </a:r>
+            <a:r>
+              <a:rPr lang="en-GB" b="1" dirty="0" smtClean="0"/>
+              <a:t>he stakeholder and their problem</a:t>
+            </a:r>
+            <a:br>
+              <a:rPr lang="en-GB" b="1" dirty="0" smtClean="0"/>
+            </a:br>
+            <a:endParaRPr lang="en-US" dirty="0"/>
           </a:p>
         </p:txBody>
       </p:sp>
@@ -3618,8 +6862,8 @@
         </p:nvSpPr>
         <p:spPr>
           <a:xfrm>
-            <a:off x="838200" y="1406769"/>
-            <a:ext cx="10515600" cy="4770194"/>
+            <a:off x="295422" y="1955410"/>
+            <a:ext cx="11493304" cy="4178104"/>
           </a:xfrm>
         </p:spPr>
         <p:txBody>
@@ -3628,43 +6872,172 @@
           </a:bodyPr>
           <a:lstStyle/>
           <a:p>
-            <a:r>
-              <a:rPr lang="en-GB" dirty="0"/>
-              <a:t>Data Analysts: The data analysts who build and maintain the model would benefit from it as it provides a valuable tool for understanding customer </a:t>
-            </a:r>
-            <a:r>
-              <a:rPr lang="en-GB" dirty="0" smtClean="0"/>
+            <a:pPr marL="0" indent="0">
+              <a:buNone/>
+            </a:pPr>
+            <a:r>
+              <a:rPr lang="en-GB" sz="2400" dirty="0" smtClean="0">
+                <a:latin typeface="Calibri" panose="020F0502020204030204" pitchFamily="34" charset="0"/>
+                <a:cs typeface="Calibri" panose="020F0502020204030204" pitchFamily="34" charset="0"/>
+              </a:rPr>
+              <a:t>The model tries to  solve different problems the stakeholders. E.g. </a:t>
+            </a:r>
+          </a:p>
+          <a:p>
+            <a:pPr marL="0" indent="0">
+              <a:buNone/>
+            </a:pPr>
+            <a:endParaRPr lang="en-GB" sz="2400" dirty="0" smtClean="0">
+              <a:latin typeface="Calibri" panose="020F0502020204030204" pitchFamily="34" charset="0"/>
+              <a:cs typeface="Calibri" panose="020F0502020204030204" pitchFamily="34" charset="0"/>
+            </a:endParaRPr>
+          </a:p>
+          <a:p>
+            <a:pPr marL="457200" indent="-457200">
+              <a:buFont typeface="+mj-lt"/>
+              <a:buAutoNum type="arabicPeriod"/>
+            </a:pPr>
+            <a:r>
+              <a:rPr lang="en-GB" sz="2400" b="1" dirty="0" smtClean="0">
+                <a:latin typeface="Calibri" panose="020F0502020204030204" pitchFamily="34" charset="0"/>
+                <a:cs typeface="Calibri" panose="020F0502020204030204" pitchFamily="34" charset="0"/>
+              </a:rPr>
+              <a:t>Business </a:t>
+            </a:r>
+            <a:r>
+              <a:rPr lang="en-GB" sz="2400" b="1" dirty="0">
+                <a:latin typeface="Calibri" panose="020F0502020204030204" pitchFamily="34" charset="0"/>
+                <a:cs typeface="Calibri" panose="020F0502020204030204" pitchFamily="34" charset="0"/>
+              </a:rPr>
+              <a:t>owners</a:t>
+            </a:r>
+            <a:r>
+              <a:rPr lang="en-GB" sz="2400" dirty="0">
+                <a:latin typeface="Calibri" panose="020F0502020204030204" pitchFamily="34" charset="0"/>
+                <a:cs typeface="Calibri" panose="020F0502020204030204" pitchFamily="34" charset="0"/>
+              </a:rPr>
+              <a:t>, it helps them to optimize their marketing strategies and increase sales</a:t>
+            </a:r>
+            <a:r>
+              <a:rPr lang="en-GB" sz="2400" dirty="0" smtClean="0">
+                <a:latin typeface="Calibri" panose="020F0502020204030204" pitchFamily="34" charset="0"/>
+                <a:cs typeface="Calibri" panose="020F0502020204030204" pitchFamily="34" charset="0"/>
+              </a:rPr>
+              <a:t>.</a:t>
+            </a:r>
+          </a:p>
+          <a:p>
+            <a:pPr marL="457200" indent="-457200">
+              <a:buFont typeface="+mj-lt"/>
+              <a:buAutoNum type="arabicPeriod"/>
+            </a:pPr>
+            <a:r>
+              <a:rPr lang="en-GB" sz="2400" b="1" dirty="0" smtClean="0">
+                <a:latin typeface="Calibri" panose="020F0502020204030204" pitchFamily="34" charset="0"/>
+                <a:cs typeface="Calibri" panose="020F0502020204030204" pitchFamily="34" charset="0"/>
+              </a:rPr>
+              <a:t>Drivers</a:t>
+            </a:r>
+            <a:r>
+              <a:rPr lang="en-GB" sz="2400" dirty="0">
+                <a:latin typeface="Calibri" panose="020F0502020204030204" pitchFamily="34" charset="0"/>
+                <a:cs typeface="Calibri" panose="020F0502020204030204" pitchFamily="34" charset="0"/>
+              </a:rPr>
+              <a:t>, it provides personalized recommendations that can help them save money. </a:t>
+            </a:r>
+            <a:endParaRPr lang="en-GB" sz="2400" dirty="0" smtClean="0">
+              <a:latin typeface="Calibri" panose="020F0502020204030204" pitchFamily="34" charset="0"/>
+              <a:cs typeface="Calibri" panose="020F0502020204030204" pitchFamily="34" charset="0"/>
+            </a:endParaRPr>
+          </a:p>
+          <a:p>
+            <a:pPr marL="457200" indent="-457200">
+              <a:buFont typeface="+mj-lt"/>
+              <a:buAutoNum type="arabicPeriod"/>
+            </a:pPr>
+            <a:r>
+              <a:rPr lang="en-GB" sz="2400" b="1" dirty="0" smtClean="0">
+                <a:latin typeface="Calibri" panose="020F0502020204030204" pitchFamily="34" charset="0"/>
+                <a:cs typeface="Calibri" panose="020F0502020204030204" pitchFamily="34" charset="0"/>
+              </a:rPr>
+              <a:t>Data </a:t>
+            </a:r>
+            <a:r>
+              <a:rPr lang="en-GB" sz="2400" b="1" dirty="0">
+                <a:latin typeface="Calibri" panose="020F0502020204030204" pitchFamily="34" charset="0"/>
+                <a:cs typeface="Calibri" panose="020F0502020204030204" pitchFamily="34" charset="0"/>
+              </a:rPr>
+              <a:t>analysts</a:t>
+            </a:r>
+            <a:r>
+              <a:rPr lang="en-GB" sz="2400" dirty="0">
+                <a:latin typeface="Calibri" panose="020F0502020204030204" pitchFamily="34" charset="0"/>
+                <a:cs typeface="Calibri" panose="020F0502020204030204" pitchFamily="34" charset="0"/>
+              </a:rPr>
+              <a:t>, it provides a tool for understanding customer </a:t>
+            </a:r>
+            <a:r>
+              <a:rPr lang="en-GB" sz="2400" dirty="0" smtClean="0">
+                <a:latin typeface="Calibri" panose="020F0502020204030204" pitchFamily="34" charset="0"/>
+                <a:cs typeface="Calibri" panose="020F0502020204030204" pitchFamily="34" charset="0"/>
+              </a:rPr>
               <a:t>behaviour </a:t>
             </a:r>
             <a:r>
-              <a:rPr lang="en-GB" dirty="0"/>
-              <a:t>and optimizing marketing campaigns. The model helps them to identify which features are most important in predicting coupon acceptance and to make data-driven decisions.</a:t>
-            </a:r>
-          </a:p>
-          <a:p>
-            <a:endParaRPr lang="en-GB" dirty="0" smtClean="0"/>
-          </a:p>
-          <a:p>
-            <a:r>
-              <a:rPr lang="en-GB" dirty="0"/>
-              <a:t>Regulators: Regulators interested in promoting fair and ethical practices in marketing could benefit from the model as it helps to ensure that coupon recommendations are being made in a non-discriminatory way, and are not biased based on factors such as gender, race, or location.</a:t>
-            </a:r>
-          </a:p>
-          <a:p>
-            <a:endParaRPr lang="en-US" dirty="0"/>
+              <a:rPr lang="en-GB" sz="2400" dirty="0">
+                <a:latin typeface="Calibri" panose="020F0502020204030204" pitchFamily="34" charset="0"/>
+                <a:cs typeface="Calibri" panose="020F0502020204030204" pitchFamily="34" charset="0"/>
+              </a:rPr>
+              <a:t>and making data-driven decisions. </a:t>
+            </a:r>
+            <a:endParaRPr lang="en-GB" sz="2400" dirty="0" smtClean="0">
+              <a:latin typeface="Calibri" panose="020F0502020204030204" pitchFamily="34" charset="0"/>
+              <a:cs typeface="Calibri" panose="020F0502020204030204" pitchFamily="34" charset="0"/>
+            </a:endParaRPr>
+          </a:p>
+          <a:p>
+            <a:pPr marL="457200" indent="-457200">
+              <a:buFont typeface="+mj-lt"/>
+              <a:buAutoNum type="arabicPeriod"/>
+            </a:pPr>
+            <a:r>
+              <a:rPr lang="en-GB" sz="2400" b="1" dirty="0" smtClean="0">
+                <a:latin typeface="Calibri" panose="020F0502020204030204" pitchFamily="34" charset="0"/>
+                <a:cs typeface="Calibri" panose="020F0502020204030204" pitchFamily="34" charset="0"/>
+              </a:rPr>
+              <a:t>Regulators</a:t>
+            </a:r>
+            <a:r>
+              <a:rPr lang="en-GB" sz="2400" dirty="0">
+                <a:latin typeface="Calibri" panose="020F0502020204030204" pitchFamily="34" charset="0"/>
+                <a:cs typeface="Calibri" panose="020F0502020204030204" pitchFamily="34" charset="0"/>
+              </a:rPr>
+              <a:t>, it helps to ensure fair and ethical marketing practices.</a:t>
+            </a:r>
+            <a:endParaRPr lang="en-US" sz="2400" dirty="0">
+              <a:latin typeface="Calibri" panose="020F0502020204030204" pitchFamily="34" charset="0"/>
+              <a:cs typeface="Calibri" panose="020F0502020204030204" pitchFamily="34" charset="0"/>
+            </a:endParaRPr>
           </a:p>
         </p:txBody>
       </p:sp>
     </p:spTree>
     <p:extLst>
       <p:ext uri="{BB962C8B-B14F-4D97-AF65-F5344CB8AC3E}">
-        <p14:creationId xmlns:p14="http://schemas.microsoft.com/office/powerpoint/2010/main" val="2580782810"/>
+        <p14:creationId xmlns:p14="http://schemas.microsoft.com/office/powerpoint/2010/main" val="3247271755"/>
       </p:ext>
     </p:extLst>
   </p:cSld>
   <p:clrMapOvr>
     <a:masterClrMapping/>
   </p:clrMapOvr>
+  <p:timing>
+    <p:tnLst>
+      <p:par>
+        <p:cTn id="1" dur="indefinite" restart="never" nodeType="tmRoot"/>
+      </p:par>
+    </p:tnLst>
+  </p:timing>
 </p:sld>
 </file>
 
@@ -3695,7 +7068,12 @@
             <p:ph type="title"/>
           </p:nvPr>
         </p:nvSpPr>
-        <p:spPr/>
+        <p:spPr>
+          <a:xfrm>
+            <a:off x="196948" y="239151"/>
+            <a:ext cx="4783015" cy="452803"/>
+          </a:xfrm>
+        </p:spPr>
         <p:txBody>
           <a:bodyPr>
             <a:normAutofit fontScale="90000"/>
@@ -3703,69 +7081,140 @@
           <a:lstStyle/>
           <a:p>
             <a:r>
-              <a:rPr lang="en-GB" b="1" dirty="0" smtClean="0"/>
-              <a:t>Background information about the stakeholder and their problem</a:t>
-            </a:r>
-            <a:br>
-              <a:rPr lang="en-GB" b="1" dirty="0" smtClean="0"/>
-            </a:br>
-            <a:endParaRPr lang="en-US" dirty="0"/>
-          </a:p>
-        </p:txBody>
-      </p:sp>
-      <p:sp>
-        <p:nvSpPr>
-          <p:cNvPr id="3" name="Content Placeholder 2"/>
-          <p:cNvSpPr>
-            <a:spLocks noGrp="1"/>
-          </p:cNvSpPr>
+              <a:rPr lang="en-GB" sz="2800" b="1" dirty="0" smtClean="0">
+                <a:latin typeface="Calibri" panose="020F0502020204030204" pitchFamily="34" charset="0"/>
+                <a:cs typeface="Calibri" panose="020F0502020204030204" pitchFamily="34" charset="0"/>
+              </a:rPr>
+              <a:t>Graphical Insights</a:t>
+            </a:r>
+            <a:endParaRPr lang="en-US" sz="2800" b="1" dirty="0">
+              <a:latin typeface="Calibri" panose="020F0502020204030204" pitchFamily="34" charset="0"/>
+              <a:cs typeface="Calibri" panose="020F0502020204030204" pitchFamily="34" charset="0"/>
+            </a:endParaRPr>
+          </a:p>
+        </p:txBody>
+      </p:sp>
+      <p:pic>
+        <p:nvPicPr>
+          <p:cNvPr id="6" name="Content Placeholder 5"/>
+          <p:cNvPicPr>
+            <a:picLocks noGrp="1" noChangeAspect="1"/>
+          </p:cNvPicPr>
           <p:nvPr>
             <p:ph idx="1"/>
           </p:nvPr>
-        </p:nvSpPr>
+        </p:nvPicPr>
+        <p:blipFill>
+          <a:blip r:embed="rId2"/>
+          <a:stretch>
+            <a:fillRect/>
+          </a:stretch>
+        </p:blipFill>
         <p:spPr>
           <a:xfrm>
-            <a:off x="838200" y="1825625"/>
-            <a:ext cx="10515600" cy="3773317"/>
+            <a:off x="4403188" y="1659988"/>
+            <a:ext cx="7554350" cy="4529796"/>
           </a:xfrm>
+          <a:prstGeom prst="rect">
+            <a:avLst/>
+          </a:prstGeom>
+          <a:ln w="88900" cap="sq" cmpd="thickThin">
+            <a:solidFill>
+              <a:srgbClr val="000000"/>
+            </a:solidFill>
+            <a:prstDash val="solid"/>
+            <a:miter lim="800000"/>
+          </a:ln>
+          <a:effectLst>
+            <a:innerShdw blurRad="76200">
+              <a:srgbClr val="000000"/>
+            </a:innerShdw>
+          </a:effectLst>
         </p:spPr>
-        <p:txBody>
-          <a:bodyPr/>
+      </p:pic>
+      <p:sp>
+        <p:nvSpPr>
+          <p:cNvPr id="7" name="Rectangle 6"/>
+          <p:cNvSpPr/>
+          <p:nvPr/>
+        </p:nvSpPr>
+        <p:spPr>
+          <a:xfrm>
+            <a:off x="196949" y="1266092"/>
+            <a:ext cx="4093698" cy="1384995"/>
+          </a:xfrm>
+          <a:prstGeom prst="rect">
+            <a:avLst/>
+          </a:prstGeom>
+        </p:spPr>
+        <p:txBody>
+          <a:bodyPr wrap="square">
+            <a:spAutoFit/>
+          </a:bodyPr>
           <a:lstStyle/>
           <a:p>
             <a:r>
-              <a:rPr lang="en-GB" dirty="0" smtClean="0"/>
-              <a:t>In summary:-</a:t>
-            </a:r>
-            <a:endParaRPr lang="en-GB" dirty="0"/>
-          </a:p>
-          <a:p>
-            <a:r>
-              <a:rPr lang="en-GB" dirty="0"/>
-              <a:t>The problem that the model solves for each stakeholder is different. For example, for business owners, it helps them to optimize their marketing strategies and increase sales. For drivers, it provides personalized recommendations that can help them save money. For data analysts, it provides a tool for understanding customer </a:t>
-            </a:r>
-            <a:r>
-              <a:rPr lang="en-GB" dirty="0" smtClean="0"/>
-              <a:t>behaviour </a:t>
-            </a:r>
-            <a:r>
-              <a:rPr lang="en-GB" dirty="0"/>
-              <a:t>and making data-driven decisions. And for regulators, it helps to ensure fair and ethical marketing practices.</a:t>
-            </a:r>
-            <a:endParaRPr lang="en-US" dirty="0"/>
+              <a:rPr lang="en-GB" sz="2100" b="0" i="0" dirty="0" smtClean="0">
+                <a:effectLst/>
+                <a:latin typeface="Calibri" panose="020F0502020204030204" pitchFamily="34" charset="0"/>
+                <a:cs typeface="Calibri" panose="020F0502020204030204" pitchFamily="34" charset="0"/>
+              </a:rPr>
+              <a:t>From the graph , Most drivers </a:t>
+            </a:r>
+            <a:r>
+              <a:rPr lang="en-GB" sz="2100" dirty="0" smtClean="0">
+                <a:latin typeface="Calibri" panose="020F0502020204030204" pitchFamily="34" charset="0"/>
+                <a:cs typeface="Calibri" panose="020F0502020204030204" pitchFamily="34" charset="0"/>
+              </a:rPr>
+              <a:t>prefer driving</a:t>
+            </a:r>
+            <a:r>
+              <a:rPr lang="en-GB" sz="2100" b="0" i="0" dirty="0" smtClean="0">
+                <a:effectLst/>
+                <a:latin typeface="Calibri" panose="020F0502020204030204" pitchFamily="34" charset="0"/>
+                <a:cs typeface="Calibri" panose="020F0502020204030204" pitchFamily="34" charset="0"/>
+              </a:rPr>
+              <a:t> during sunny weather compared to rainy </a:t>
+            </a:r>
+            <a:r>
+              <a:rPr lang="en-GB" sz="2100" dirty="0" smtClean="0">
+                <a:latin typeface="Calibri" panose="020F0502020204030204" pitchFamily="34" charset="0"/>
+                <a:cs typeface="Calibri" panose="020F0502020204030204" pitchFamily="34" charset="0"/>
+              </a:rPr>
+              <a:t>or</a:t>
+            </a:r>
+            <a:r>
+              <a:rPr lang="en-GB" sz="2100" b="0" i="0" dirty="0" smtClean="0">
+                <a:effectLst/>
+                <a:latin typeface="Calibri" panose="020F0502020204030204" pitchFamily="34" charset="0"/>
+                <a:cs typeface="Calibri" panose="020F0502020204030204" pitchFamily="34" charset="0"/>
+              </a:rPr>
+              <a:t> snowy weather</a:t>
+            </a:r>
+            <a:endParaRPr lang="en-US" sz="2100" dirty="0">
+              <a:latin typeface="Calibri" panose="020F0502020204030204" pitchFamily="34" charset="0"/>
+              <a:cs typeface="Calibri" panose="020F0502020204030204" pitchFamily="34" charset="0"/>
+            </a:endParaRPr>
           </a:p>
         </p:txBody>
       </p:sp>
     </p:spTree>
     <p:extLst>
       <p:ext uri="{BB962C8B-B14F-4D97-AF65-F5344CB8AC3E}">
-        <p14:creationId xmlns:p14="http://schemas.microsoft.com/office/powerpoint/2010/main" val="3247271755"/>
+        <p14:creationId xmlns:p14="http://schemas.microsoft.com/office/powerpoint/2010/main" val="864343626"/>
       </p:ext>
     </p:extLst>
   </p:cSld>
   <p:clrMapOvr>
     <a:masterClrMapping/>
   </p:clrMapOvr>
+  <p:timing>
+    <p:tnLst>
+      <p:par>
+        <p:cTn id="1" dur="indefinite" restart="never" nodeType="tmRoot"/>
+      </p:par>
+    </p:tnLst>
+  </p:timing>
 </p:sld>
 </file>
 
@@ -3796,101 +7245,109 @@
             <p:ph type="title"/>
           </p:nvPr>
         </p:nvSpPr>
-        <p:spPr/>
-        <p:txBody>
-          <a:bodyPr/>
-          <a:lstStyle/>
-          <a:p>
-            <a:r>
-              <a:rPr lang="en-GB" dirty="0" smtClean="0"/>
-              <a:t>Background info a the data</a:t>
-            </a:r>
-            <a:endParaRPr lang="en-US" dirty="0"/>
-          </a:p>
-        </p:txBody>
-      </p:sp>
-      <p:sp>
-        <p:nvSpPr>
-          <p:cNvPr id="3" name="Content Placeholder 2"/>
-          <p:cNvSpPr>
-            <a:spLocks noGrp="1"/>
-          </p:cNvSpPr>
-          <p:nvPr>
-            <p:ph idx="1"/>
-          </p:nvPr>
-        </p:nvSpPr>
         <p:spPr>
           <a:xfrm>
-            <a:off x="838200" y="1825625"/>
-            <a:ext cx="10515600" cy="2676037"/>
+            <a:off x="168813" y="1392702"/>
+            <a:ext cx="3770141" cy="1209822"/>
           </a:xfrm>
         </p:spPr>
         <p:txBody>
-          <a:bodyPr/>
+          <a:bodyPr>
+            <a:normAutofit fontScale="90000"/>
+          </a:bodyPr>
           <a:lstStyle/>
           <a:p>
             <a:r>
-              <a:rPr lang="en-GB" dirty="0"/>
-              <a:t>This data studies whether </a:t>
-            </a:r>
-            <a:r>
-              <a:rPr lang="en-GB" dirty="0" smtClean="0"/>
-              <a:t>or not a driver </a:t>
-            </a:r>
-            <a:r>
-              <a:rPr lang="en-GB" dirty="0"/>
-              <a:t>will accept the coupon recommended to him in different driving scenarios. The, different driving scenarios </a:t>
-            </a:r>
-            <a:r>
-              <a:rPr lang="en-GB" dirty="0" smtClean="0"/>
-              <a:t>include </a:t>
-            </a:r>
-            <a:r>
-              <a:rPr lang="en-GB" dirty="0"/>
-              <a:t>the </a:t>
-            </a:r>
-            <a:r>
-              <a:rPr lang="en-GB" dirty="0" smtClean="0"/>
-              <a:t>destination of the driver, </a:t>
-            </a:r>
-            <a:r>
-              <a:rPr lang="en-GB" dirty="0"/>
-              <a:t>current </a:t>
-            </a:r>
-            <a:r>
-              <a:rPr lang="en-GB" dirty="0" smtClean="0"/>
-              <a:t>time of the drive, the weather</a:t>
-            </a:r>
-            <a:r>
-              <a:rPr lang="en-GB" dirty="0"/>
-              <a:t>, </a:t>
-            </a:r>
-            <a:r>
-              <a:rPr lang="en-GB" dirty="0" smtClean="0"/>
-              <a:t>whether the driver has a passenger with them or not, etc., </a:t>
-            </a:r>
-            <a:r>
-              <a:rPr lang="en-GB" dirty="0"/>
-              <a:t>and then the person is asked whether or not they will accept the </a:t>
-            </a:r>
-            <a:r>
-              <a:rPr lang="en-GB" dirty="0" smtClean="0"/>
-              <a:t>coupon.</a:t>
-            </a:r>
-            <a:endParaRPr lang="en-US" dirty="0"/>
-          </a:p>
-        </p:txBody>
-      </p:sp>
+              <a:rPr lang="en-GB" sz="2100" dirty="0" smtClean="0">
+                <a:latin typeface="Calibri" panose="020F0502020204030204" pitchFamily="34" charset="0"/>
+                <a:cs typeface="Calibri" panose="020F0502020204030204" pitchFamily="34" charset="0"/>
+              </a:rPr>
+              <a:t>Also, </a:t>
+            </a:r>
+            <a:r>
+              <a:rPr lang="en-GB" sz="2100" dirty="0">
+                <a:latin typeface="Calibri" panose="020F0502020204030204" pitchFamily="34" charset="0"/>
+                <a:cs typeface="Calibri" panose="020F0502020204030204" pitchFamily="34" charset="0"/>
+              </a:rPr>
+              <a:t>drivers tend </a:t>
+            </a:r>
+            <a:r>
+              <a:rPr lang="en-GB" sz="2100" dirty="0" smtClean="0">
+                <a:latin typeface="Calibri" panose="020F0502020204030204" pitchFamily="34" charset="0"/>
+                <a:cs typeface="Calibri" panose="020F0502020204030204" pitchFamily="34" charset="0"/>
+              </a:rPr>
+              <a:t>drive more at 7am and 6pm, </a:t>
+            </a:r>
+            <a:r>
+              <a:rPr lang="en-GB" sz="2100" dirty="0" smtClean="0">
+                <a:latin typeface="Calibri" panose="020F0502020204030204" pitchFamily="34" charset="0"/>
+                <a:cs typeface="Calibri" panose="020F0502020204030204" pitchFamily="34" charset="0"/>
+              </a:rPr>
+              <a:t>then </a:t>
+            </a:r>
+            <a:r>
+              <a:rPr lang="en-GB" sz="2100" dirty="0" smtClean="0">
+                <a:latin typeface="Calibri" panose="020F0502020204030204" pitchFamily="34" charset="0"/>
+                <a:cs typeface="Calibri" panose="020F0502020204030204" pitchFamily="34" charset="0"/>
+              </a:rPr>
+              <a:t>later at 10am, 10pm and late at 2pm respectively</a:t>
+            </a:r>
+            <a:endParaRPr lang="en-US" sz="2100" dirty="0">
+              <a:latin typeface="Calibri" panose="020F0502020204030204" pitchFamily="34" charset="0"/>
+              <a:cs typeface="Calibri" panose="020F0502020204030204" pitchFamily="34" charset="0"/>
+            </a:endParaRPr>
+          </a:p>
+        </p:txBody>
+      </p:sp>
+      <p:pic>
+        <p:nvPicPr>
+          <p:cNvPr id="4" name="Content Placeholder 3"/>
+          <p:cNvPicPr>
+            <a:picLocks noGrp="1" noChangeAspect="1"/>
+          </p:cNvPicPr>
+          <p:nvPr>
+            <p:ph idx="1"/>
+          </p:nvPr>
+        </p:nvPicPr>
+        <p:blipFill>
+          <a:blip r:embed="rId2"/>
+          <a:stretch>
+            <a:fillRect/>
+          </a:stretch>
+        </p:blipFill>
+        <p:spPr>
+          <a:xfrm>
+            <a:off x="4037428" y="1392701"/>
+            <a:ext cx="7666891" cy="4979963"/>
+          </a:xfrm>
+          <a:prstGeom prst="rect">
+            <a:avLst/>
+          </a:prstGeom>
+          <a:ln>
+            <a:noFill/>
+          </a:ln>
+          <a:effectLst>
+            <a:softEdge rad="112500"/>
+          </a:effectLst>
+        </p:spPr>
+      </p:pic>
     </p:spTree>
     <p:extLst>
       <p:ext uri="{BB962C8B-B14F-4D97-AF65-F5344CB8AC3E}">
-        <p14:creationId xmlns:p14="http://schemas.microsoft.com/office/powerpoint/2010/main" val="1954471235"/>
+        <p14:creationId xmlns:p14="http://schemas.microsoft.com/office/powerpoint/2010/main" val="3711438984"/>
       </p:ext>
     </p:extLst>
   </p:cSld>
   <p:clrMapOvr>
     <a:masterClrMapping/>
   </p:clrMapOvr>
+  <p:timing>
+    <p:tnLst>
+      <p:par>
+        <p:cTn id="1" dur="indefinite" restart="never" nodeType="tmRoot"/>
+      </p:par>
+    </p:tnLst>
+  </p:timing>
 </p:sld>
 </file>
 
@@ -3923,27 +7380,31 @@
         </p:nvSpPr>
         <p:spPr>
           <a:xfrm>
-            <a:off x="838200" y="365125"/>
-            <a:ext cx="10515600" cy="394531"/>
+            <a:off x="98475" y="2110154"/>
+            <a:ext cx="3924886" cy="1842868"/>
           </a:xfrm>
         </p:spPr>
         <p:txBody>
-          <a:bodyPr>
-            <a:normAutofit fontScale="90000"/>
-          </a:bodyPr>
+          <a:bodyPr/>
           <a:lstStyle/>
           <a:p>
             <a:r>
-              <a:rPr lang="en-GB" sz="2800" b="1" dirty="0" smtClean="0"/>
-              <a:t>Visualizations</a:t>
-            </a:r>
-            <a:endParaRPr lang="en-US" sz="2800" b="1" dirty="0"/>
+              <a:rPr lang="en-GB" sz="2100" dirty="0" smtClean="0">
+                <a:latin typeface="Calibri" panose="020F0502020204030204" pitchFamily="34" charset="0"/>
+                <a:cs typeface="Calibri" panose="020F0502020204030204" pitchFamily="34" charset="0"/>
+              </a:rPr>
+              <a:t>Also to note is that coffee house coupons are most demanded, followed by restaurant coupons, carryout &amp; take away coupons in that order.</a:t>
+            </a:r>
+            <a:endParaRPr lang="en-US" sz="2100" dirty="0">
+              <a:latin typeface="Calibri" panose="020F0502020204030204" pitchFamily="34" charset="0"/>
+              <a:cs typeface="Calibri" panose="020F0502020204030204" pitchFamily="34" charset="0"/>
+            </a:endParaRPr>
           </a:p>
         </p:txBody>
       </p:sp>
       <p:pic>
         <p:nvPicPr>
-          <p:cNvPr id="6" name="Content Placeholder 5"/>
+          <p:cNvPr id="8" name="Content Placeholder 7"/>
           <p:cNvPicPr>
             <a:picLocks noGrp="1" noChangeAspect="1"/>
           </p:cNvPicPr>
@@ -3952,63 +7413,66 @@
           </p:nvPr>
         </p:nvPicPr>
         <p:blipFill>
-          <a:blip r:embed="rId2"/>
+          <a:blip r:embed="rId2">
+            <a:clrChange>
+              <a:clrFrom>
+                <a:srgbClr val="0000FF"/>
+              </a:clrFrom>
+              <a:clrTo>
+                <a:srgbClr val="0000FF">
+                  <a:alpha val="0"/>
+                </a:srgbClr>
+              </a:clrTo>
+            </a:clrChange>
+            <a:duotone>
+              <a:prstClr val="black"/>
+              <a:schemeClr val="accent3">
+                <a:tint val="45000"/>
+                <a:satMod val="400000"/>
+              </a:schemeClr>
+            </a:duotone>
+          </a:blip>
           <a:stretch>
             <a:fillRect/>
           </a:stretch>
         </p:blipFill>
         <p:spPr>
           <a:xfrm>
-            <a:off x="2321168" y="759656"/>
-            <a:ext cx="6682155" cy="4054338"/>
+            <a:off x="4023361" y="1294228"/>
+            <a:ext cx="8018583" cy="4670474"/>
           </a:xfrm>
           <a:prstGeom prst="rect">
             <a:avLst/>
           </a:prstGeom>
+          <a:ln>
+            <a:noFill/>
+          </a:ln>
+          <a:effectLst>
+            <a:outerShdw blurRad="292100" dist="139700" dir="2700000" algn="tl" rotWithShape="0">
+              <a:srgbClr val="333333">
+                <a:alpha val="65000"/>
+              </a:srgbClr>
+            </a:outerShdw>
+          </a:effectLst>
         </p:spPr>
       </p:pic>
-      <p:sp>
-        <p:nvSpPr>
-          <p:cNvPr id="7" name="Rectangle 6"/>
-          <p:cNvSpPr/>
-          <p:nvPr/>
-        </p:nvSpPr>
-        <p:spPr>
-          <a:xfrm>
-            <a:off x="1659988" y="4813994"/>
-            <a:ext cx="7484012" cy="923330"/>
-          </a:xfrm>
-          <a:prstGeom prst="rect">
-            <a:avLst/>
-          </a:prstGeom>
-        </p:spPr>
-        <p:txBody>
-          <a:bodyPr wrap="square">
-            <a:spAutoFit/>
-          </a:bodyPr>
-          <a:lstStyle/>
-          <a:p>
-            <a:r>
-              <a:rPr lang="en-GB" b="0" i="0" dirty="0" smtClean="0">
-                <a:effectLst/>
-                <a:latin typeface="-apple-system"/>
-              </a:rPr>
-              <a:t>From the above graph , Most drivers are available and participate in receiving coupons during sunny whether compared to rainy and snowy weather</a:t>
-            </a:r>
-            <a:endParaRPr lang="en-US" dirty="0"/>
-          </a:p>
-        </p:txBody>
-      </p:sp>
     </p:spTree>
     <p:extLst>
       <p:ext uri="{BB962C8B-B14F-4D97-AF65-F5344CB8AC3E}">
-        <p14:creationId xmlns:p14="http://schemas.microsoft.com/office/powerpoint/2010/main" val="864343626"/>
+        <p14:creationId xmlns:p14="http://schemas.microsoft.com/office/powerpoint/2010/main" val="898770081"/>
       </p:ext>
     </p:extLst>
   </p:cSld>
   <p:clrMapOvr>
     <a:masterClrMapping/>
   </p:clrMapOvr>
+  <p:timing>
+    <p:tnLst>
+      <p:par>
+        <p:cTn id="1" dur="indefinite" restart="never" nodeType="tmRoot"/>
+      </p:par>
+    </p:tnLst>
+  </p:timing>
 </p:sld>
 </file>
 
@@ -4039,32 +7503,33 @@
             <p:ph type="title"/>
           </p:nvPr>
         </p:nvSpPr>
-        <p:spPr/>
-        <p:txBody>
-          <a:bodyPr>
-            <a:normAutofit/>
-          </a:bodyPr>
+        <p:spPr>
+          <a:xfrm>
+            <a:off x="253218" y="1447800"/>
+            <a:ext cx="4302799" cy="943708"/>
+          </a:xfrm>
+        </p:spPr>
+        <p:txBody>
+          <a:bodyPr/>
           <a:lstStyle/>
           <a:p>
             <a:r>
-              <a:rPr lang="en-GB" sz="2800" dirty="0"/>
-              <a:t>From </a:t>
-            </a:r>
-            <a:r>
-              <a:rPr lang="en-GB" sz="2800" dirty="0" smtClean="0"/>
-              <a:t>the graph below, </a:t>
-            </a:r>
-            <a:r>
-              <a:rPr lang="en-GB" sz="2800" dirty="0"/>
-              <a:t>drivers tend to accept coupons during the time of 6pm and 7 am</a:t>
-            </a:r>
-            <a:endParaRPr lang="en-US" sz="2800" dirty="0"/>
+              <a:rPr lang="en-GB" sz="2100" dirty="0" smtClean="0">
+                <a:latin typeface="Calibri" panose="020F0502020204030204" pitchFamily="34" charset="0"/>
+                <a:cs typeface="Calibri" panose="020F0502020204030204" pitchFamily="34" charset="0"/>
+              </a:rPr>
+              <a:t>Drivers prefer coupons that have a 1 day expiry compared to just 2 hours</a:t>
+            </a:r>
+            <a:endParaRPr lang="en-US" sz="2100" dirty="0">
+              <a:latin typeface="Calibri" panose="020F0502020204030204" pitchFamily="34" charset="0"/>
+              <a:cs typeface="Calibri" panose="020F0502020204030204" pitchFamily="34" charset="0"/>
+            </a:endParaRPr>
           </a:p>
         </p:txBody>
       </p:sp>
       <p:pic>
         <p:nvPicPr>
-          <p:cNvPr id="4" name="Content Placeholder 3"/>
+          <p:cNvPr id="5" name="Content Placeholder 4"/>
           <p:cNvPicPr>
             <a:picLocks noGrp="1" noChangeAspect="1"/>
           </p:cNvPicPr>
@@ -4080,24 +7545,37 @@
         </p:blipFill>
         <p:spPr>
           <a:xfrm>
-            <a:off x="2264898" y="1448972"/>
-            <a:ext cx="7076050" cy="4951828"/>
+            <a:off x="5106573" y="1447800"/>
+            <a:ext cx="6428936" cy="4967069"/>
           </a:xfrm>
           <a:prstGeom prst="rect">
             <a:avLst/>
           </a:prstGeom>
+          <a:ln>
+            <a:noFill/>
+          </a:ln>
+          <a:effectLst>
+            <a:softEdge rad="112500"/>
+          </a:effectLst>
         </p:spPr>
       </p:pic>
     </p:spTree>
     <p:extLst>
       <p:ext uri="{BB962C8B-B14F-4D97-AF65-F5344CB8AC3E}">
-        <p14:creationId xmlns:p14="http://schemas.microsoft.com/office/powerpoint/2010/main" val="3711438984"/>
+        <p14:creationId xmlns:p14="http://schemas.microsoft.com/office/powerpoint/2010/main" val="1525350673"/>
       </p:ext>
     </p:extLst>
   </p:cSld>
   <p:clrMapOvr>
     <a:masterClrMapping/>
   </p:clrMapOvr>
+  <p:timing>
+    <p:tnLst>
+      <p:par>
+        <p:cTn id="1" dur="indefinite" restart="never" nodeType="tmRoot"/>
+      </p:par>
+    </p:tnLst>
+  </p:timing>
 </p:sld>
 </file>
 
@@ -4130,88 +7608,110 @@
         </p:nvSpPr>
         <p:spPr>
           <a:xfrm>
-            <a:off x="838200" y="633046"/>
-            <a:ext cx="10515600" cy="773724"/>
+            <a:off x="239151" y="2180492"/>
+            <a:ext cx="3179298" cy="1111348"/>
           </a:xfrm>
         </p:spPr>
         <p:txBody>
-          <a:bodyPr>
-            <a:noAutofit/>
+          <a:bodyPr/>
+          <a:lstStyle/>
+          <a:p>
+            <a:r>
+              <a:rPr lang="en-GB" sz="2100" dirty="0" smtClean="0">
+                <a:latin typeface="Calibri" panose="020F0502020204030204" pitchFamily="34" charset="0"/>
+                <a:cs typeface="Calibri" panose="020F0502020204030204" pitchFamily="34" charset="0"/>
+              </a:rPr>
+              <a:t>Most drivers are age 21, 26 31 and 50 plus years of age respectively</a:t>
+            </a:r>
+            <a:endParaRPr lang="en-US" sz="2100" dirty="0">
+              <a:latin typeface="Calibri" panose="020F0502020204030204" pitchFamily="34" charset="0"/>
+              <a:cs typeface="Calibri" panose="020F0502020204030204" pitchFamily="34" charset="0"/>
+            </a:endParaRPr>
+          </a:p>
+        </p:txBody>
+      </p:sp>
+      <p:pic>
+        <p:nvPicPr>
+          <p:cNvPr id="5" name="Content Placeholder 4"/>
+          <p:cNvPicPr>
+            <a:picLocks noGrp="1" noChangeAspect="1"/>
+          </p:cNvPicPr>
+          <p:nvPr>
+            <p:ph idx="1"/>
+          </p:nvPr>
+        </p:nvPicPr>
+        <p:blipFill>
+          <a:blip r:embed="rId2"/>
+          <a:stretch>
+            <a:fillRect/>
+          </a:stretch>
+        </p:blipFill>
+        <p:spPr>
+          <a:xfrm>
+            <a:off x="4093698" y="1590496"/>
+            <a:ext cx="7709095" cy="5081950"/>
+          </a:xfrm>
+          <a:prstGeom prst="rect">
+            <a:avLst/>
+          </a:prstGeom>
+        </p:spPr>
+      </p:pic>
+      <p:sp>
+        <p:nvSpPr>
+          <p:cNvPr id="6" name="AutoShape 2" descr="data:image/png;base64,iVBORw0KGgoAAAANSUhEUgAAAjAAAAHOCAYAAACGgTObAAAAOXRFWHRTb2Z0d2FyZQBNYXRwbG90bGliIHZlcnNpb24zLjcuMSwgaHR0cHM6Ly9tYXRwbG90bGliLm9yZy/bCgiHAAAACXBIWXMAAA9hAAAPYQGoP6dpAABcLUlEQVR4nO2de3gU5fn+P+EUQAlHOUlMVSwe8FQVmiqKikEFBA9FkCKopVpBKyh4FqgKFNt6KILKV0UUsYoiCBRERLCKUlFAUPkBHohKQEESOQrk/f0xk0AkCWTczbOb9/5c1166O29m7vue55192J3ZSXHOOYQQQgghkohK1gKEEEIIIcqKGhghhBBCJB1qYIQQQgiRdKiBEUIIIUTSoQZGCCGEEEmHGhghhBBCJB1qYIQQQgiRdKiBEUIIIUTSoQZGCCGEEEmHGhghhBBCJB1qYIQQQgiRdKiBEUIIIUTSoQZGCCGEEEmHGhghhBlfffUV119/PS1atKBGjRrUr1+f3//+93z55Zf7jF26dClnnXUWNWrUoFmzZtx33308/fTTpKSk7DP+P//5D23atOGggw6iVq1adOjQgeXLl5ePKSFEuVDFWoAQwl/+97//8e6779KtWzeaNWvGl19+yZgxY2jbti2ffPIJNWvWBOCbb77h7LPPJiUlhdtvv52DDjqI//u//yM1NXWfdT777LP06tWL9u3b87e//Y2tW7cyZswYzjjjDD766CN+9atflbNLIUQ8SHHOOWsRQgg/2bZtGzVq1Cjy2nvvvUdmZibjx4+nZ8+eANx4442MGjWKDz/8kJNOOgmAjRs3ctRRR7Fx40a++OILfvWrX7F582bS09P5/e9/zxNPPFG4znXr1tGiRQu6du1a5HUhRPKir5CEEGbs3bzs3LmTDRs20Lx5c+rUqcOHH35YuGzmzJlkZmYWNi8A9erVo0ePHkXWN3v2bDZt2kT37t35/vvvCx+VK1emdevWzJ07N+6ehBDlg75CEkKYsW3bNoYPH87TTz/NN998w94fCOfm5hb+/1dffUVmZuY+f9+8efMiz1euXAnAOeecU+z20tLSYiFbCJEAqIERQphxww038PTTT3PTTTeRmZlJ7dq1SUlJoVu3buTn55d5fQV/8+yzz9K4ceN9llepokOeEBUFzWYhhBmTJk2iV69e/OMf/yh8bfv27WzatKnIuIyMDFatWrXP3//8tSOPPBKAhg0b0q5du9gLFkIkDDoHRghhRuXKlfn5dQT/+te/2L17d5HX2rdvz4IFC1i8eHHhaxs3bmTChAn7jEtLS2PYsGHs3Llzn+199913sRMvhDBFn8AIIczo2LEjzz77LLVr1+bYY49lwYIFvPHGG9SvX7/IuEGDBvHcc89x3nnnccMNNxReRn3YYYexceNGUlJSgOAclzFjxtCzZ09+85vf0K1bNw455BDWrFnD9OnTOf300xk1apSFVSFEjFEDI4Qw4+GHH6Zy5cpMmDCB7du3c/rpp/PGG2/Qvn37IuPS09OZO3cuN954I8OGDeOQQw6hb9++HHTQQdx4441Ur169cOwVV1xB06ZNGTFiBA888AA7duzg0EMPpU2bNlx11VXlbVEIESf0OzBCiKTlpptu4vHHH2fz5s1UrlzZWo4QohzROTBCiKRg27ZtRZ5v2LCBZ599ljPOOEPNixAeoq+QhBBJQWZmJm3btuWYY45h3bp1PPnkk+Tl5XH33XdbSxNCGKAGRgiRFFx44YVMmjSJJ554gpSUFH7zm9/w5JNPcuaZZ1pLE0IYoHNghBBCCJF06BwYIYQQQiQdamCEEEIIkXRU2HNg8vPz+fbbb6lVq1bhj1wJIYQQIrFxzvHjjz/StGlTKlUq+XOWCtvAfPvtt6Snp1vLEEIIIUQEsrOzadasWYnLK2wDU6tWLSAIIC0tLabrvhz4d0zXmHz4noHv/kEZyL/f/kEZxMt/Xl4e6enphe/jJVFhG5i9740S6wbmWiC2a0w+fM/Ad/+gDOTfb/+gDOLtf3+nf+gkXiGEEEIkHWpgIvCUtYAEwPcMfPcPykD+he8ZWPtXAyOEEEKIpKPC/hJvXl4etWvXJjc3N+bnwKwDGsV0jcmH7xn47h+Ugfz77R+UQbz8H+j7tz6BicA/rQUkAL5n4Lt/UAbyL3zPwNq/GpgIfGotIAHwPQPf/YMykH/hewbW/tXAROAIawEJgO8Z+O4flIH8C98zsPavc2AikAvUjukakw/fM/DdPygD+ffbPyiDePnXOTBxpKe1gATA9wx89w/KQP6F7xlY+1cDI4QQQoikQw1MBHpYC0gAfM/Ad/+gDORf+J6BtX81MBHw+TvPAnzPwHf/oAzkX/iegbX/MjUww4cP57TTTqNWrVo0bNiQLl26sGLFiiJj2rZtS0pKSpHHddddV2TMmjVr6NChAzVr1qRhw4YMHDiQXbt2FRnz1ltv8Zvf/IbU1FSaN2/OuHHjojmMA6OtBSQAvmfgu39QBvIvfM/A2n+ZGph58+bRt29f3nvvPWbPns3OnTvJyspiy5YtRcb16dOHtWvXFj5GjhxZuGz37t106NCBn376iXfffZdnnnmGcePGcc899xSO+eKLL+jQoQNnn302ixcv5qabbuKPf/wjs2bN+oV2hRBCCFER+EWXUX/33Xc0bNiQefPmceaZZwLBJzAnnXQSDz30ULF/85///IeOHTvy7bff0qhR8CPEjz32GLfeeivfffcd1apV49Zbb2X69OksW7as8O+6devGpk2bmDlz5gFpi+dl1GuAw2K6xuTD9wx89w/KQP799g/KIF7+y+Uy6tzcXADq1atX5PUJEybQoEEDWrZsye23387WrVsLly1YsIDjjz++sHkBaN++PXl5eSxfvrxwTLt27Yqss3379ixYsKBELTt27CAvL6/II15kDIWUlOR6xJonY7/KpMJ3/6AM5F/4noG1/ypR/zA/P5+bbrqJ008/nZYtWxa+fsUVV5CRkUHTpk1ZunQpt956KytWrOCVV14BICcnp0jzAhQ+z8nJKXVMXl4e27Zto0aNGvvoGT58OEOHDt3n9cuBqsAE4A7gK6Al0A8oODOnD7ATGBc+fwr4G7ACaA7cBfQOl/UEaA+cHL5wPXAtcCKQDQwEXgiXvQisBf4SPu8PdAdaAevDv5scLpsSbnBQ+Pw2oAPQBsgLN/wywR6bBSwE7g7HDgFOB84DdgBdQ8MHA/OA1+GivVa7DJgWPp8KXAVsADKBy4Cbw2UDCDrsSXvZ6Q98E0q9JsyxIIbccLMAzwKDgc+BY8J19QmXXR3+t+BW7GMJ7qnxKcEvOw5lz+8L9CA4Uazgu9ZRBJPmI+BQ4MHQLqH2w9hzf45/hNoXAPWBp9mTQ0eCOhgRPr8/iIl5YWzPA78P4zyPIN4h4di7gVdCDVXC//8DwW5qQ7DbbgvHDgqzmhI+n0yw29cTlEH3MFMIymQtQc4QlNFAgrI6Mfy768Nl1wJbCXKGoHbvA1YBLYBb2ZNzb4I5MDZ8/liY4zIgAxjGnqsJuodZjQqfPwKMBz4AmoSvXxouWwOcC/w9fD4y9PkOUBd4BugC5AMXEkyZ+8OxfwXeAt4EagD/Jpir24BzgLZAwZfKdxJkPYPgX1yvAr2AHwj2S2f2TJtbgNXsmVYvE9ToWuBU4ErgxnBZP4K6nxg+L+sxYkKoq7hjRE3g8fD56PD/lwDpwANAt3BZV4JcHw6fPxjqWQg0DP/u4nBZZ4J9W/CF/AhgOvA2kAY8B1wC7CI4RLUC7g3HDiHYL7OBVOAl4ApgM3AWkEWQMxz4MWIhcDYlHyNOpuIfI8aG2ynuGLGQ4FBdkY8RCwlqo6RjxMXAkZT9GLGTA8RF5LrrrnMZGRkuOzu71HFz5sxxgFu1apVzzrk+ffq4rKysImO2bNniADdjxgznnHNHHXWUGzZsWJEx06dPd4DbunVrsdvZvn27y83NLXxkZ2c7wOXm5ka1WCKMdg6S6xFrrov9KpMK3/07pwzkX/ieQbz85+bmHtD7d6SvkPr168e0adOYO3cuzZo1K3Vs69atAVi1ahUAjRs3Zt26dUXGFDxv3LhxqWPS0tKK/fQFIDU1lbS0tCKPuNF//0MqOg9aCzDGd/+gDORf+J6Btf8yNTDOOfr168fkyZN58803Ofzww/f7N4sXLwagSZMmAGRmZvLxxx+zfv36wjGzZ88mLS2NY489tnDMnDlziqxn9uzZZGZmlkVu/Hhx/0MqOl33P6RC47t/UAbyL3zPwNp/mRqYvn378txzz/H8889Tq1YtcnJyyMnJYdu2bQCsXr2ae++9l0WLFvHll18ydepUrrzySs4880xOOOEEALKysjj22GPp2bMnS5YsYdasWdx111307duX1NRUAK677jo+//xzBg0axGeffcbo0aN58cUX6d9fH30IIYQQgrKdHQEU+3j66aedc86tWbPGnXnmma5evXouNTXVNW/e3A0cOHCf77G+/PJLd8EFF7gaNWq4Bg0auJtvvtnt3LmzyJi5c+e6k046yVWrVs0dccQRhds4UA70O7Qo0NP+nBbrc2Ceif0qkwrf/TunDORf+J5BvPwf6Pt3ma5Ccvv5yZj09HTmzZu33/VkZGQwY8aMUse0bduWjz76qCzyyo811gLs8fm3D0D+QRnIv/A9A2v/uhdSFAZYC7Dnn/sfUqHx3T8oA/kXvmdg7V8NjBBCCCGSDjUwUbh5/0MqOv+wFmCM7/5BGci/8D0Da/9qYKJwmbUAeybtf0iFxnf/oAzkX/iegbV/NTBRSJCfo7Gk5LtS+YHv/kEZyL/wPQNr/2pgorDBWoA99a0FGOO7f1AG8i98z8Daf4rb37XRScqB3o47CvG4u3O8qZh7WQghREXjQN+/9QlMFKbsf0hF56L9D6nQ+O4flIH8C98zsPavBkYIIYQQSYcamChMsxZgT0drAcb47h+UgfwL3zOw9q8GJgrLrAXY09JagDG++wdlIP/C9wys/auBicJt1gLsGWEtwBjf/YMykH/hewbW/st0M0chypuEveJrCqR0Ln6RrvgSQoj4o09gonCntQB77rcWYI1qwPsakH/hewbW/tXARCHLWoA9r1sLsEY14H0NyL/wPQNr/2pgonCWtQB75lkLsEY14H0NyL/wPQNr/2pgorDZWoA9B1sLsEY14H0NyL/wPQNr/7qVQAQS9sTSUkjWvayshRDCL3QrgXjyorUAe35vLcAa1YD3NSD/wvcMrP2rgYlCqrUAe3ZYC7BGNeB9Dci/8D0Da/9qYKIw21qAPedZC7BGNeB9Dci/8D0Da/9qYKLwjrUAe063FmCNasD7GpB/4XsG1v7VwERhiLUAe4ZYC7BmiLUAe4ZYCzBmiLUAY4ZYC0gAhlgLMGaI8fbVwAghhBAi6VADE4V7rQXYc7e1AGtUA97XgPwL3zOw9q8GJgqtrAXYs9BagDWqAe9rQP6F7xlY+1cDE4X21gLsmWUtwBrVgPc1IP/C9wys/auBicIuawH2VLEWYI1qwPsakH/hewbW/nUrgQjo5+3LD2UthBB+oVsJxJNnrQXY8wdrAdaoBryvAfkXvmdg7V8NTBRi+4FOUpJnLcAa1YD3NSD/wvcMrP2rgYnC29YC7GljLcAa1YD3NSD/wvcMrP2rgYnCdGsB9nSwFmCNasD7GpB/4XsG1v7VwERhhLUAe26zFmCNasD7GpB/4XsG1v7VwAghhBAi6VADE4WR1gLsGWQtwBrVgPc1IP/C9wys/auBiUILawH2rLAWYI1qwPsakH/hewbW/tXARKGztQB7plgLsEY14H0NyL/wPQNr/2pghBBCCJF06FYCEUipDOTHdJVxJ9Z7eTdQObarLJaEvZVAJUqsgYo5o/alvGogUZF/v/2DMoiXf91KIJ48bi3AnmutBVijGvC+BuRf+J6BtX81MFFoaC3AnvXWAqxRDXhfA/IvfM/A2r8amCgstBZgTytrAdaoBryvAfkXvmdg7V8NTBQmWguwp7u1AGtUA97XgPwL3zOw9q8GJgoPWguwp7+1AGtUA97XgPwL3zOw9q8GRgghhBBJhxqYKDxsLcCev1gLsEY14H0NyL/wPQNr/2pgotDEWoA9a60FWKMa8L4G5F/4noG1fzUwUehqLcCeF60FWKMa8L4G5F/4noG1fzUwQgghhEg6dCuBCKTUBLbFdJVxJ9Z7eStQM7arLJaEvZVADUqsgYo5o/alvGogUZF/v/2DMoiXf91KIJ48YC3AnoHWAqxRDXhfA/IvfM/A2r8amCikWwuwJ9tagDWqAe9rQP6F7xlY+1cDE4Ul1gLsOdFagDWqAe9rQP6F7xlY+9c5MBFIaQZ8E9NVxp1Y7+WvgWaxXWWxJOw5MIdSYg1UzBm1L+VVA4mK/PvtH5RBvPzrHJh4MtpagD3XWwuwRjXgfQ3Iv/A9A2v/amCEEEIIkXSogYnC49YC7LnWWoA1qgHva0D+he8ZWPtXAxMFny/8D9lqLcAa1YD3NSD/wvcMrP2XqYEZPnw4p512GrVq1aJhw4Z06dKFFStWFBmzfft2+vbtS/369Tn44IO59NJLWbduXZExa9asoUOHDtSsWZOGDRsycOBAdu3aVWTMW2+9xW9+8xtSU1Np3rw548aNi+YwHvS0FmDPs9YCrFENeF8D8i98z8Daf5kamHnz5tG3b1/ee+89Zs+ezc6dO8nKymLLli2FY/r3789rr73GSy+9xLx58/j222+55JJLCpfv3r2bDh068NNPP/Huu+/yzDPPMG7cOO65557CMV988QUdOnTg7LPPZvHixdx000388Y9/ZNasWTGwLIQQQoikx/0C1q9f7wA3b94855xzmzZtclWrVnUvvfRS4ZhPP/3UAW7BggXOOedmzJjhKlWq5HJycgrHjBkzxqWlpbkdO3Y455wbNGiQO+6444ps6/LLL3ft27c/YG25ubkOcLm5uZH9lQR1nQsulk2eR6zZEPtVFot1biU+SqkBXyivGkhU5F/4nkG8/B/o+/cvOgcmNzcXgHr16gGwaNEidu7cSbt27QrHHH300Rx22GEsWLAAgAULFnD88cfTqFGjwjHt27cnLy+P5cuXF47Zex0FYwrWURw7duwgLy+vyCNu3BW/VScL91kLsEY14H0NyL/wPQNr/1Wi/mF+fj433XQTp59+Oi1btgQgJyeHatWqUadOnSJjGzVqRE5OTuGYvZuXguUFy0obk5eXx7Zt26hRo8Y+eoYPH87QoUP3ef1yoCowAbgD+ApoCfQDrgvH9AF2AuPC508BfwNWAM0J3qt6h8t6AvwOmBK+cD3BqdgnEvyu8kDghXDZi8Ba4C/h8/5Ad6AVsD78u8nhsinhBgeFz28DOgBtgLxwwy8T7LFZwELg7nDsEOB04DxgB9A1NHwwMA94HS7aa7XLgGnh86nAVcAGIBO4DLg5XDYAWANM2stOf4Lfb1sB3BTmWBBDbrhZCL4bHQx8DhwTrqtPuOzq8L9Phf8dC/wT+BQ4AhjKXqeYdA1XXPCDA/2Aa4CTQyH92XNP90mh4AHh85tDQ5mhwavZs9+mhUHcFj6/E8gCzgI2Az3C9aYCs4F3CHIGuBdoF65rF3BpaDgNeBs+2Wu1g8KsCjY7mWC3rycog+6hBQjKZO1edl4gKKdsgvK6dq8YriU4ga7gO+hxBAeTVUAL4Fb25NybYA6MDZ8/BowK7WcAw0K7hHrqh8sBHgHGAx8ATcLXLw2XrQHmA38Pn48Mfb4D1AWeAboA+cCFBLvs/nDsX4G3gDcJ7ov5b4K5ug04B2gLFHypfCfwETCD4DvvV4FewA8EZd+ZPdPmFmA1e6bVywQlsxY4FbgSuDFc1o+gLCaGz8t6jJhKkHdxx4ia7LlQbXT4/0sI7kDxANAtXNaVINeHw+cPhnoWAg3Dv7s4XNaZYN+ODJ+PAKYDbxOU3nPAJQQl2Z6gvu4Nxw4h2C+zCUr6JeAKglI/i6D07wzHHugxYiHBcaWkY8TJBFM13seIHkBt9vw00yjgSYKaOTTMtGu47DLgsHBdAP8ItS8gqPun2XOs7EhQByPC5/cDrxMcUg8GnieYo6sIDr2ns+cQcXeYzyyCQ/YrwB8IDuVtCA7tFeEYsZBgPpV0jLgYOJKyHyN2coBE/YjnuuuucxkZGS47O7vwtQkTJrhq1artM/a0005zgwYNcs4516dPH5eVlVVk+ZYtWxzgZsyY4Zxz7qijjnLDhg0rMmb69OkOcFu3bi1Wz/bt211ubm7hIzs7O35fIY1MgK8wjL9CuiX2qywW69xKfJRSA75QXjWQqMi/8D2DePk/0K+QIn0C069fP6ZNm8b8+fNp1mzPDwk3btyYn376iU2bNhX5FGbdunU0bty4cMzChQuLrK/gKqW9x/z8yqV169aRlpZW7KcvAKmpqaSmpkaxU3b+Vj6bSWRutRZgjWrA+xqQf+F7Btb+y3QOjHOOfv36MXnyZN58800OP/zwIstPOeUUqlatypw5cwpfW7FiBWvWrCEzMxOAzMxMPv74Y9avX184Zvbs2aSlpXHssccWjtl7HQVjCtZhzlP7H1LRuXr/Qyo2qgHva0D+he8ZWPsv0ycwffv25fnnn2fKlCnUqlWr8JyV2rVrU6NGDWrXrs0111zDgAEDqFevHmlpadxwww1kZmby29/+FoCsrCyOPfZYevbsyciRI8nJyeGuu+6ib9++hZ+gXHfddYwaNYpBgwZx9dVX8+abb/Liiy8yffr0GNsXQgghRFJSlu+lgGIfTz/9dOGYbdu2ueuvv97VrVvX1axZ01188cVu7dq1Rdbz5ZdfugsuuMDVqFHDNWjQwN18881u586dRcbMnTvXnXTSSa5atWruiCOOKLKNAyGul1FfnADnYBifA/Ny7FdZLNa5lfgopQZ8obxqIFGRf+F7BvHyH5dzYJxz+x1TvXp1Hn30UR599NESx2RkZDBjxoxS19O2bVs++uijssgrPw74FOmKS1VrAdaoBryvAfkXvmdg7V/3QopCn/0PqeiM3f+Qio1qwPsakH/hewbW/tXACCGEECLpSHEH8r1QEpKXl0ft2rXJzc0lLS0tputOaUrwa0JJRKz38rdA09iuslhSUsphI1FoQok1UDFn1L6UVw0kKvLvt39QBvHyf6Dv3/oEJgr99j+kojNq/0MqNqoB72tA/oXvGVj7VwMThZbWAuxZZi3AGtWA9zUg/8L3DKz9q4GJwlfWAuzJsBZgjWrA+xqQf+F7Btb+dQ5MBFJqEdwFLYmI9V7+EagV21UWS8KeA3MwJdZAxZxR+1JeNZCoyL/f/kEZxMu/zoGJJxP2P6Si02P/Qyo2qgHva0D+he8ZWPuPdDNHIUTFItInXVMgpXPMpRwwvnzSJYQoHn0CE4WJ1gLs6W4twBrVgPcZ+D4HfPcPysDavxqYKGywFmBPfWsB1qgGvM/A9zngu39QBtb+1cBEQb8BYn79vzmqAe8z8H0O+O4flIG1fzUwQgghhEg6dBl1BFJ+RdL9Dkis9/KXwK9iu8piSdjLqDMosQaScUZFyrmUDMoD65y/pHzmQKLyJX77B2XwJfHxr8uo48mV1gLsGW8twBrVgPcZ+D4HfPcPysDavxqYKJxqLcCeD6wFWKMa8D4D3+eA7/5BGVj7VwMThSS7E3U8aGItwBrVgPcZ+D4HfPcPysDav86BiUBKVWBXTFcZd2K9l3cCVWO7ymJJ2HNgqlBiDSTjjIqUcykZlAfWOZfXHEhUfPcPyiBe/nUOTDx52VqAPZdaC7BGNeB9Br7PAd/9gzKw9q8GRgghhBBJhxqYKEy2FmDPxdYCrFENeJ+B73PAd/+gDKz9q4GJwmprAfYcaS3AGtWA9xn4Pgd89w/KwNq/Gpgo3GItwJ6/WwuwRjXgfQa+zwHf/YMysPavBkYIIYQQSYcamCgMshZgz0hrAdaoBrzPwPc54Lt/UAbW/tXARKGztQB7plgLsEY14H0Gvs8B3/2DMrD2rwYmCqdbC7DnHWsB1qgGvM/A9zngu39QBtb+1cBE4QdrAfbUtRZgjWrA+wx8nwO++wdlYO1ftxKIQML+vH0pJOteVtblg3IWQiQKupVAPPH8B7wAulgLsEY14H0GXawFGNPFWkAC0MVagDFdjLevBiYKSo18awHWqAa8z8D3OeC7f1AG1v49PwRFZIa1AHsutBZgjWrA+wx8nwO++wdlYO1fDUwUPrIWYM/J1gKsUQ14n4Hvc8B3/6AMrP2rgYnCndYC7LnfWoA1qgHvM/B9DvjuH5SBtf8qxtsXQgiRwJR4hdoUSEnQHzPUFWp+oE9gonCPtQB7/motwBrVgPcZaA5YC7DH9xqw9q8GJgptrQXY85a1AGvaWgtIANpaC7DlLWsB1rS1FmDPW9YCjHnLePtqYKJwjrUAe960FmCNasD7DDQHrAXY43sNWPtXAxOFbdYC7KlhLcAa1YD3GWgOWAuwx/casPavWwlEQD+7Xn4o6/JBOYuSUG2I8ka3EognL1gLsOdyawHWqAa8z0BzwFqAPb7XgLV/NTBRsP7cLAHw/tNj1YD3GWgOWAuwx/casPavBiYK1mcuJQDen7+nGvA+A80BawH2+F4D1v7VwEThLWsB9rS1FmDNW9YCEoC3rAXY0tZagDVvWQuwp621AGPaGm9fDUwUrH+9JwHw/jesVAPeZ6A5YC3AHt9rwNq/GhghhBBCJB1qYKJgfQerBMDz+/ipBsD7DDQHrAXY43sNWPtXAxMF63uIJwAfWQuwRjXgfQaaA9YC7PG9Bqz9q4GJwoXWAuyZYS3AGtWA9xloDlgLsMf3GrD2rwYmCvnWAuzxvnBUA95noDlgLcAe32vA2r9uJRAB/bR2+aGsywflLEpCtSHKG91KIJ6MsxZgTy9rAdaMsxaQAIyzFmCL5oC1AHt8rwFr/2pgolDXWoA9P1gLsEY14H0GmgPWAuzxvQas/auBicI71gLsOd1agDWqAe8z0BywFmCP7zVg7V8NTBSmWAuwp7O1AGtUA95noDlgLcAe32vA2r8amCiMtBZgzyBrAdaoBrzPQHPAWoA9vteAtX81MEIIIYRIOtTAROHv1gLsucVagDWqAe8z0BywFmCP7zVg7V8NTBSOtBZgz2prAdaoBrzPQHPAWoA9vteAtf8yNzDz58+nU6dONG3alJSUFF599dUiy3v37k1KSkqRx/nnn19kzMaNG+nRowdpaWnUqVOHa665hs2bNxcZs3TpUtq0aUP16tVJT09n5MgE+sL1YmsB9ky2FmCNasD7DDQHrAXY43sNWPsvcwOzZcsWTjzxRB599NESx5x//vmsXbu28DFx4sQiy3v06MHy5cuZPXs206ZNY/78+fzpT38qXJ6Xl0dWVhYZGRksWrSIBx54gCFDhvDEE0+UVa4QQgghKiC/6FYCKSkpTJ48mS5duhS+1rt3bzZt2rTPJzMFfPrppxx77LH873//49RTTwVg5syZXHjhhXz99dc0bdqUMWPGcOedd5KTk0O1atUAuO2223j11Vf57LPPDkhbXG8lUBXYFdNVxp1Y/7T2TqBqbFdZLAn7M+ZVKLEGkvFnzCPlXEoG5YF1zuU1B6wpsTaM939plFdt+FIDJREv/6a3Enjrrbdo2LAhLVq04M9//jMbNmwoXLZgwQLq1KlT2LwAtGvXjkqVKvH+++8XjjnzzDMLmxeA9u3bs2LFCn74ofjf/tuxYwd5eXlFHnFjVPxWnSz0sxZgjWrA+ww0B6wF2ON7DVj7rxLrFZ5//vlccsklHH744axevZo77riDCy64gAULFlC5cmVycnJo2LBhURFVqlCvXj1ycnIAyMnJ4fDDDy8yplGjRoXL6tbd9zeshw8fztChQ/d5/XKCDnECcAfwFdCSIPjrwjF9CDrJceHzp4C/ASuA5sBdQO9wWU+AE9nzI07XA9eGr2UDA4EXwmUvAmuBv4TP+wPdgVbA+vDvCr5EnBJusODC+tuADkAbIC/c8MsEe2wWsBC4Oxw7hOAnEc8DdgBdQ8MHA/OA1+GivVa7DJgWPp8KXAVsADKBy4Cbw2UDgDXApL3s9Ae+CaWuYU8BXw/khpsFeBYYDHwOHBOuq0+47Orwv0+F/x0L/BP4FDgCGBrahdBLbrgBwg1eA5wcCukfCiMUuibcGKGRy0JjG8INF+y3aWEQt4XP7wSygLOAzUCPcL2pwGyCXx0dEo69N1znFIJ/gV4aGk4D3oZP9lrtoDCrgs1OJtjt6wnKoHtoAYIyWbuXnRcIyimboLyu3SuGa4Gt4WYhqN37gFVAC+BW9uTcm2AOjA2fP0bw3rMMyACGsZfAiWFWBTv2RuBK4NRQXD+COgRIJ6jPgksRBhH8stXpBL8x3js0XAmYAXxEkDPAPUBb4BxgG9AtNFwDeBN4C/hrOPZ+gv19IcEdkC8ODF8Ubqoze6bNLQQnFhZMq5dDyWtDC1eGlghf3xBahrIfI+YQaCjuGFETeDx8Pjr8/yVhZA+EdiEo7ybAw+HzB0M9C4GG4d8VnGrSmWDfFpwNOAKYDrxNUHrPAZcQlGR7gvq6Nxw7hKCEZxOU9EvAFQSlfhZB6Rfsmp8fIwoN1wcWEMyzf4QbmAgcRjDPCgw9CBxKsL+fZE+jMxqoTTC3CoIaSjDpPyU4CBQUacHBoaCI+xDM62MIDiqD2VP8E9jnGDE43PyhoZyu4aLLQrn/DJ//I7SzILT3NHuOlR0J6mBE+Px+4HWCQ+rBwPPAawS1dR5BLQ4Jx95NsA9nERyyXwH+QHAob0NwaE+2Y0TBbuseZjUq9Hg7MB74gKCWRxEcEiGo3SPZc8HayNDnOwR3ongG6EIwrS8kmOb3E8y1A8L9AgA3efLkUsesXr3aAe6NN95wzjl3//33u1//+tf7jDvkkEPc6NGjnXPOnXfeee5Pf/pTkeXLly93gPvkk0+K3c727dtdbm5u4SM7O9sBLjc3N4Kz0uFu54IPKZPnEWuGxn6VxWKdW4mPUmogGYl1BslY02WlvOaANYm6/xOhNnypgZKIl//c3Fx3IO/fcb+M+ogjjqBBgwasWrUKgMaNG7N+/foiY3bt2sXGjRtp3Lhx4Zh169YVGVPwvGDMz0lNTSUtLa3II26Mj9+qk4UrrQVYoxrwPgPNAWsB9vheA9b+497AfP3112zYsIEmTZoAkJmZyaZNm1i0aFHhmDfffJP8/Hxat25dOGb+/Pns3Lnng6TZs2fTokWLYr8+KncesRZgz437H1KxUQ14n4HmgLUAe3yvAWv/ZW5gNm/ezOLFi1m8eDEAX3zxBYsXL2bNmjVs3ryZgQMH8t577/Hll18yZ84cOnfuTPPmzWnfvj0AxxxzDOeffz59+vRh4cKFvPPOO/Tr149u3brRtGlTAK644gqqVavGNddcw/Lly/n3v//Nww8/zIABA0qSJYQQQgifKOt3U3PnznXAPo9evXq5rVu3uqysLHfIIYe4qlWruoyMDNenTx+Xk5NTZB0bNmxw3bt3dwcffLBLS0tzV111lfvxxx+LjFmyZIk744wzXGpqqjv00EPdiBEjyqTzQL9DiwLn2X/Ha/2d8KzYr7JYrHMr8VFKDSQjsc4gGWu6rJTXHLAmUfd/ItSGLzVQEvHyf6Dv32W+Cqlt27Y450pcPmvWrP2uo169ejz//POljjnhhBN4++23yyqvfKhvLcCeDfsfUrFRDXifgeaAtQB7fK8Ba/+6F1IUulsLsGfi/odUbFQD3megOWAtwB7fa8DavxoYIYQQQiQdv+hWAolMXG8lUIvgF6CSiFjv5R+BWrFdZbEk7K0EDqbEGkjGGRUp51IyKA+scy6vOWBNibVhvP9Lo7xqw5caKIl4+Te9lUCFZ5i1AHvusBZgjWrA+ww0B6wF2ON7DVj7VwMThQxrAfZ8ZS3AGtWA9xloDlgLsMf3GrD2rwYmCsusBdjT0lqANaoB7zPQHLAWYI/vNWDtX+fARCClKcEdtZKIWO/lb4GmsV1lsSTsOTBNKLEGknFGRcq5lAzKA+ucy2sOWFNibRjv/9Ior9rwpQZKIl7+dQ5MPHnMWoA91+1/SMVGNeB9BpoD1gLs8b0GrP2rgRFCCCFE0qEGJgpjrQXY08dagDWqAe8z0BywFmCP7zVg7V8NTBSqWguwZ+f+h1RsVAPeZ6A5YC3AHt9rwNq/Gpgo9LYWYM84awHW9LYWkAD0thZgyzhrAdb0thZgzzhrAcaMM96+GhghhBBCJB26jDoCKQ2wvw1nGYn1Xv4eaBDbVRZLwl5GXZ8SayAZZ1SknEvJoDywzrm85oA1JdaG8f4vjfKqDV9qoCTi5V+XUceTW60F2PM3awHWqAa8z0BzwFqAPb7XgLV/NTBRaGEtwJ4V1gKsUQ14n4HmgLUAe3yvAWv/amCisMpagD3NrQVYoxrwPgPNAWsB9vheA9b+dQ5MBFLqAT/EdJVxJ9Z7eSNQL7arLJaEPQemLiXWQDLOqEg5l5JBeWCdc3nNAWtKrA3j/V8a5VUbvtRAScTLv86BiSfjrAXY09tagDXjrAUkAOOsBdjS21qANeOsBdjT21qAMb2Nt68GRgghhBBJhxqYKDxrLcCentYCrFENeJ+B5oC1AHt8rwFr/2pgorDVWoA9Na0FWKMa8D4DzQFrAfb4XgPW/tXAROFaawH2PG4twBrVgPcZaA5YC7DH9xqw9q8GRgghhBBJhy6jjkBKM+CbmK4y7sR6L38NNIvtKoslYS+jPpQSayAZZ1SknEvJoDywzrm85oA1JdaG8f4vjfKqDV9qoCTi5V+XUccTfXRq/tGhOaoB7zPQHLAWYI/vNWDtXw1MFE60FmDPEmsB1qgGvM9Ac8BagD2+14C1fzUwUci2FmBPurUAa1QD3megOWAtwB7fa8Dav86BiUBKTWBbTFcZd2K9l7dSPpfQJew5MDUosQaScUZFyrmUDMoD65zLaw5YU2JtGO//0iiv2vClBkoiXv51Dkw8ecFagD3drAVYoxrwPgPNAWsB9vheA9b+qxhvXwghhIgp5fbJ7RRI6RybVVl/opiM6BOYKLxoLcCertYCrFENeJ+B5oC1gATA8wys54AamCistRZgTxNrAdaoBrzPQHPAWkAC4HkG1nNADUwU/mItwJ6HrQVYoxrwPgPNAWsBCYDnGVjPATUwQgghhEg61MBEob+1AHsetBZgjWrA+ww0B6wFJACeZ2A9B9TARKG7tQB7JloLsEY14H0GmgPWAhIAzzOwngNqYKLQylqAPQutBVijGvA+A80BawEJgOcZWM8BNTBRWG8twJ6G1gKsUQ14n4HmgLWABMDzDKzngG4lEIGUykB+TFcZd2K9l3cDlWO7ymJJ2FsJVKLEGkjGGRUp51IyKA+scy6vOWBNibVhvP8TghhmYF3PUYjXHNCtBOLJZGsB9lxsLcAa1YD3GWgOWAtIADzPwHoOqIERQgghRNKhBiYKU6wF2BOj238kL6oB7zPQHLAWkAB4noH1HFADE4UV1gLsaWEtwBrVgPcZaA5YC0gAPM/Aeg6ogYnCIGsB9oy0FmCNasD7DDQHrAUkAJ5nYD0H1MAIIYQQIulQAxOF26wF2DPCWoA1qgHvM9AcsBaQAHiegfUcUAMThQ7WAuyZbi3AGtWA9xloDlgLSAA8z8B6DqiBiUIbawH2vG0twBrVgPcZaA5YC0gAPM/Aeg6ogYlCnrUAe2L728ZJiGrA+ww0B6wFJACeZ2A9B3QrgQgk7M/bl0Ky7mVlXT4oZ1ESyVgbyYjqeQ+6lUA8edlagD2XWAuwRjXgfQaaA9YCEgDPM7CeA2pgolDFWoA9u6wFWKMa8D4DzQFrAQmA5xlYzwE1MFGYZS3AnvbWAqxRDXifgeaAtYAEwPMMrOeAGpgoLLQWYE8rawHWqAa8z0BzwFpAAuB5BtZzQA1MFO62FmDPvdYCrFENeJ+B5oC1gATA8wys54AaGCGEEEIkHZ6fghSRIdYC7BliLcCaIdYCEoAhtps3v7z3ZEj5qGx/UqEulR1iLSABGGItwJYhxtvXJzBRON1agD3vWAuwRjWgDORfeJ6B9ftAmRuY+fPn06lTJ5o2bUpKSgqvvvpqkeXOOe655x6aNGlCjRo1aNeuHStXriwyZuPGjfTo0YO0tDTq1KnDNddcw+bNm4uMWbp0KW3atKF69eqkp6czcqT1jbv34jxrAfbMthZgjWpAGci/8DwD6/eBMjcwW7Zs4cQTT+TRRx8tdvnIkSN55JFHeOyxx3j//fc56KCDaN++Pdu3by8c06NHD5YvX87s2bOZNm0a8+fP509/+lPh8ry8PLKyssjIyGDRokU88MADDBkyhCeeeCKCxTiww1qAPanWAqxRDSgD+ReeZ2D+PuB+AYCbPHly4fP8/HzXuHFj98ADDxS+tmnTJpeamuomTpzonHPuk08+cYD73//+VzjmP//5j0tJSXHffPONc8650aNHu7p167odO3YUjrn11ltdixYtDlhbbm6uA1xubm5UeyUSfJOdXI9kxTo3X7K2zsyXRzJinZkvD7GHA33/juk5MF988QU5OTm0a9eu8LXatWvTunVrFixYAMCCBQuoU6cOp556auGYdu3aUalSJd5///3CMWeeeSbVqlUrHNO+fXtWrFjBDz/8EEvJ0ZhgLcCeK6wFWKMaUAbyLzzPwPp9IKZXIeXk5ADQqFGjIq83atSocFlOTg4NGzYsKqJKFerVq1dkzOGHH77POgqW1a1bd59t79ixgx079nyel5cXx9uEHhy/VScLm/c/pGKjGlAG8i88z8D6faDCXEY9fPhwhg4dus/rlwNVCRrlO4CvgJZAP+C6cEwfYCcwLnz+FPA3YAXQHLgL6B0u6wmwHpgSvnA9cC1wIpANDAReCJe9CKwF/hI+7w90J/j5wvXh300Ol00JNzgofH4b0AFoQ3DL9p4ENw6rQvDz1QvZ8yNKQwjOhj+P4DvZrqHhg4F5wOtw0V6rXQZMC59PBa4CNgCZwGXAzeGyAcAaYNJedvoD3wDbw2X99oohlz3/IHkWGAx8DhwTrqtPuOzq8L9Phf8dC/wT+BQ4Ahga2oXQS264AcINXgOcHArpHwojFLom3BihkctCYxvCDRfst2lhELeFz+8EsoCzCGZlj3C9qQRnqr3DnmsG7yW4CciU8L+XhobTgLfhk71WO4hgtxZsdjLBbl9PUAbdQwsQlMnavey8QFBO2QTlde1eMVwLbA03C0Ht3gesAloAt7In594Ec2Bs+PwxYFRoPwMYxl4CJ4ZZFezYG4ErgVNDcf3YcwO7rQT1ecteZjsT1OIP4YYnE5xpNwP4iCBngHuAtsA5wDagW2i4BvAm8Bbw13Ds/QT7+0IgH7g4NFyXYL9MAQrO8f87cGQ4BoJ9MwpoAnwAjAceCZeNAuoT7AQI9vmwMJRl4fLHwmVjwxB7h8+vBmqF215FEP64cNmzYTbXhs/3Okb0BR4I7UJQ3k2Ah8PnDxLsgoVAQ+Dxvax0Jti3BVZHANOBtwlK7zmCm+vtIviJ91bs+aGxIWFUswlK+iWCfz1vJij5LPbsmp8fI4BgstYHFhDMs38Q5HwWcBjBPCsw9CBwKMH+fjLMEWA0UJsgZwgm+VCCSf8pwUGgoEgLDg4FRdyHYF4fQ3BQGcye4p+A3TEiIxxf3DGiFcGOKOYYwXSCHQjBDm2x5xidqMeIgt3WnaAURgGrgS8JptUHBLU8KrQLQe0eSTAtC6xOCaOqCzwDdCGY1hcS7LL7Cd6PD4hf8j0VFD0HZvXq1Q5wH330UZFxZ555prvxxhudc849+eSTrk6dOkWW79y501WuXNm98sorzjnnevbs6Tp37lxkzJtvvukAt3HjxmK1bN++3eXm5hY+srOzD+g7tCjQ0v77UuvvV5fGfpXFYp1biY9SaiAZiXUGXjwi+E9GtP/LJ4NkJF7vAybnwBx++OE0btyYOXPmFL6Wl5fH+++/T2ZmJgCZmZls2rSJRYsWFY558803yc/Pp3Xr1oVj5s+fz86de/qw2bNn06JFi2K/PgJITU0lLS2tyCNu3B+/VScLd+5/SMVGNaAM5F94noH1+0CZG5jNmzezePFiFi9eDAQn7i5evJg1a9aQkpLCTTfdxH333cfUqVP5+OOPufLKK2natCldunQB4JhjjuH888+nT58+LFy4kHfeeYd+/frRrVs3mjZtCsAVV1xBtWrVuOaaa1i+fDn//ve/efjhhxkwYEAJqoQQQgjhFWX9aGfu3LkO2OfRq1cv51xwKfXdd9/tGjVq5FJTU925557rVqxYUWQdGzZscN27d3cHH3ywS0tLc1dddZX78ccfi4xZsmSJO+OMM1xqaqo79NBD3YgRI8qkM66XUWcmwEeXxh9PvhP7VRaLdW4lPkqpgWQk1hl48YjgPxnR/i+fDJKReL0PHOj7d4pzzhn2T3EjLy+P2rVrk5ubG/Ovk1L+xJ6znZKEWO/lJ4A/7XfUL8f8fjcl0YcSayAZZ1SknEvJwAsi+K9QteH7/oeYZpCMtRGv94EDff/WvZCi0NFagD3T9j+kYqMaUAbyLzzPwPp9QA2MEEIIIZIOfYUUgYT9WqMUknUvK+vyIRlzTkZUG6IkkrE24oW+QoonT+1/SEXnKmsB1qgGlIH8C88zsH4fUAMThfrWAuzZYC3AGtWAMpB/4XkG1u8DamCisMBagD2Z1gKsUQ0oA/kXnmdg/T6gBiYKk/Y/pKJz2f6HVGxUA8pA/oXnGVi/D6iBicI/rAXYc/P+h1RsVAPKQP6F5xlYvw+ogRFCCCFE0qEGJgr/tBZgj/d3pVINKAP5F55nYP0+oAYmCodZC7BnjbUAa1QDykD+hecZWL8PqIGJgvWZSwmA5+euqQZAGci/8DwD6/cBNTBCCCGESDp0K4EIpFQHdsR0lXEn1nt5O1A9tqssloT9GfNUSqyBZJxRkXIuJQMviOC/QtWG7/sfYppBMtZGvN4HdCuBePKgtQB7+lsLsEY1oAzkX3iegfX7gBqYKBxqLcCeb6wFWKMaUAbyLzzPwPp9QA1MFD6yFmDPydYCrFENKAP5F55nYP0+oAYmCk9aC7DnGmsB1qgGlIH8C88zsH4fUAMThVHWAuzpZy3AGtWAMpB/4XkG1u8DamCEEEIIkXSogYnCaGsB9lxvLcAa1YAykH/heQbW7wNqYKJQ21qAPbnWAqxRDSgD+ReeZ2D9PqAGJgo9rAXYM8FagDWqAWUg/8LzDKzfB9TACCGEECLp0K0EIpBSG8iL6SrjTqz3ci7l8+lpwt5KII0SayAZZ1SknEvJwAsi+K9QteH7/oeYZpCMtRGv9wHdSiCeDLUWYM9gawHWqAaUgfwLzzOwfh9QAxOFI6wF2PO5tQBrVAPKQP6F5xlYvw+ogYnCp9YC7DnGWoA1qgFlIP/C8wys3wd0DkwEUhoB62O6yrgT6728DmgU21UWS8KeA9OQEmsgGWdUpJxLycALIvivULXh+/6HmGaQjLURr/cBnQMTT8ZaC7Cnj7UAa1QDykD+hecZWL8PqIERQgghRNKhBiYKT1kLsOdqawHWqAaUgfwLzzOwfh9QAyOEEEKIpEMNTBSs284EwPN/eKgGQBnIv/A8A+v3ATUwQgghhEg6dBl1BHQZtS6j1mXU6DJaXUbt9/4HXUaNLqNOPgZYC7Dnn9YCrFENKAP5F55nYP0+oAYmCtY/P5gAeP4DlKoBUAbyLzzPwPp9QA1MFKxvAJEAeH4LENUAKAP5F55nYP0+oHNgIpBSm6S7jXys93K8bqP+cxL2HJg0SqyBZJxRkXIuJQMviOC/QtWG7/sfYppBMtZGvN4HdA5MPHnWWoA9Pa0FWKMaUAbyLzzPwPp9QA2MEEIIIZIONTBRmGAtwJ4e1gKsUQ0oA/kXnmdg/T6gBiYKudYC7CmP818SGtWAMpB/4XkG1u8DamCicL21gLKTkhLbxwVTY7/O4h4JSxLWQMzxPQP5F55nMNp4+2pghBBCCJF06DLqCKQcBmTHdJXJRzp+Z1CK/2ScUZE+7VINlNl/haoN3/c/xDSDZKyNNcBhcVivLqOOJ9dYC0gAfM/Ad/+gDORfeJ7Bk8bbVwMThZOtBSQAvmfgu39QBvIvPM/gI+Ptq4GJwjfWAhIA3zPw3T8oA/kXnmdwqPH2dQ5MBFKqAztiusrkIxW/MyjFfzLOqEjnwKgGyuy/QtWG7/sfYppBMtbGdqB6HNarc2DiyYvWAhIA3zPw3T8oA/kXnmfQ1Xj7amCEEEIIkXSogYnCJGsBCYDvGfjuH5SB/AvPM7jMePtqYKKwxlpAAuB7Br77B2Ug/8LzDOLxGzBlQQ1MFAZYC0gAfM/Ad/+gDORfeJ7BP423rwZGCCGEEEmHGpgo3GwtIAHwPQPf/YMykH/heQb/MN6+GpgoWJ+5lAj4noHv/kEZyL/wPAPrc5hj3sAMGTKElJSUIo+jjz66cPn27dvp27cv9evX5+CDD+bSSy9l3bp1RdaxZs0aOnToQM2aNWnYsCEDBw5k165dsZYanUxrAQmA7xn47h+UgfwLzzNYYLz9KvFY6XHHHccbb7yxZyNV9mymf//+TJ8+nZdeeonatWvTr18/LrnkEt555x0Adu/eTYcOHWjcuDHvvvsua9eu5corr6Rq1aoMGzYsHnLLzgZrAQmA7xn47h+UgfwLzzOoby3AxZjBgwe7E088sdhlmzZtclWrVnUvvfRS4WuffvqpA9yCBQucc87NmDHDVapUyeXk5BSOGTNmjEtLS3M7duw4YB25ubkOcLm5udGMlELwo8966FH8IxmxzsyXRzJinZkvD7GHA33/jss5MCtXrqRp06YcccQR9OjRgzVrgovlFy1axM6dO2nXrl3h2KOPPprDDjuMBQuCD6MWLFjA8ccfT6NGjQrHtG/fnry8PJYvXx4PuWVnirWABMD3DHz3D8pA/oXnGVxkvP2Yf4XUunVrxo0bR4sWLVi7di1Dhw6lTZs2LFu2jJycHKpVq0adOnWK/E2jRo3IyckBICcnp0jzUrC8YFlJ7Nixgx079txVKy8vL0aOhBBCCJFoxLyBueCCCwr//4QTTqB169ZkZGTw4osvUqNGjVhvrpDhw4czdOjQfV6/HKgKTADuAL4CWgL9gOvCMX2AncC48PlTwN+AFUBz4C6gd7isJ+FKCjrv64FrgROBbGAg8EK47EVgLfCX8Hl/oDvQClgf/t3kcNmUcIODwue3AR2ANkBeuOGXCfbYLGAhcHc4dghwOnAewZ1Ru4aGDwbmAa8D94djR4QBdAyfdw4N1yc4I2sSe66N+yfBTy0WnGnfFXiQ4B7qKUA6MCpcNhqoDfTYK6ihwBHAp+G6xobLngr/e3X43z4EPwh1DPA5MBh4Nlw2AcglyBmCHXcNcDLBrez7s+eGapMIfhmz4Melbg61ZxJ8V301e/bbNGAZQc4AdwJZwFnA5tDHiwR3m50NvEOQM8C94ZgpwC7g0lBvGvA2fLLXagcR7NaCzU4m2O3rCcqge2gBgjJZu5edFwjKKZugvK7dK4Zrga17xTQOuA9YBbQAbmVPvL0J5kBB/I8R7LZlQAYwjL0ETgyz6hc+vxG4Ejg1FNePoA4BNhLU5y17me1MUIs/hBueTHCpwAzgI4KcAe4B2gLnANuAbqHhGsCbwFvAX8Ox9xPs7wuBfODi0HBdgv0yBRgZjv07cGQ4BoJ9MwpoAnwAjAceCZeNIqj77uHzHmEYGWE4o8KwCMOryp4DwdUEtTGFIPT72HMAeZZg51wbPt/rGNEXeCC0C8GUagI8HD5/kGAXLAQaAo/vZaUzwb4tsDoCmA68TVB6zwGXEJRke4L6ujccOySManYo+yXgCoIyPoug9At2zW2h/WnsRXHHiIzwj0s6RnwEPEnFPkYcGo4v7hjRimBHFHOMYDrBDoRgh7aAlKnh84sJdnxDgkKYGGYKQaE0Yc9dFLsRFFQ6sCT8u9HhsseBmoRvWgS1exfBm9oKgje5gpzHEbwJ9gmfXxfm2JLg/e4OgpyhyDHihIvgS4Jp9UEobVRot8DKkQTTssDqlDCqusAzQBeCaX0hwS67P5RyIKQ459wBjo3MaaedRrt27TjvvPM499xz+eGHH4p8CpORkcFNN91E//79ueeee5g6dSqLFy8uXP7FF19wxBFH8OGHH3LyyScXu43iPoFJT0/f7+24o5DyO+xPv7YmE78zKMV//GdU7ElJifBHqoEy+69QteH7/gfvM3jHwe/isN68vDxq16693/fvuP8OzObNm1m9ejVNmjThlFNOoWrVqsyZM6dw+YoVK1izZg2ZmcH1aJmZmXz88cesX7++cMzs2bNJS0vj2GOPLXE7qamppKWlFXnEjdv2P6TC43sGvvsHZSD/wvMMRux/SFyJ+VdIt9xyC506dSIjI4Nvv/2WwYMHU7lyZbp3707t2rW55pprGDBgAPXq1SMtLY0bbriBzMxMfvvb3wKQlZXFscceS8+ePRk5ciQ5OTncdddd9O3bl9TU1FjLFUIIIUQyEuvLny6//HLXpEkTV61aNXfooYe6yy+/3K1atapw+bZt29z111/v6tat62rWrOkuvvhit3bt2iLr+PLLL90FF1zgatSo4Ro0aOBuvvlmt3PnzjLpiOtl1C3tL7kzf/ieQSn+kxHVQPn4T0a0/5VBSY+lcaq5A33/jvknMC+88EKpy6tXr86jjz7Ko48+WuKYjIwMZsyYEWtpsSOL4OQun/E9A9/9gzKQf7/9g/cZvA4cb7h93QspCmdZC0gAfM/Ad/+gDORfeJ7BPOPtq4GJwmZrAQmA7xn47h+UgfwLzzM42Hj75XIZtQUHehlWFCJdciq8IRlnlGq6fFBtiIpEvOo5YS6jrpC8uP8hFR7fM/DdPygD+ReeZ/B74+2rgYmCruZWBr77B2Ug/8LzDHbsf0hcUQMThdnWAhIA3zPw3T8oA/kXnmdwnvH21cBE4R1rAQmA7xn47h+UgfwLzzM43Xj7amCiMMRaQAIwxFqAMUOsBSQAQ6wFGDPEWoAxQ6wFJABDrAXYMsR4+2pghBBCCJF0qIGJwr37H1Lh8T0D3/2DMpB/4XkGdxtvXw1MFFpZC0gAfM/Ad/+gDORfeJ7BQuPtq4GJQntrAQmA7xn47h+UgfwLzzOYZbx9NTBR2GUtIAHwPQPf/YMykH/heQYxvxt0GdGtBCKgn9YWpZGMM0o1XT6oNkRFQrcSSEaetRaQAPiege/+QRnIv/A8gz8Yb18NTBRi+4FOcuJ7Br77B2Ug/8LzDPKMt68GJgpvWwtIAHzPwHf/oAzkX3ieQRvj7auBicJ0awEJgO8Z+O4flIH8C88z6GC8fTUwURhhLSAB8D0D3/2DMpB/4XkGtxlvXw2MEEIIIZIONTBRGGktIAHwPQPf/YMykH/heQaDjLevBiYKLawFJAC+Z+C7f1AG8i88z2CF8fbVwEShs7WABMD3DHz3D8pA/oXnGUwx3r4aGCGEEEIkHbqVQARSKgP5MV1l8lEJvzMoxX8yzqhIPxevGiiz/wpVG77vf/A+g10OKsdhvbqVQDx53FpAAuB7Br77B2Ug/8LzDK413r4amCg0tBaQAPiege/+QRnIv/A8g/XG21cDE4WF1gISAN8z8N0/KAP5F55n0Mp4+2pgojDRWkAC4HsGvvsHZSD/wvMMuhtvXw1MFB60FpAA+J6B7/5BGci/8DyD/sbbVwMjhBBCiKRDDUwUHrYWkAD4noHv/kEZyL/wPIO/GG9fDUwUmlgLSAB8z8B3/6AM5F94nsFa4+2rgYlCV2sBCYDvGfjuH5SB/AvPM3jRePtqYIQQQgiRdOhWAhFIqQlsi+kqk48a+J1BKf6TcUZFupWAaqDM/itUbfi+/8H7DLY4qBmH9epWAvHkAWsBCYDvGfjuH5SB/AvPMxhovH01MFFItxaQAPiege/+QRnIv/A8g2zj7auBicISawEJgO8Z+O4flIH8C88zONF4+zoHJgIpzYBvYrrK5ONQ/M6gFP/JOKMinQOjGiiz/wpVG77vf/A+g2wHzeKwXp0DE09GWwtIAHzPwHf/oAzkX3iewfXG21cDI4QQQoikQw1MFB63FpAA+J6B7/5BGci/8DyDa423rwYmCvG48D3Z8D0D3/2DMpB/4XkGW423rwYmCj2tBSQAvmfgu39QBvIvPM/gWePtq4ERQgghRNKhy6gjkFIP+CGmq0w+6uJ3BqX4T8YZFekyatVAmf1XqNrwff+D9xlscFAvDuvVZdTx5C5rAQmA7xn47h+UgfwLzzO4z3j7amCi0NxaQALgewa++wdlIP/C8wxWGW9fDUwUVlgLSAB8z8B3/6AM5F94nkEL4+3rHJgIpDQANsR0lclHffzOoBT/yTijIp0Doxoos/8KVRu+73/wPoPvHDSIw3p1Dkw8ecpaQALgewa++wdlIP/C8wyuNt6+GhghhBBCJB1qYKIwzlpAAjDOWoAx46wFJADjrAUYM85agDHjrAUkAOOsBdjS23j7amCisNNaQALgewa++wdlIP/C8wyqGm9fDUwU+lgLSAB8z8B3/6AM5F94nsFY4+2rgRFCCCFE0qHLqCOQ0hRYG9NVJh9N8DuDUvwn44yKdBm1aqDM/itUbfi+/8H7DL5x0DQO69Vl1PGkn7WABMD3DHz3D8pA/oXnGYwy3n5CNzCPPvoov/rVr6hevTqtW7dm4cKF1pICWloLSAB8z8B3/6AM5F94nsEy4+0nbAPz73//mwEDBjB48GA+/PBDTjzxRNq3b8/69eutpcFX1gISAN8z8N0/KAP5F55nkGG8/YQ9B6Z169acdtppjBoVfEiVn59Peno6N9xwA7fddtt+/z6u58DUAjbHdJXJx8H4nUEp/hNzRpVOpHNgVANl9l+hasP3/Q/eZ5DnoFY81pvM58D89NNPLFq0iHbt2hW+VqlSJdq1a8eCBQsMlYVMsBaQAPiege/+QRnIv/A8gx7G269ivP1i+f7779m9ezeNGjUq8nqjRo347LPPiv2bHTt2sGPHjsLnubm5QNDJxZytsV9l0uF7BqX4j0fJJSSqgTJToWrD9/0P3mewMw/iUdIF79v7+4IoIRuYKAwfPpyhQ4fu83p6erqBGg/obi3AmFL8165dfjJMUQ2UmQpVG77vf/A+g5m1IZ4l/eOPP1K7lEmTkA1MgwYNqFy5MuvWrSvy+rp162jcuHGxf3P77bczYMCAwuf5+fls3LiR+vXrkxLpC/7iycvLIz09nezs7JifW5Ms+J6B7/5BGci/3/5BGcTTv3OOH3/8kaZNS/+VmYRsYKpVq8Ypp5zCnDlz6NKlCxA0JHPmzKFfv+IvvE9NTSU1NbXIa3Xq1ImbxrS0NC+Ldm98z8B3/6AM5N9v/6AM4uW/tE9eCkjIBgZgwIAB9OrVi1NPPZVWrVrx0EMPsWXLFq666ipraUIIIYQwJmEbmMsvv5zvvvuOe+65h5ycHE466SRmzpy5z4m9QgghhPCPhG1gAPr161fiV0ZWpKamMnjw4H2+rvIJ3zPw3T8oA/n32z8og0Twn7A/ZCeEEEIIURIJ+UN2QgghhBCloQZGCCGEEEmHGhghhBBCJB1qYIQQQgiRdKiBicju3butJZixYcMGawmm+O6/AJ/nAMj/gVJRrxPRcSAa+fn5MVuXGpgysmLFCgAqV67s5QFs6tSpXHTRRWRnZ7Nr1y5rOeWO7/5Bc8B3/wdKQeOyadMmWyFxQMeBspOdnQ1ApUqVYtbEqIEpA6+99hrHHHMMXbt2Bfw7gL311lsMHDiQwYMHk56eTpUqCf0zQjHHd/+gOeC7/wPFOUdKSgozZsygY8eO5OTkWEuKGToOlJ2pU6dy9tlnM2TIECB2TYwamAMkOzube++9l3/961988803dO8e3Ia0cuXK3nTgK1eu5PLLLycrK4svv/ySYcOGMXbsWGbOnGktrVzw3b/vc8B3/2UhJSWFWbNmMWjQIO69914aN27M5s2brWXFBN+PA2Vl9erV3HLLLZx//vmsXr2ae++9F4hNE6MG5gBJT0/nn//8J7169WLixIl8+umnhQcwXzrw77//npkzZ/L999/Tu3dvcnJyWLRoEQ899BBTpkyxlhd3tm7dyvTp0731n56ezkMPPeTtHEhPT+e+++7j6quv9tL/geKc46effmLatGkMGzaM0047jbFjx9KqVSvuuecetm7dai3xF7Ft2zavjwNl5ZBDDmHMmDHcc889dOrUiY8++qhIE/NL0C/x7of333+fFStW0LBhQ373u98V3nUzOzubTp06cfTRR/PCCy8wd+5cqlevTmZmprHi2PL666/z3HPPMX78eLZu3coVV1xB5cqVOeWUU7jjjjv49ttvGT16NHXr1uXmm2+2lhtz3n//fVauXEmjRo046qijGDp0KLm5uZx66qle+Af473//y9KlS2nQoAHnn3++l3Ng/PjxPPfcc0Vez87OpmPHjhxzzDEV2n9Uhg4dytChQ8nKyuL888+nVq1aPPHEEzz77LP8+te/tpZXJv773/+ybNkyDjnkEH7zm98wePBgtmzZ4s1x8Jeya9cuqlSpUviPwIkTJ3LyySdz9913s3TpUurUqcNhhx1W5vXqE5hSmDZtGtdeey3z589n7NixDBs2jF27duGcIz09nddee42vvvqKFi1acO2111a4G03u2rWLOXPm8Nxzz9GrVy9q1qxJt27d+Prrr5k1axYATZs2JSUlhdWrV1e4qw0K9v9bb73FY489xiOPPMIZZ5xBTk4Or7/+OlCx/QPMnDmTG264ga+++oqnnnqKp59+unCZT3Pg+eefp1evXkVeT09PZ9q0aRXaf1lZvHgxd911FwCDBw/m5ZdfZsyYMdx0001kZWWxa9cuUlJSjFWWjYI58MUXXzB27FgmTZpEVlYW69at4z//+Q9Q8Y8DZWX+/Pncf//9PPHEE3z22WeFn1DWrFmT9u3b061bN1atWsU555zDZZddRrVq1aJtyIli+d///ud+/etfuyVLljjnnPv3v//tOnfu7H766aci44YPH+4aNmzoPv74YwuZcefdd991Dz30kDv22GPd73//e+ecc48++qhr3769a9OmjXvooYfccccd5z799FNjpbHl5/t/4sSJrlu3bu6HH35w48ePd+3atXNnnnlmhfXvnHNvv/22a9GihXvvvfecc87dfvvtbuTIkS47O9vl5eUVjvNlDrRs2dJ17NjROefc1q1bC5dXdP8Hwu7du93u3bvdSy+95M4//3w3ePDgIstffPFFd/zxx7vJkyeb6IvKz+fArbfe6v71r3+5Tz/91D388MOue/fuLjMzs0IfB8rKjBkzXIsWLdyDDz7ozjjjDDdw4MBix/Xq1culp6cXHmOjoAamBFauXOkeeeSRIq+dffbZbunSpS4/P98559wnn3zijjnmmF+0AxKZ/Px899prr7lbb73V7dixwzVv3tydc845LjMz03388cfurrvucg8++KD75JNPrKXGnOL2/1lnneVWrlzptm7d6rKzs92wYcPcP/7xjwrp3znnvvjiCzd79mznnHPr16936enp7txzz3VXXnmlO+uss9zatWvd//t//8+1bNnSiznw008/uV//+tcuMzPTnX322W7Tpk1u0aJFFdr/gfL9998755zLy8tzL7/8srv00kvdPffcU7h8zJgxbvr06c45V3j8TAaKmwNnn322u/baa13r1q3dwoUL3ciRIyvscbCsrFq1yp1wwgmFmS1ZssQ1bdq0yPzIz893H3zwgUtLS3NLly79RdtTA1MKBf/K+umnn9yuXbvcBRdc4JYvX+6cc27hwoUuPz/fbdiwwVJi3Nm5c6fr27evc8652bNnu+rVq7vWrVsbqyofitv/Bf/KXrRokdu2bZulvHLl6aefdo8//rhzzrlvvvnGde7c2T3zzDPOOefWrVtnKS3u7D0H3njjDVezZk3XqlWrwuXr16+3kmbO7t273Zo1a1xKSoqbNm2acy5oYiZNmuSysrL2+SQmmZqXn7P3HMjOznZdunRxzz33nLGqxOK7774rrIOCbyu6devmFi5cuM/Yb7755hdvT+fAlEKNGjWA4JLAypUrU6dOHRo2bMikSZMYMGAA69ato169esYq48u2bdvYtGkT9957L4MGDeK5555j9erVXHHFFdbS4k5x+79x48ZMmjSJ/v3788MPPxgrLD969+7Nn/70JyD4vr9OnTps374dgIYNG1pKizt7z4GBAwcyfvx4Pv/8c7p16wYEV1n4RMGlr7t376ZSpUqkp6fz97//nd///vfMmjWLWrVqcckll9CsWTPmzp3LqlWrCv822c5/2Zu950CzZs1IS0tj27ZtxqoSiwYNGnD88ccDe67Mq1KlCt9//z0A8+bNY9GiRUBwHPnF/OIWyCOuv/561717d3fKKad49X33o48+6g4//PDC76+3bdvmVq5caSvKAF/3/8+ZNGmSO+GEE7yqAc2BgM8++8x17drVrVmzxjnnipwTOGrUKFe1alX3+uuvuyVLlrjrr7/+F39FkKj4OAcOhPfff99df/31buPGjW7Xrl3OOee6du3q/vvf/7pXXnnFnXLKKS47Oztm21MDcwDk5+e7/Px8d+6557pGjRp5V7Tff/994fe7O3bsMFZT/vi+/wvYsmWLe/jhh12LFi3csmXLrOWUK77PAeec+/zzz92JJ57ofvvb37q2bdsW28SMHj3anXbaaa5Vq1Zu5syZVlLjhs9z4EB48803Xa9evYpkc9ddd7mLLrrInXnmmTFvaPU7MGXgjTfeoHHjxrRs2dJaijDA9/2/e/du5s+fz6GHHpp0v+MhfjnLly9n5cqVdOzYkf79+7NkyRImTJhAeno6O3bsIDU1FYCvv/6aqlWrVshLyjUH9uDC20X8nJEjRzJ79mxmz54NQP/+/Xn66adZuHBhzDNTAyOEEKJUfv5m9dVXX/H3v/+dpUuXMn78eDIyMliyZAnHHXecfpXYUzZt2sRf//pXbr/9drp3784ZZ5zBkCFDWLx4MXXr1iUjIyPm29RJvEIIIUrl5//SzsjIYNCgQZx00kl07NiRCRMm0KFDBz788EMjhcKCqVOncs455/Duu++yceNGPv30U8aOHUt6ejovvfQSH3/8MSeddFJcmhfQJzBCCCFKoOCTl/fff5+lS5dy0kknceSRRxZefblhwwZGjx7Nxx9/zFVXXcUFF1xgrFjEk+K+Nvrb3/7G2rVrcc6xZcsWzjrrLFq1akW/fv145plnYnO1UQmogRFCCFEic+fO5c9//jO/+93vWLp0KZ06deLyyy/n6KOPLhyzbds2atSoUeJ5ESL52XvfPv744yxbtowtW7YwYsQI1q1bx3//+1+GDRtGgwYNePXVV2nWrBmVK1eOqyZ9hSSEEKIIBf+u/fjjjxk5ciRPPfUUTz31FPfeey9r1qxh3rx5QHBSKxT9zSRRMSnYt2PHjuWpp56iU6dO5OXl0a5dO1JTU/nzn//Mww8/zK9//WtSU1Pj3ryAGhghhBAheXl5bNmypfDNasaMGSxfvpxp06YBcMEFF9CmTRvGjRvHtm3byuVNSiQOzjnefvttbrvtNrKyspg0aRKnn346Xbp0IT8/n0suuYRx48bRuHHjctGjBkYIIQQff/wxl156KR06dOCvf/0r//3vfxk0aBADBgzg888/Z+zYsQCcdtppVK9enS1bthgrFuXB3meZ5OfnU6lSJT777LPC18aMGcNRRx1V+Gu7BZ/GlQe63k0IITwnNzeXHj16MGjQIA4//HDeeOMNHnjgAdavX88NN9zAzp07GT16NNOmTeOHH37g1ltvpUGDBtayRRx54403qFSpEuecc07h+S+VK1fmiiuu4NJLL6Vx48ZcdtllvPbaa3z11Vcml8+rgRFCCM/ZsmULtWvX5g9/+AMAK1eu5LDDDmPs2LHUq1ePfv36kZKSwoIFC7jwwgvp0KEDUPKPmYnkZt68eXTq1IkdO3YwdepUOnbsWHgPrKysLJ5//nluv/12Zs6cyerVq5kwYYLJfQHVwAghhKd888037N69m8MOO4w6depw8803c+6559KoUSNOO+00vvvuO2bOnEnbtm3p2bMnzjneffddJk6cSPfu3dW8VEB27tzJhx9+yMqVK1m0aBFdunTh1VdfpWPHjuzcuROATp06cdJJJ1G5cmUqVapUbue8/BydAyOEEB6yYsUK2rVrV3g+Q79+/di0aRMffPABF1xwAQ0aNOCMM85g7ty5fP/99zRq1Igrr7yStm3bctZZZxmrF/GiatWq9O3bl2bNmtG5c2cee+wxunTpwrRp06hatSqVKlVi7dq1NGvWjKZNm5o1L6BPYIQQwjs+++wzevfuzS233EJWVhYQfDXw+eefs2zZMm677TZGjBhB7dq1qVSpEtu2bcM5R6NGjbjhhhuoVEn/9q1o7P11YLVq1Qqf//GPfyQlJaXwk5ivvvqKWbNmMXHiRA466CBTzfohOyGE8Ihdu3Zx7rnnAsG5Dvn5+dx5550cdNBBbNiwgeOOO463336b5cuXk5eXx3333UfXrl2NVYt4snfz8sYbb1CvXj2cc5xyyimFY5566inGjx9PlSpVeOCBBzj55JOt5BaiBkYIITxj6dKl9OjRg06dOvHRRx/xq1/9imbNmvHtt9/y448/Mn78eJYvX87BBx9MRkaGTtb1hAcffJBXXnmFzMxM5s2bxyOPPEKrVq0K9/2mTZuoWrWq+ScvBehzQCGE8IwTTjiB559/nvHjx3PEEUcwZswY7rzzTi699FJ27NiBc47jjjuu8CZ8al4qPu+99x4zZszg7bff5qeffqJZs2acdtppbN++vXBMnTp1EqZ5AZ0DI4QQXnL88cfzwQcfUKtWrcLXKlWqxMaNG9m4cSP16tVT4+IR27dvp3nz5owYMYIVK1bw6quvUqlSJWbMmEGbNm1o2LChtcR90CcwQgjhKY0bNy78F/Xs2bPp378/f/nLX6hfv76alwpMwW+67M0RRxzBwoULmTJlClOnTiU1NZUnnniChx9+2ORH6g4EnQMjhBAek5+fz+rVq+nevTt33XUXXbp00TkvFZitW7dSs2ZNAF588UV27dpF5cqVufzyyxk+fDjLly+nVq1aHHXUUYwfP57nnnuOli1bGqsuHjUwQgjhObt372bdunU0bdpUzUsF5rvvvuPoo4/mk08+YdGiRdxyyy1cfPHFvPLKK7Rv356HHnqIOXPmMG3aNOrXr8+ll17KMcccYy27RNTACCGEEJ7w6quvcs0113DRRRdxxx13cNRRR/Htt99y1llncfXVV3P77bcDyXGbCJ0DI4QQQnhCly5deOGFF3jmmWdYsWIFAE2bNuXBBx/k66+/LhyX6M0LqIERQgghvOK8885j+vTpXHXVVSxbtgyAzz//nNWrV/PTTz8Zqztw9BWSEEII4SHTp0+na9euXHHFFWzdupXbbruN448/3lrWAaMGRgghhPCU6dOnc+WVV7Js2TKaNGliLadMqIERQgghPGbLli0J9Qu7B4oaGCGEEEIkHTqJVwghhBBJhxoYIYQQQiQdamCEEEIIkXSogRFCCCFE0qEGRgghhBBJhxoYIYQQQiQdamCEEEIIkXSogRFCCCFE0qEGRgghhBBJx/8HrdArpipmxJ8AAAAASUVORK5CYII="/>
+          <p:cNvSpPr>
+            <a:spLocks noChangeAspect="1" noChangeArrowheads="1"/>
+          </p:cNvSpPr>
+          <p:nvPr/>
+        </p:nvSpPr>
+        <p:spPr bwMode="auto">
+          <a:xfrm>
+            <a:off x="155575" y="-144463"/>
+            <a:ext cx="304800" cy="304801"/>
+          </a:xfrm>
+          <a:prstGeom prst="rect">
+            <a:avLst/>
+          </a:prstGeom>
+          <a:noFill/>
+          <a:extLst>
+            <a:ext uri="{909E8E84-426E-40DD-AFC4-6F175D3DCCD1}">
+              <a14:hiddenFill xmlns:a14="http://schemas.microsoft.com/office/drawing/2010/main">
+                <a:solidFill>
+                  <a:srgbClr val="FFFFFF"/>
+                </a:solidFill>
+              </a14:hiddenFill>
+            </a:ext>
+          </a:extLst>
+        </p:spPr>
+        <p:txBody>
+          <a:bodyPr vert="horz" wrap="square" lIns="91440" tIns="45720" rIns="91440" bIns="45720" numCol="1" anchor="t" anchorCtr="0" compatLnSpc="1">
+            <a:prstTxWarp prst="textNoShape">
+              <a:avLst/>
+            </a:prstTxWarp>
           </a:bodyPr>
           <a:lstStyle/>
           <a:p>
-            <a:r>
-              <a:rPr lang="en-GB" sz="3200" dirty="0" smtClean="0"/>
-              <a:t>A brief description of the strengths and limitations of your model for your stakeholder.</a:t>
-            </a:r>
-            <a:br>
-              <a:rPr lang="en-GB" sz="3200" dirty="0" smtClean="0"/>
-            </a:br>
-            <a:endParaRPr lang="en-US" sz="3200" dirty="0"/>
-          </a:p>
-        </p:txBody>
-      </p:sp>
-      <p:sp>
-        <p:nvSpPr>
-          <p:cNvPr id="3" name="Content Placeholder 2"/>
-          <p:cNvSpPr>
-            <a:spLocks noGrp="1"/>
-          </p:cNvSpPr>
-          <p:nvPr>
-            <p:ph idx="1"/>
-          </p:nvPr>
-        </p:nvSpPr>
-        <p:spPr/>
-        <p:txBody>
-          <a:bodyPr>
-            <a:normAutofit fontScale="92500"/>
-          </a:bodyPr>
-          <a:lstStyle/>
-          <a:p>
-            <a:r>
-              <a:rPr lang="en-GB" dirty="0" smtClean="0"/>
-              <a:t>Random </a:t>
-            </a:r>
-            <a:r>
-              <a:rPr lang="en-GB" dirty="0"/>
-              <a:t>Forest Classifier is a powerful and flexible algorithm that can handle a wide range of classification tasks</a:t>
-            </a:r>
-          </a:p>
-          <a:p>
-            <a:r>
-              <a:rPr lang="en-GB" dirty="0"/>
-              <a:t>Accurate: Random Forest is known for its high accuracy in predicting outcomes. It is a robust model that can handle complex and nonlinear relationships in the data. This makes it suitable for predicting whether or not a driver will accept to take in-vehicle coupon recommendations, as there may be many factors that influence their decision.</a:t>
-            </a:r>
-          </a:p>
-          <a:p>
-            <a:r>
-              <a:rPr lang="en-GB" dirty="0"/>
-              <a:t>Robust to Overfitting: Random Forest is less likely to </a:t>
-            </a:r>
-            <a:r>
-              <a:rPr lang="en-GB" dirty="0" err="1"/>
-              <a:t>overfit</a:t>
-            </a:r>
-            <a:r>
-              <a:rPr lang="en-GB" dirty="0"/>
-              <a:t> than other models, as it creates multiple decision trees and averages their predictions. This helps to reduce the variance of the model and increase its accuracy.</a:t>
-            </a:r>
-          </a:p>
-          <a:p>
-            <a:endParaRPr lang="en-US" dirty="0"/>
+            <a:endParaRPr lang="en-US"/>
           </a:p>
         </p:txBody>
       </p:sp>
     </p:spTree>
     <p:extLst>
       <p:ext uri="{BB962C8B-B14F-4D97-AF65-F5344CB8AC3E}">
-        <p14:creationId xmlns:p14="http://schemas.microsoft.com/office/powerpoint/2010/main" val="2413578063"/>
+        <p14:creationId xmlns:p14="http://schemas.microsoft.com/office/powerpoint/2010/main" val="2458795784"/>
       </p:ext>
     </p:extLst>
   </p:cSld>
   <p:clrMapOvr>
     <a:masterClrMapping/>
   </p:clrMapOvr>
+  <p:timing>
+    <p:tnLst>
+      <p:par>
+        <p:cTn id="1" dur="indefinite" restart="never" nodeType="tmRoot"/>
+      </p:par>
+    </p:tnLst>
+  </p:timing>
 </p:sld>
 </file>
 
@@ -4234,42 +7734,206 @@
       </p:grpSpPr>
       <p:sp>
         <p:nvSpPr>
-          <p:cNvPr id="3" name="Content Placeholder 2"/>
-          <p:cNvSpPr>
-            <a:spLocks noGrp="1"/>
-          </p:cNvSpPr>
-          <p:nvPr>
-            <p:ph idx="1"/>
+          <p:cNvPr id="2" name="Title 1"/>
+          <p:cNvSpPr>
+            <a:spLocks noGrp="1"/>
+          </p:cNvSpPr>
+          <p:nvPr>
+            <p:ph type="title"/>
           </p:nvPr>
         </p:nvSpPr>
         <p:spPr>
           <a:xfrm>
-            <a:off x="838200" y="1825625"/>
-            <a:ext cx="10515600" cy="2408750"/>
+            <a:off x="253218" y="211015"/>
+            <a:ext cx="4531398" cy="1236785"/>
           </a:xfrm>
         </p:spPr>
         <p:txBody>
-          <a:bodyPr/>
+          <a:bodyPr>
+            <a:noAutofit/>
+          </a:bodyPr>
           <a:lstStyle/>
           <a:p>
             <a:r>
-              <a:rPr lang="en-GB" dirty="0"/>
-              <a:t>Feature Importance: Random Forest provides a measure of feature importance, which can help in understanding which variables are most important in predicting the outcome. This can be useful in identifying the factors that influence a driver's decision to accept or reject in-vehicle coupon recommendations.</a:t>
-            </a:r>
-            <a:endParaRPr lang="en-US" dirty="0"/>
+              <a:rPr lang="en-GB" sz="2100" b="1" dirty="0" smtClean="0">
+                <a:latin typeface="Calibri" panose="020F0502020204030204" pitchFamily="34" charset="0"/>
+                <a:cs typeface="Calibri" panose="020F0502020204030204" pitchFamily="34" charset="0"/>
+              </a:rPr>
+              <a:t/>
+            </a:r>
+            <a:br>
+              <a:rPr lang="en-GB" sz="2100" b="1" dirty="0" smtClean="0">
+                <a:latin typeface="Calibri" panose="020F0502020204030204" pitchFamily="34" charset="0"/>
+                <a:cs typeface="Calibri" panose="020F0502020204030204" pitchFamily="34" charset="0"/>
+              </a:rPr>
+            </a:br>
+            <a:r>
+              <a:rPr lang="en-GB" sz="2100" b="1" dirty="0">
+                <a:latin typeface="Calibri" panose="020F0502020204030204" pitchFamily="34" charset="0"/>
+                <a:cs typeface="Calibri" panose="020F0502020204030204" pitchFamily="34" charset="0"/>
+              </a:rPr>
+              <a:t/>
+            </a:r>
+            <a:br>
+              <a:rPr lang="en-GB" sz="2100" b="1" dirty="0">
+                <a:latin typeface="Calibri" panose="020F0502020204030204" pitchFamily="34" charset="0"/>
+                <a:cs typeface="Calibri" panose="020F0502020204030204" pitchFamily="34" charset="0"/>
+              </a:rPr>
+            </a:br>
+            <a:r>
+              <a:rPr lang="en-GB" sz="2100" b="1" dirty="0" smtClean="0">
+                <a:latin typeface="Calibri" panose="020F0502020204030204" pitchFamily="34" charset="0"/>
+                <a:cs typeface="Calibri" panose="020F0502020204030204" pitchFamily="34" charset="0"/>
+              </a:rPr>
+              <a:t/>
+            </a:r>
+            <a:br>
+              <a:rPr lang="en-GB" sz="2100" b="1" dirty="0" smtClean="0">
+                <a:latin typeface="Calibri" panose="020F0502020204030204" pitchFamily="34" charset="0"/>
+                <a:cs typeface="Calibri" panose="020F0502020204030204" pitchFamily="34" charset="0"/>
+              </a:rPr>
+            </a:br>
+            <a:r>
+              <a:rPr lang="en-GB" sz="2100" b="1" dirty="0" smtClean="0">
+                <a:latin typeface="Calibri" panose="020F0502020204030204" pitchFamily="34" charset="0"/>
+                <a:cs typeface="Calibri" panose="020F0502020204030204" pitchFamily="34" charset="0"/>
+              </a:rPr>
+              <a:t>Strengths and limitations of the model to the  stakeholder.</a:t>
+            </a:r>
+            <a:r>
+              <a:rPr lang="en-GB" sz="3200" b="1" dirty="0" smtClean="0"/>
+              <a:t/>
+            </a:r>
+            <a:br>
+              <a:rPr lang="en-GB" sz="3200" b="1" dirty="0" smtClean="0"/>
+            </a:br>
+            <a:endParaRPr lang="en-US" sz="3200" b="1" dirty="0"/>
+          </a:p>
+        </p:txBody>
+      </p:sp>
+      <p:sp>
+        <p:nvSpPr>
+          <p:cNvPr id="3" name="Content Placeholder 2"/>
+          <p:cNvSpPr>
+            <a:spLocks noGrp="1"/>
+          </p:cNvSpPr>
+          <p:nvPr>
+            <p:ph idx="1"/>
+          </p:nvPr>
+        </p:nvSpPr>
+        <p:spPr>
+          <a:xfrm>
+            <a:off x="450166" y="1447800"/>
+            <a:ext cx="10818056" cy="4572000"/>
+          </a:xfrm>
+        </p:spPr>
+        <p:txBody>
+          <a:bodyPr>
+            <a:normAutofit/>
+          </a:bodyPr>
+          <a:lstStyle/>
+          <a:p>
+            <a:pPr algn="just"/>
+            <a:r>
+              <a:rPr lang="en-GB" sz="2100" dirty="0" smtClean="0">
+                <a:latin typeface="Calibri" panose="020F0502020204030204" pitchFamily="34" charset="0"/>
+                <a:cs typeface="Calibri" panose="020F0502020204030204" pitchFamily="34" charset="0"/>
+              </a:rPr>
+              <a:t>Random </a:t>
+            </a:r>
+            <a:r>
+              <a:rPr lang="en-GB" sz="2100" dirty="0">
+                <a:latin typeface="Calibri" panose="020F0502020204030204" pitchFamily="34" charset="0"/>
+                <a:cs typeface="Calibri" panose="020F0502020204030204" pitchFamily="34" charset="0"/>
+              </a:rPr>
+              <a:t>Forest Classifier is a powerful and flexible algorithm that can handle a wide range of classification tasks</a:t>
+            </a:r>
+          </a:p>
+          <a:p>
+            <a:pPr algn="just"/>
+            <a:r>
+              <a:rPr lang="en-GB" sz="2100" dirty="0">
+                <a:latin typeface="Calibri" panose="020F0502020204030204" pitchFamily="34" charset="0"/>
+                <a:cs typeface="Calibri" panose="020F0502020204030204" pitchFamily="34" charset="0"/>
+              </a:rPr>
+              <a:t>Accurate: Random Forest is known for its high accuracy in predicting outcomes. </a:t>
+            </a:r>
+            <a:r>
+              <a:rPr lang="en-GB" sz="2100" dirty="0" smtClean="0">
+                <a:latin typeface="Calibri" panose="020F0502020204030204" pitchFamily="34" charset="0"/>
+                <a:cs typeface="Calibri" panose="020F0502020204030204" pitchFamily="34" charset="0"/>
+              </a:rPr>
+              <a:t>This made </a:t>
+            </a:r>
+            <a:r>
+              <a:rPr lang="en-GB" sz="2100" dirty="0">
+                <a:latin typeface="Calibri" panose="020F0502020204030204" pitchFamily="34" charset="0"/>
+                <a:cs typeface="Calibri" panose="020F0502020204030204" pitchFamily="34" charset="0"/>
+              </a:rPr>
+              <a:t>it suitable for </a:t>
+            </a:r>
+            <a:r>
+              <a:rPr lang="en-GB" sz="2100" dirty="0" smtClean="0">
+                <a:latin typeface="Calibri" panose="020F0502020204030204" pitchFamily="34" charset="0"/>
+                <a:cs typeface="Calibri" panose="020F0502020204030204" pitchFamily="34" charset="0"/>
+              </a:rPr>
+              <a:t>making predictions like on this data.</a:t>
+            </a:r>
+            <a:endParaRPr lang="en-GB" sz="2100" dirty="0">
+              <a:latin typeface="Calibri" panose="020F0502020204030204" pitchFamily="34" charset="0"/>
+              <a:cs typeface="Calibri" panose="020F0502020204030204" pitchFamily="34" charset="0"/>
+            </a:endParaRPr>
+          </a:p>
+          <a:p>
+            <a:pPr algn="just"/>
+            <a:r>
+              <a:rPr lang="en-GB" sz="2100" dirty="0">
+                <a:latin typeface="Calibri" panose="020F0502020204030204" pitchFamily="34" charset="0"/>
+                <a:cs typeface="Calibri" panose="020F0502020204030204" pitchFamily="34" charset="0"/>
+              </a:rPr>
+              <a:t>Robust to Overfitting: Random Forest is less likely to </a:t>
+            </a:r>
+            <a:r>
+              <a:rPr lang="en-GB" sz="2100" dirty="0" err="1">
+                <a:latin typeface="Calibri" panose="020F0502020204030204" pitchFamily="34" charset="0"/>
+                <a:cs typeface="Calibri" panose="020F0502020204030204" pitchFamily="34" charset="0"/>
+              </a:rPr>
+              <a:t>overfit</a:t>
+            </a:r>
+            <a:r>
+              <a:rPr lang="en-GB" sz="2100" dirty="0">
+                <a:latin typeface="Calibri" panose="020F0502020204030204" pitchFamily="34" charset="0"/>
+                <a:cs typeface="Calibri" panose="020F0502020204030204" pitchFamily="34" charset="0"/>
+              </a:rPr>
+              <a:t> than other models, as it creates multiple decision trees and averages their predictions. This helps to reduce the variance of the model and increase its accuracy.</a:t>
+            </a:r>
+          </a:p>
+          <a:p>
+            <a:pPr algn="just"/>
+            <a:endParaRPr lang="en-US" sz="2100" dirty="0">
+              <a:latin typeface="Calibri" panose="020F0502020204030204" pitchFamily="34" charset="0"/>
+              <a:cs typeface="Calibri" panose="020F0502020204030204" pitchFamily="34" charset="0"/>
+            </a:endParaRPr>
           </a:p>
         </p:txBody>
       </p:sp>
     </p:spTree>
     <p:extLst>
       <p:ext uri="{BB962C8B-B14F-4D97-AF65-F5344CB8AC3E}">
-        <p14:creationId xmlns:p14="http://schemas.microsoft.com/office/powerpoint/2010/main" val="1912120546"/>
+        <p14:creationId xmlns:p14="http://schemas.microsoft.com/office/powerpoint/2010/main" val="2413578063"/>
       </p:ext>
     </p:extLst>
   </p:cSld>
   <p:clrMapOvr>
     <a:masterClrMapping/>
   </p:clrMapOvr>
+  <p:timing>
+    <p:tnLst>
+      <p:par>
+        <p:cTn id="1" dur="indefinite" restart="never" nodeType="tmRoot"/>
+      </p:par>
+    </p:tnLst>
+  </p:timing>
 </p:sld>
 </file>
 
@@ -4328,46 +7992,121 @@
         <p:spPr/>
         <p:txBody>
           <a:bodyPr>
-            <a:normAutofit fontScale="92500" lnSpcReduction="20000"/>
+            <a:normAutofit/>
           </a:bodyPr>
           <a:lstStyle/>
           <a:p>
             <a:r>
-              <a:rPr lang="en-GB" dirty="0">
-                <a:cs typeface="Times New Roman" panose="02020603050405020304" pitchFamily="18" charset="0"/>
+              <a:rPr lang="en-GB" sz="2100" dirty="0">
+                <a:latin typeface="Calibri" panose="020F0502020204030204" pitchFamily="34" charset="0"/>
+                <a:cs typeface="Calibri" panose="020F0502020204030204" pitchFamily="34" charset="0"/>
               </a:rPr>
-              <a:t>Overfitting: The can suffer from overfitting especially if the number of trees in the forest is too high or if the data used to train the model is too complex or noisy. Overfitting occurs when the model learns the training data too well and cannot generalize to new data. Interpretability: This model is a bit a complex algorithm, and it can be difficult to interpret the results. It can be hard to understand how the model arrived at a particular prediction, which can be a challenge for some applications</a:t>
-            </a:r>
-            <a:r>
-              <a:rPr lang="en-GB" dirty="0" smtClean="0">
-                <a:cs typeface="Times New Roman" panose="02020603050405020304" pitchFamily="18" charset="0"/>
+              <a:t>Overfitting: </a:t>
+            </a:r>
+            <a:r>
+              <a:rPr lang="en-GB" sz="2100" dirty="0" smtClean="0">
+                <a:latin typeface="Calibri" panose="020F0502020204030204" pitchFamily="34" charset="0"/>
+                <a:cs typeface="Calibri" panose="020F0502020204030204" pitchFamily="34" charset="0"/>
+              </a:rPr>
+              <a:t>This is simply a  </a:t>
+            </a:r>
+            <a:r>
+              <a:rPr lang="en-GB" sz="2100" dirty="0">
+                <a:latin typeface="Calibri" panose="020F0502020204030204" pitchFamily="34" charset="0"/>
+                <a:cs typeface="Calibri" panose="020F0502020204030204" pitchFamily="34" charset="0"/>
+              </a:rPr>
+              <a:t>situation where </a:t>
+            </a:r>
+            <a:r>
+              <a:rPr lang="en-GB" sz="2100" dirty="0" smtClean="0">
+                <a:latin typeface="Calibri" panose="020F0502020204030204" pitchFamily="34" charset="0"/>
+                <a:cs typeface="Calibri" panose="020F0502020204030204" pitchFamily="34" charset="0"/>
+              </a:rPr>
+              <a:t>the model becomes </a:t>
+            </a:r>
+            <a:r>
+              <a:rPr lang="en-GB" sz="2100" dirty="0">
+                <a:latin typeface="Calibri" panose="020F0502020204030204" pitchFamily="34" charset="0"/>
+                <a:cs typeface="Calibri" panose="020F0502020204030204" pitchFamily="34" charset="0"/>
+              </a:rPr>
+              <a:t>too </a:t>
+            </a:r>
+            <a:r>
+              <a:rPr lang="en-GB" sz="2100" dirty="0" smtClean="0">
+                <a:latin typeface="Calibri" panose="020F0502020204030204" pitchFamily="34" charset="0"/>
+                <a:cs typeface="Calibri" panose="020F0502020204030204" pitchFamily="34" charset="0"/>
+              </a:rPr>
+              <a:t>complex and </a:t>
+            </a:r>
+            <a:r>
+              <a:rPr lang="en-GB" sz="2100" dirty="0">
+                <a:latin typeface="Calibri" panose="020F0502020204030204" pitchFamily="34" charset="0"/>
+                <a:cs typeface="Calibri" panose="020F0502020204030204" pitchFamily="34" charset="0"/>
+              </a:rPr>
+              <a:t>it fails to generalize well to new, </a:t>
+            </a:r>
+            <a:r>
+              <a:rPr lang="en-GB" sz="2100" dirty="0" smtClean="0">
+                <a:latin typeface="Calibri" panose="020F0502020204030204" pitchFamily="34" charset="0"/>
+                <a:cs typeface="Calibri" panose="020F0502020204030204" pitchFamily="34" charset="0"/>
+              </a:rPr>
+              <a:t>unseen data, its learned </a:t>
+            </a:r>
+            <a:r>
+              <a:rPr lang="en-GB" sz="2100" dirty="0">
+                <a:latin typeface="Calibri" panose="020F0502020204030204" pitchFamily="34" charset="0"/>
+                <a:cs typeface="Calibri" panose="020F0502020204030204" pitchFamily="34" charset="0"/>
+              </a:rPr>
+              <a:t>to memorize the training data instead of learning the underlying patterns and relationships that can be applied to new data. As a result, </a:t>
+            </a:r>
+            <a:r>
+              <a:rPr lang="en-GB" sz="2100" dirty="0" smtClean="0">
+                <a:latin typeface="Calibri" panose="020F0502020204030204" pitchFamily="34" charset="0"/>
+                <a:cs typeface="Calibri" panose="020F0502020204030204" pitchFamily="34" charset="0"/>
+              </a:rPr>
+              <a:t>leading </a:t>
+            </a:r>
+            <a:r>
+              <a:rPr lang="en-GB" sz="2100" dirty="0">
+                <a:latin typeface="Calibri" panose="020F0502020204030204" pitchFamily="34" charset="0"/>
+                <a:cs typeface="Calibri" panose="020F0502020204030204" pitchFamily="34" charset="0"/>
+              </a:rPr>
+              <a:t>to poor performance of the model on new data and can limit its usefulness in real-world applications</a:t>
+            </a:r>
+            <a:r>
+              <a:rPr lang="en-GB" dirty="0" smtClean="0"/>
+              <a:t>.</a:t>
+            </a:r>
+          </a:p>
+          <a:p>
+            <a:pPr marL="0" indent="0">
+              <a:buNone/>
+            </a:pPr>
+            <a:endParaRPr lang="en-GB" sz="2100" dirty="0" smtClean="0">
+              <a:latin typeface="Calibri" panose="020F0502020204030204" pitchFamily="34" charset="0"/>
+              <a:cs typeface="Calibri" panose="020F0502020204030204" pitchFamily="34" charset="0"/>
+            </a:endParaRPr>
+          </a:p>
+          <a:p>
+            <a:r>
+              <a:rPr lang="en-GB" sz="2100" dirty="0">
+                <a:latin typeface="Calibri" panose="020F0502020204030204" pitchFamily="34" charset="0"/>
+                <a:cs typeface="Calibri" panose="020F0502020204030204" pitchFamily="34" charset="0"/>
+              </a:rPr>
+              <a:t>Feature Importance: This model may not accurately rank the importance of features if there are strong correlations between the features. In such cases, the model may give a high importance score to one feature and a low score to another feature, even if they are highly correlated. This can make it difficult to understand the true importance of each feature</a:t>
+            </a:r>
+            <a:r>
+              <a:rPr lang="en-GB" sz="2100" dirty="0" smtClean="0">
+                <a:latin typeface="Calibri" panose="020F0502020204030204" pitchFamily="34" charset="0"/>
+                <a:cs typeface="Calibri" panose="020F0502020204030204" pitchFamily="34" charset="0"/>
               </a:rPr>
               <a:t>.</a:t>
             </a:r>
           </a:p>
           <a:p>
-            <a:endParaRPr lang="en-GB" dirty="0" smtClean="0">
-              <a:cs typeface="Times New Roman" panose="02020603050405020304" pitchFamily="18" charset="0"/>
-            </a:endParaRPr>
-          </a:p>
-          <a:p>
-            <a:r>
-              <a:rPr lang="en-GB" dirty="0">
-                <a:cs typeface="Times New Roman" panose="02020603050405020304" pitchFamily="18" charset="0"/>
-              </a:rPr>
-              <a:t>Feature Importance: This model may not accurately rank the importance of features if there are strong correlations between the features. In such cases, the model may give a high importance score to one feature and a low score to another feature, even if they are highly correlated. This can make it difficult to understand the true importance of each feature</a:t>
-            </a:r>
-            <a:r>
-              <a:rPr lang="en-GB" dirty="0" smtClean="0">
-                <a:cs typeface="Times New Roman" panose="02020603050405020304" pitchFamily="18" charset="0"/>
-              </a:rPr>
-              <a:t>.</a:t>
-            </a:r>
-          </a:p>
-          <a:p>
-            <a:endParaRPr lang="en-US" dirty="0">
-              <a:latin typeface="Times New Roman" panose="02020603050405020304" pitchFamily="18" charset="0"/>
-              <a:cs typeface="Times New Roman" panose="02020603050405020304" pitchFamily="18" charset="0"/>
+            <a:endParaRPr lang="en-US" sz="2100" dirty="0">
+              <a:latin typeface="Calibri" panose="020F0502020204030204" pitchFamily="34" charset="0"/>
+              <a:cs typeface="Calibri" panose="020F0502020204030204" pitchFamily="34" charset="0"/>
             </a:endParaRPr>
           </a:p>
         </p:txBody>
@@ -4382,13 +8121,20 @@
   <p:clrMapOvr>
     <a:masterClrMapping/>
   </p:clrMapOvr>
+  <p:timing>
+    <p:tnLst>
+      <p:par>
+        <p:cTn id="1" dur="indefinite" restart="never" nodeType="tmRoot"/>
+      </p:par>
+    </p:tnLst>
+  </p:timing>
 </p:sld>
 </file>
 
 <file path=ppt/theme/theme1.xml><?xml version="1.0" encoding="utf-8"?>
-<a:theme xmlns:a="http://schemas.openxmlformats.org/drawingml/2006/main" name="Office Theme">
+<a:theme xmlns:a="http://schemas.openxmlformats.org/drawingml/2006/main" name="Ion">
   <a:themeElements>
-    <a:clrScheme name="Office">
+    <a:clrScheme name="Ion">
       <a:dk1>
         <a:sysClr val="windowText" lastClr="000000"/>
       </a:dk1>
@@ -4396,44 +8142,44 @@
         <a:sysClr val="window" lastClr="FFFFFF"/>
       </a:lt1>
       <a:dk2>
-        <a:srgbClr val="44546A"/>
+        <a:srgbClr val="1E5155"/>
       </a:dk2>
       <a:lt2>
-        <a:srgbClr val="E7E6E6"/>
+        <a:srgbClr val="EBEBEB"/>
       </a:lt2>
       <a:accent1>
-        <a:srgbClr val="5B9BD5"/>
+        <a:srgbClr val="B01513"/>
       </a:accent1>
       <a:accent2>
-        <a:srgbClr val="ED7D31"/>
+        <a:srgbClr val="EA6312"/>
       </a:accent2>
       <a:accent3>
-        <a:srgbClr val="A5A5A5"/>
+        <a:srgbClr val="E6B729"/>
       </a:accent3>
       <a:accent4>
-        <a:srgbClr val="FFC000"/>
+        <a:srgbClr val="6AAC90"/>
       </a:accent4>
       <a:accent5>
-        <a:srgbClr val="4472C4"/>
+        <a:srgbClr val="54849A"/>
       </a:accent5>
       <a:accent6>
-        <a:srgbClr val="70AD47"/>
+        <a:srgbClr val="9E5E9B"/>
       </a:accent6>
       <a:hlink>
-        <a:srgbClr val="0563C1"/>
+        <a:srgbClr val="58C1BA"/>
       </a:hlink>
       <a:folHlink>
-        <a:srgbClr val="954F72"/>
+        <a:srgbClr val="9DFFCB"/>
       </a:folHlink>
     </a:clrScheme>
-    <a:fontScheme name="Office">
+    <a:fontScheme name="Ion">
       <a:majorFont>
-        <a:latin typeface="Calibri Light" panose="020F0302020204030204"/>
+        <a:latin typeface="Century Gothic" panose="020B0502020202020204"/>
         <a:ea typeface=""/>
         <a:cs typeface=""/>
-        <a:font script="Jpan" typeface="游ゴシック Light"/>
+        <a:font script="Jpan" typeface="メイリオ"/>
         <a:font script="Hang" typeface="맑은 고딕"/>
-        <a:font script="Hans" typeface="等线 Light"/>
+        <a:font script="Hans" typeface="宋体"/>
         <a:font script="Hant" typeface="新細明體"/>
         <a:font script="Arab" typeface="Times New Roman"/>
         <a:font script="Hebr" typeface="Times New Roman"/>
@@ -4463,12 +8209,12 @@
         <a:font script="Geor" typeface="Sylfaen"/>
       </a:majorFont>
       <a:minorFont>
-        <a:latin typeface="Calibri" panose="020F0502020204030204"/>
+        <a:latin typeface="Century Gothic" panose="020B0502020202020204"/>
         <a:ea typeface=""/>
         <a:cs typeface=""/>
-        <a:font script="Jpan" typeface="游ゴシック"/>
+        <a:font script="Jpan" typeface="メイリオ"/>
         <a:font script="Hang" typeface="맑은 고딕"/>
-        <a:font script="Hans" typeface="等线"/>
+        <a:font script="Hans" typeface="宋体"/>
         <a:font script="Hant" typeface="新細明體"/>
         <a:font script="Arab" typeface="Arial"/>
         <a:font script="Hebr" typeface="Arial"/>
@@ -4498,7 +8244,7 @@
         <a:font script="Geor" typeface="Sylfaen"/>
       </a:minorFont>
     </a:fontScheme>
-    <a:fmtScheme name="Office">
+    <a:fmtScheme name="Ion">
       <a:fillStyleLst>
         <a:solidFill>
           <a:schemeClr val="phClr"/>
@@ -4507,23 +8253,15 @@
           <a:gsLst>
             <a:gs pos="0">
               <a:schemeClr val="phClr">
-                <a:lumMod val="110000"/>
-                <a:satMod val="105000"/>
-                <a:tint val="67000"/>
-              </a:schemeClr>
-            </a:gs>
-            <a:gs pos="50000">
-              <a:schemeClr val="phClr">
-                <a:lumMod val="105000"/>
-                <a:satMod val="103000"/>
-                <a:tint val="73000"/>
+                <a:tint val="64000"/>
+                <a:lumMod val="118000"/>
               </a:schemeClr>
             </a:gs>
             <a:gs pos="100000">
               <a:schemeClr val="phClr">
-                <a:lumMod val="105000"/>
-                <a:satMod val="109000"/>
-                <a:tint val="81000"/>
+                <a:tint val="92000"/>
+                <a:alpha val="100000"/>
+                <a:lumMod val="110000"/>
               </a:schemeClr>
             </a:gs>
           </a:gsLst>
@@ -4533,23 +8271,14 @@
           <a:gsLst>
             <a:gs pos="0">
               <a:schemeClr val="phClr">
-                <a:satMod val="103000"/>
-                <a:lumMod val="102000"/>
-                <a:tint val="94000"/>
-              </a:schemeClr>
-            </a:gs>
-            <a:gs pos="50000">
-              <a:schemeClr val="phClr">
-                <a:satMod val="110000"/>
-                <a:lumMod val="100000"/>
-                <a:shade val="100000"/>
+                <a:tint val="98000"/>
+                <a:lumMod val="114000"/>
               </a:schemeClr>
             </a:gs>
             <a:gs pos="100000">
               <a:schemeClr val="phClr">
-                <a:lumMod val="99000"/>
-                <a:satMod val="120000"/>
-                <a:shade val="78000"/>
+                <a:shade val="90000"/>
+                <a:lumMod val="84000"/>
               </a:schemeClr>
             </a:gs>
           </a:gsLst>
@@ -4557,26 +8286,23 @@
         </a:gradFill>
       </a:fillStyleLst>
       <a:lnStyleLst>
-        <a:ln w="6350" cap="flat" cmpd="sng" algn="ctr">
+        <a:ln w="9525" cap="rnd" cmpd="sng" algn="ctr">
           <a:solidFill>
             <a:schemeClr val="phClr"/>
           </a:solidFill>
           <a:prstDash val="solid"/>
-          <a:miter lim="800000"/>
         </a:ln>
-        <a:ln w="12700" cap="flat" cmpd="sng" algn="ctr">
+        <a:ln w="19050" cap="rnd" cmpd="sng" algn="ctr">
           <a:solidFill>
             <a:schemeClr val="phClr"/>
           </a:solidFill>
           <a:prstDash val="solid"/>
-          <a:miter lim="800000"/>
         </a:ln>
-        <a:ln w="19050" cap="flat" cmpd="sng" algn="ctr">
+        <a:ln w="28575" cap="rnd" cmpd="sng" algn="ctr">
           <a:solidFill>
             <a:schemeClr val="phClr"/>
           </a:solidFill>
           <a:prstDash val="solid"/>
-          <a:miter lim="800000"/>
         </a:ln>
       </a:lnStyleLst>
       <a:effectStyleLst>
@@ -4584,55 +8310,80 @@
           <a:effectLst/>
         </a:effectStyle>
         <a:effectStyle>
-          <a:effectLst/>
+          <a:effectLst>
+            <a:outerShdw blurRad="38100" dist="25400" dir="5400000" rotWithShape="0">
+              <a:srgbClr val="000000">
+                <a:alpha val="45000"/>
+              </a:srgbClr>
+            </a:outerShdw>
+          </a:effectLst>
         </a:effectStyle>
         <a:effectStyle>
           <a:effectLst>
-            <a:outerShdw blurRad="57150" dist="19050" dir="5400000" algn="ctr" rotWithShape="0">
+            <a:outerShdw blurRad="63500" dist="38100" dir="5400000" rotWithShape="0">
               <a:srgbClr val="000000">
-                <a:alpha val="63000"/>
+                <a:alpha val="60000"/>
               </a:srgbClr>
             </a:outerShdw>
           </a:effectLst>
+          <a:scene3d>
+            <a:camera prst="orthographicFront">
+              <a:rot lat="0" lon="0" rev="0"/>
+            </a:camera>
+            <a:lightRig rig="threePt" dir="tl"/>
+          </a:scene3d>
+          <a:sp3d prstMaterial="plastic">
+            <a:bevelT w="0" h="0"/>
+          </a:sp3d>
         </a:effectStyle>
       </a:effectStyleLst>
       <a:bgFillStyleLst>
         <a:solidFill>
           <a:schemeClr val="phClr"/>
         </a:solidFill>
-        <a:solidFill>
-          <a:schemeClr val="phClr">
-            <a:tint val="95000"/>
-            <a:satMod val="170000"/>
-          </a:schemeClr>
-        </a:solidFill>
         <a:gradFill rotWithShape="1">
           <a:gsLst>
             <a:gs pos="0">
               <a:schemeClr val="phClr">
-                <a:tint val="93000"/>
-                <a:satMod val="150000"/>
-                <a:shade val="98000"/>
-                <a:lumMod val="102000"/>
-              </a:schemeClr>
-            </a:gs>
-            <a:gs pos="50000">
-              <a:schemeClr val="phClr">
-                <a:tint val="98000"/>
+                <a:tint val="97000"/>
+                <a:hueMod val="88000"/>
                 <a:satMod val="130000"/>
-                <a:shade val="90000"/>
-                <a:lumMod val="103000"/>
+                <a:lumMod val="124000"/>
               </a:schemeClr>
             </a:gs>
             <a:gs pos="100000">
               <a:schemeClr val="phClr">
-                <a:shade val="63000"/>
-                <a:satMod val="120000"/>
+                <a:tint val="96000"/>
+                <a:shade val="88000"/>
+                <a:hueMod val="108000"/>
+                <a:satMod val="164000"/>
+                <a:lumMod val="76000"/>
               </a:schemeClr>
             </a:gs>
           </a:gsLst>
-          <a:lin ang="5400000" scaled="0"/>
+          <a:path path="circle">
+            <a:fillToRect l="45000" t="65000" r="125000" b="100000"/>
+          </a:path>
         </a:gradFill>
+        <a:blipFill rotWithShape="1">
+          <a:blip xmlns:r="http://schemas.openxmlformats.org/officeDocument/2006/relationships" r:embed="rId1">
+            <a:duotone>
+              <a:schemeClr val="phClr">
+                <a:shade val="69000"/>
+                <a:hueMod val="108000"/>
+                <a:satMod val="164000"/>
+                <a:lumMod val="74000"/>
+              </a:schemeClr>
+              <a:schemeClr val="phClr">
+                <a:tint val="96000"/>
+                <a:hueMod val="88000"/>
+                <a:satMod val="140000"/>
+                <a:lumMod val="132000"/>
+              </a:schemeClr>
+            </a:duotone>
+          </a:blip>
+          <a:stretch/>
+        </a:blipFill>
       </a:bgFillStyleLst>
     </a:fmtScheme>
   </a:themeElements>
@@ -4640,7 +8391,7 @@
   <a:extraClrSchemeLst/>
   <a:extLst>
     <a:ext uri="{05A4C25C-085E-4340-85A3-A5531E510DB2}">
-      <thm15:themeFamily xmlns:thm15="http://schemas.microsoft.com/office/thememl/2012/main" name="Office Theme" id="{62F939B6-93AF-4DB8-9C6B-D6C7DFDC589F}" vid="{4A3C46E8-61CC-4603-A589-7422A47A8E4A}"/>
+      <thm15:themeFamily xmlns:thm15="http://schemas.microsoft.com/office/thememl/2012/main" name="Ion" id="{B8441ADB-2E43-4AF7-B97A-BD870242C6A8}" vid="{292E63A9-BB86-4E3D-B92A-7223C6510D2E}"/>
     </a:ext>
   </a:extLst>
 </a:theme>
